--- a/_PowerPoints/Wednesday Meeting Feb 9.pptx
+++ b/_PowerPoints/Wednesday Meeting Feb 9.pptx
@@ -4,6 +4,9 @@
   <p:sldMasterIdLst>
     <p:sldMasterId id="2147483660" r:id="rId1"/>
   </p:sldMasterIdLst>
+  <p:notesMasterIdLst>
+    <p:notesMasterId r:id="rId18"/>
+  </p:notesMasterIdLst>
   <p:sldIdLst>
     <p:sldId id="256" r:id="rId2"/>
     <p:sldId id="264" r:id="rId3"/>
@@ -16,7 +19,11 @@
     <p:sldId id="263" r:id="rId10"/>
     <p:sldId id="265" r:id="rId11"/>
     <p:sldId id="266" r:id="rId12"/>
-    <p:sldId id="267" r:id="rId13"/>
+    <p:sldId id="270" r:id="rId13"/>
+    <p:sldId id="268" r:id="rId14"/>
+    <p:sldId id="269" r:id="rId15"/>
+    <p:sldId id="271" r:id="rId16"/>
+    <p:sldId id="272" r:id="rId17"/>
   </p:sldIdLst>
   <p:sldSz cx="12192000" cy="6858000"/>
   <p:notesSz cx="6858000" cy="9144000"/>
@@ -123,6 +130,1491 @@
 </p:presentation>
 </file>
 
+<file path=ppt/notesMasters/notesMaster1.xml><?xml version="1.0" encoding="utf-8"?>
+<p:notesMaster xmlns:a="http://schemas.openxmlformats.org/drawingml/2006/main" xmlns:r="http://schemas.openxmlformats.org/officeDocument/2006/relationships" xmlns:p="http://schemas.openxmlformats.org/presentationml/2006/main">
+  <p:cSld>
+    <p:bg>
+      <p:bgRef idx="1001">
+        <a:schemeClr val="bg1"/>
+      </p:bgRef>
+    </p:bg>
+    <p:spTree>
+      <p:nvGrpSpPr>
+        <p:cNvPr id="1" name=""/>
+        <p:cNvGrpSpPr/>
+        <p:nvPr/>
+      </p:nvGrpSpPr>
+      <p:grpSpPr>
+        <a:xfrm>
+          <a:off x="0" y="0"/>
+          <a:ext cx="0" cy="0"/>
+          <a:chOff x="0" y="0"/>
+          <a:chExt cx="0" cy="0"/>
+        </a:xfrm>
+      </p:grpSpPr>
+      <p:sp>
+        <p:nvSpPr>
+          <p:cNvPr id="2" name="Header Placeholder 1"/>
+          <p:cNvSpPr>
+            <a:spLocks noGrp="1"/>
+          </p:cNvSpPr>
+          <p:nvPr>
+            <p:ph type="hdr" sz="quarter"/>
+          </p:nvPr>
+        </p:nvSpPr>
+        <p:spPr>
+          <a:xfrm>
+            <a:off x="0" y="0"/>
+            <a:ext cx="2971800" cy="458788"/>
+          </a:xfrm>
+          <a:prstGeom prst="rect">
+            <a:avLst/>
+          </a:prstGeom>
+        </p:spPr>
+        <p:txBody>
+          <a:bodyPr vert="horz" lIns="91440" tIns="45720" rIns="91440" bIns="45720" rtlCol="0"/>
+          <a:lstStyle>
+            <a:lvl1pPr algn="l">
+              <a:defRPr sz="1200"/>
+            </a:lvl1pPr>
+          </a:lstStyle>
+          <a:p>
+            <a:endParaRPr lang="en-US"/>
+          </a:p>
+        </p:txBody>
+      </p:sp>
+      <p:sp>
+        <p:nvSpPr>
+          <p:cNvPr id="3" name="Date Placeholder 2"/>
+          <p:cNvSpPr>
+            <a:spLocks noGrp="1"/>
+          </p:cNvSpPr>
+          <p:nvPr>
+            <p:ph type="dt" idx="1"/>
+          </p:nvPr>
+        </p:nvSpPr>
+        <p:spPr>
+          <a:xfrm>
+            <a:off x="3884613" y="0"/>
+            <a:ext cx="2971800" cy="458788"/>
+          </a:xfrm>
+          <a:prstGeom prst="rect">
+            <a:avLst/>
+          </a:prstGeom>
+        </p:spPr>
+        <p:txBody>
+          <a:bodyPr vert="horz" lIns="91440" tIns="45720" rIns="91440" bIns="45720" rtlCol="0"/>
+          <a:lstStyle>
+            <a:lvl1pPr algn="r">
+              <a:defRPr sz="1200"/>
+            </a:lvl1pPr>
+          </a:lstStyle>
+          <a:p>
+            <a:fld id="{85939D8E-AE14-4AF7-9B16-343BF0DF4D9E}" type="datetimeFigureOut">
+              <a:rPr lang="en-US" smtClean="0"/>
+              <a:t>2/14/2022</a:t>
+            </a:fld>
+            <a:endParaRPr lang="en-US"/>
+          </a:p>
+        </p:txBody>
+      </p:sp>
+      <p:sp>
+        <p:nvSpPr>
+          <p:cNvPr id="4" name="Slide Image Placeholder 3"/>
+          <p:cNvSpPr>
+            <a:spLocks noGrp="1" noRot="1" noChangeAspect="1"/>
+          </p:cNvSpPr>
+          <p:nvPr>
+            <p:ph type="sldImg" idx="2"/>
+          </p:nvPr>
+        </p:nvSpPr>
+        <p:spPr>
+          <a:xfrm>
+            <a:off x="685800" y="1143000"/>
+            <a:ext cx="5486400" cy="3086100"/>
+          </a:xfrm>
+          <a:prstGeom prst="rect">
+            <a:avLst/>
+          </a:prstGeom>
+          <a:noFill/>
+          <a:ln w="12700">
+            <a:solidFill>
+              <a:prstClr val="black"/>
+            </a:solidFill>
+          </a:ln>
+        </p:spPr>
+        <p:txBody>
+          <a:bodyPr vert="horz" lIns="91440" tIns="45720" rIns="91440" bIns="45720" rtlCol="0" anchor="ctr"/>
+          <a:lstStyle/>
+          <a:p>
+            <a:endParaRPr lang="en-US"/>
+          </a:p>
+        </p:txBody>
+      </p:sp>
+      <p:sp>
+        <p:nvSpPr>
+          <p:cNvPr id="5" name="Notes Placeholder 4"/>
+          <p:cNvSpPr>
+            <a:spLocks noGrp="1"/>
+          </p:cNvSpPr>
+          <p:nvPr>
+            <p:ph type="body" sz="quarter" idx="3"/>
+          </p:nvPr>
+        </p:nvSpPr>
+        <p:spPr>
+          <a:xfrm>
+            <a:off x="685800" y="4400550"/>
+            <a:ext cx="5486400" cy="3600450"/>
+          </a:xfrm>
+          <a:prstGeom prst="rect">
+            <a:avLst/>
+          </a:prstGeom>
+        </p:spPr>
+        <p:txBody>
+          <a:bodyPr vert="horz" lIns="91440" tIns="45720" rIns="91440" bIns="45720" rtlCol="0"/>
+          <a:lstStyle/>
+          <a:p>
+            <a:pPr lvl="0"/>
+            <a:r>
+              <a:rPr lang="en-US"/>
+              <a:t>Click to edit Master text styles</a:t>
+            </a:r>
+          </a:p>
+          <a:p>
+            <a:pPr lvl="1"/>
+            <a:r>
+              <a:rPr lang="en-US"/>
+              <a:t>Second level</a:t>
+            </a:r>
+          </a:p>
+          <a:p>
+            <a:pPr lvl="2"/>
+            <a:r>
+              <a:rPr lang="en-US"/>
+              <a:t>Third level</a:t>
+            </a:r>
+          </a:p>
+          <a:p>
+            <a:pPr lvl="3"/>
+            <a:r>
+              <a:rPr lang="en-US"/>
+              <a:t>Fourth level</a:t>
+            </a:r>
+          </a:p>
+          <a:p>
+            <a:pPr lvl="4"/>
+            <a:r>
+              <a:rPr lang="en-US"/>
+              <a:t>Fifth level</a:t>
+            </a:r>
+          </a:p>
+        </p:txBody>
+      </p:sp>
+      <p:sp>
+        <p:nvSpPr>
+          <p:cNvPr id="6" name="Footer Placeholder 5"/>
+          <p:cNvSpPr>
+            <a:spLocks noGrp="1"/>
+          </p:cNvSpPr>
+          <p:nvPr>
+            <p:ph type="ftr" sz="quarter" idx="4"/>
+          </p:nvPr>
+        </p:nvSpPr>
+        <p:spPr>
+          <a:xfrm>
+            <a:off x="0" y="8685213"/>
+            <a:ext cx="2971800" cy="458787"/>
+          </a:xfrm>
+          <a:prstGeom prst="rect">
+            <a:avLst/>
+          </a:prstGeom>
+        </p:spPr>
+        <p:txBody>
+          <a:bodyPr vert="horz" lIns="91440" tIns="45720" rIns="91440" bIns="45720" rtlCol="0" anchor="b"/>
+          <a:lstStyle>
+            <a:lvl1pPr algn="l">
+              <a:defRPr sz="1200"/>
+            </a:lvl1pPr>
+          </a:lstStyle>
+          <a:p>
+            <a:endParaRPr lang="en-US"/>
+          </a:p>
+        </p:txBody>
+      </p:sp>
+      <p:sp>
+        <p:nvSpPr>
+          <p:cNvPr id="7" name="Slide Number Placeholder 6"/>
+          <p:cNvSpPr>
+            <a:spLocks noGrp="1"/>
+          </p:cNvSpPr>
+          <p:nvPr>
+            <p:ph type="sldNum" sz="quarter" idx="5"/>
+          </p:nvPr>
+        </p:nvSpPr>
+        <p:spPr>
+          <a:xfrm>
+            <a:off x="3884613" y="8685213"/>
+            <a:ext cx="2971800" cy="458787"/>
+          </a:xfrm>
+          <a:prstGeom prst="rect">
+            <a:avLst/>
+          </a:prstGeom>
+        </p:spPr>
+        <p:txBody>
+          <a:bodyPr vert="horz" lIns="91440" tIns="45720" rIns="91440" bIns="45720" rtlCol="0" anchor="b"/>
+          <a:lstStyle>
+            <a:lvl1pPr algn="r">
+              <a:defRPr sz="1200"/>
+            </a:lvl1pPr>
+          </a:lstStyle>
+          <a:p>
+            <a:fld id="{F63F0E58-1F3A-44F3-99F2-085F7CCEF425}" type="slidenum">
+              <a:rPr lang="en-US" smtClean="0"/>
+              <a:t>‹#›</a:t>
+            </a:fld>
+            <a:endParaRPr lang="en-US"/>
+          </a:p>
+        </p:txBody>
+      </p:sp>
+    </p:spTree>
+    <p:extLst>
+      <p:ext uri="{BB962C8B-B14F-4D97-AF65-F5344CB8AC3E}">
+        <p14:creationId xmlns:p14="http://schemas.microsoft.com/office/powerpoint/2010/main" val="1181099152"/>
+      </p:ext>
+    </p:extLst>
+  </p:cSld>
+  <p:clrMap bg1="lt1" tx1="dk1" bg2="lt2" tx2="dk2" accent1="accent1" accent2="accent2" accent3="accent3" accent4="accent4" accent5="accent5" accent6="accent6" hlink="hlink" folHlink="folHlink"/>
+  <p:notesStyle>
+    <a:lvl1pPr marL="0" algn="l" defTabSz="914400" rtl="0" eaLnBrk="1" latinLnBrk="0" hangingPunct="1">
+      <a:defRPr sz="1200" kern="1200">
+        <a:solidFill>
+          <a:schemeClr val="tx1"/>
+        </a:solidFill>
+        <a:latin typeface="+mn-lt"/>
+        <a:ea typeface="+mn-ea"/>
+        <a:cs typeface="+mn-cs"/>
+      </a:defRPr>
+    </a:lvl1pPr>
+    <a:lvl2pPr marL="457200" algn="l" defTabSz="914400" rtl="0" eaLnBrk="1" latinLnBrk="0" hangingPunct="1">
+      <a:defRPr sz="1200" kern="1200">
+        <a:solidFill>
+          <a:schemeClr val="tx1"/>
+        </a:solidFill>
+        <a:latin typeface="+mn-lt"/>
+        <a:ea typeface="+mn-ea"/>
+        <a:cs typeface="+mn-cs"/>
+      </a:defRPr>
+    </a:lvl2pPr>
+    <a:lvl3pPr marL="914400" algn="l" defTabSz="914400" rtl="0" eaLnBrk="1" latinLnBrk="0" hangingPunct="1">
+      <a:defRPr sz="1200" kern="1200">
+        <a:solidFill>
+          <a:schemeClr val="tx1"/>
+        </a:solidFill>
+        <a:latin typeface="+mn-lt"/>
+        <a:ea typeface="+mn-ea"/>
+        <a:cs typeface="+mn-cs"/>
+      </a:defRPr>
+    </a:lvl3pPr>
+    <a:lvl4pPr marL="1371600" algn="l" defTabSz="914400" rtl="0" eaLnBrk="1" latinLnBrk="0" hangingPunct="1">
+      <a:defRPr sz="1200" kern="1200">
+        <a:solidFill>
+          <a:schemeClr val="tx1"/>
+        </a:solidFill>
+        <a:latin typeface="+mn-lt"/>
+        <a:ea typeface="+mn-ea"/>
+        <a:cs typeface="+mn-cs"/>
+      </a:defRPr>
+    </a:lvl4pPr>
+    <a:lvl5pPr marL="1828800" algn="l" defTabSz="914400" rtl="0" eaLnBrk="1" latinLnBrk="0" hangingPunct="1">
+      <a:defRPr sz="1200" kern="1200">
+        <a:solidFill>
+          <a:schemeClr val="tx1"/>
+        </a:solidFill>
+        <a:latin typeface="+mn-lt"/>
+        <a:ea typeface="+mn-ea"/>
+        <a:cs typeface="+mn-cs"/>
+      </a:defRPr>
+    </a:lvl5pPr>
+    <a:lvl6pPr marL="2286000" algn="l" defTabSz="914400" rtl="0" eaLnBrk="1" latinLnBrk="0" hangingPunct="1">
+      <a:defRPr sz="1200" kern="1200">
+        <a:solidFill>
+          <a:schemeClr val="tx1"/>
+        </a:solidFill>
+        <a:latin typeface="+mn-lt"/>
+        <a:ea typeface="+mn-ea"/>
+        <a:cs typeface="+mn-cs"/>
+      </a:defRPr>
+    </a:lvl6pPr>
+    <a:lvl7pPr marL="2743200" algn="l" defTabSz="914400" rtl="0" eaLnBrk="1" latinLnBrk="0" hangingPunct="1">
+      <a:defRPr sz="1200" kern="1200">
+        <a:solidFill>
+          <a:schemeClr val="tx1"/>
+        </a:solidFill>
+        <a:latin typeface="+mn-lt"/>
+        <a:ea typeface="+mn-ea"/>
+        <a:cs typeface="+mn-cs"/>
+      </a:defRPr>
+    </a:lvl7pPr>
+    <a:lvl8pPr marL="3200400" algn="l" defTabSz="914400" rtl="0" eaLnBrk="1" latinLnBrk="0" hangingPunct="1">
+      <a:defRPr sz="1200" kern="1200">
+        <a:solidFill>
+          <a:schemeClr val="tx1"/>
+        </a:solidFill>
+        <a:latin typeface="+mn-lt"/>
+        <a:ea typeface="+mn-ea"/>
+        <a:cs typeface="+mn-cs"/>
+      </a:defRPr>
+    </a:lvl8pPr>
+    <a:lvl9pPr marL="3657600" algn="l" defTabSz="914400" rtl="0" eaLnBrk="1" latinLnBrk="0" hangingPunct="1">
+      <a:defRPr sz="1200" kern="1200">
+        <a:solidFill>
+          <a:schemeClr val="tx1"/>
+        </a:solidFill>
+        <a:latin typeface="+mn-lt"/>
+        <a:ea typeface="+mn-ea"/>
+        <a:cs typeface="+mn-cs"/>
+      </a:defRPr>
+    </a:lvl9pPr>
+  </p:notesStyle>
+</p:notesMaster>
+</file>
+
+<file path=ppt/notesSlides/notesSlide1.xml><?xml version="1.0" encoding="utf-8"?>
+<p:notes xmlns:a="http://schemas.openxmlformats.org/drawingml/2006/main" xmlns:r="http://schemas.openxmlformats.org/officeDocument/2006/relationships" xmlns:p="http://schemas.openxmlformats.org/presentationml/2006/main">
+  <p:cSld>
+    <p:spTree>
+      <p:nvGrpSpPr>
+        <p:cNvPr id="1" name=""/>
+        <p:cNvGrpSpPr/>
+        <p:nvPr/>
+      </p:nvGrpSpPr>
+      <p:grpSpPr>
+        <a:xfrm>
+          <a:off x="0" y="0"/>
+          <a:ext cx="0" cy="0"/>
+          <a:chOff x="0" y="0"/>
+          <a:chExt cx="0" cy="0"/>
+        </a:xfrm>
+      </p:grpSpPr>
+      <p:sp>
+        <p:nvSpPr>
+          <p:cNvPr id="2" name="Slide Image Placeholder 1"/>
+          <p:cNvSpPr>
+            <a:spLocks noGrp="1" noRot="1" noChangeAspect="1"/>
+          </p:cNvSpPr>
+          <p:nvPr>
+            <p:ph type="sldImg"/>
+          </p:nvPr>
+        </p:nvSpPr>
+        <p:spPr/>
+      </p:sp>
+      <p:sp>
+        <p:nvSpPr>
+          <p:cNvPr id="3" name="Notes Placeholder 2"/>
+          <p:cNvSpPr>
+            <a:spLocks noGrp="1"/>
+          </p:cNvSpPr>
+          <p:nvPr>
+            <p:ph type="body" idx="1"/>
+          </p:nvPr>
+        </p:nvSpPr>
+        <p:spPr/>
+        <p:txBody>
+          <a:bodyPr/>
+          <a:lstStyle/>
+          <a:p>
+            <a:r>
+              <a:rPr lang="en-US" dirty="0"/>
+              <a:t>Sexual dimorphism, males and females have differences in complex traits and disease risk; important later for treatment and future research</a:t>
+            </a:r>
+          </a:p>
+          <a:p>
+            <a:r>
+              <a:rPr lang="en-US" dirty="0"/>
+              <a:t>Contributed by differences in genetic architecture. Many think sex chromosomes, but effects are largely concentrated in autosomes. Autosomes explain most of the heritability, and is relatively the same between males and females. </a:t>
+            </a:r>
+          </a:p>
+          <a:p>
+            <a:r>
+              <a:rPr lang="en-US" dirty="0"/>
+              <a:t>Originally wanted to study </a:t>
+            </a:r>
+            <a:r>
+              <a:rPr lang="en-US" dirty="0" err="1"/>
+              <a:t>GxE</a:t>
+            </a:r>
+            <a:r>
+              <a:rPr lang="en-US" dirty="0"/>
+              <a:t> for complex traits in humans. With other species, you can do things like control the environment, which can help develop the methodology. Not with humans.</a:t>
+            </a:r>
+          </a:p>
+          <a:p>
+            <a:r>
+              <a:rPr lang="en-US" dirty="0"/>
+              <a:t>In humans, </a:t>
+            </a:r>
+            <a:r>
+              <a:rPr lang="en-US" dirty="0" err="1"/>
+              <a:t>GxE</a:t>
+            </a:r>
+            <a:r>
+              <a:rPr lang="en-US" dirty="0"/>
+              <a:t> is hard to define and research is often underwhelming. </a:t>
+            </a:r>
+          </a:p>
+          <a:p>
+            <a:r>
+              <a:rPr lang="en-US" dirty="0"/>
+              <a:t>So with humans, we decided to use sex as our environment, typically a binary difference – male or female – and within the UKBB, there is not heavy recruitment bias.</a:t>
+            </a:r>
+          </a:p>
+          <a:p>
+            <a:r>
+              <a:rPr lang="en-US" dirty="0"/>
+              <a:t>Sex minimizes bias from population structure, reverse causality (phenotype doesn’t affect sex).</a:t>
+            </a:r>
+          </a:p>
+          <a:p>
+            <a:r>
+              <a:rPr lang="en-US" dirty="0"/>
+              <a:t>Furthermore, sex is independent from the genotype frequency due to random segregation, which helps us look at the environment side.</a:t>
+            </a:r>
+          </a:p>
+          <a:p>
+            <a:r>
+              <a:rPr lang="en-US" dirty="0"/>
+              <a:t>Possibly help us look for other types of </a:t>
+            </a:r>
+            <a:r>
+              <a:rPr lang="en-US" dirty="0" err="1"/>
+              <a:t>GxE</a:t>
+            </a:r>
+            <a:r>
+              <a:rPr lang="en-US" dirty="0"/>
+              <a:t> in humans.</a:t>
+            </a:r>
+          </a:p>
+        </p:txBody>
+      </p:sp>
+      <p:sp>
+        <p:nvSpPr>
+          <p:cNvPr id="4" name="Slide Number Placeholder 3"/>
+          <p:cNvSpPr>
+            <a:spLocks noGrp="1"/>
+          </p:cNvSpPr>
+          <p:nvPr>
+            <p:ph type="sldNum" sz="quarter" idx="5"/>
+          </p:nvPr>
+        </p:nvSpPr>
+        <p:spPr/>
+        <p:txBody>
+          <a:bodyPr/>
+          <a:lstStyle/>
+          <a:p>
+            <a:fld id="{F63F0E58-1F3A-44F3-99F2-085F7CCEF425}" type="slidenum">
+              <a:rPr lang="en-US" smtClean="0"/>
+              <a:t>2</a:t>
+            </a:fld>
+            <a:endParaRPr lang="en-US"/>
+          </a:p>
+        </p:txBody>
+      </p:sp>
+    </p:spTree>
+    <p:extLst>
+      <p:ext uri="{BB962C8B-B14F-4D97-AF65-F5344CB8AC3E}">
+        <p14:creationId xmlns:p14="http://schemas.microsoft.com/office/powerpoint/2010/main" val="872253439"/>
+      </p:ext>
+    </p:extLst>
+  </p:cSld>
+  <p:clrMapOvr>
+    <a:masterClrMapping/>
+  </p:clrMapOvr>
+</p:notes>
+</file>
+
+<file path=ppt/notesSlides/notesSlide2.xml><?xml version="1.0" encoding="utf-8"?>
+<p:notes xmlns:a="http://schemas.openxmlformats.org/drawingml/2006/main" xmlns:r="http://schemas.openxmlformats.org/officeDocument/2006/relationships" xmlns:p="http://schemas.openxmlformats.org/presentationml/2006/main">
+  <p:cSld>
+    <p:spTree>
+      <p:nvGrpSpPr>
+        <p:cNvPr id="1" name=""/>
+        <p:cNvGrpSpPr/>
+        <p:nvPr/>
+      </p:nvGrpSpPr>
+      <p:grpSpPr>
+        <a:xfrm>
+          <a:off x="0" y="0"/>
+          <a:ext cx="0" cy="0"/>
+          <a:chOff x="0" y="0"/>
+          <a:chExt cx="0" cy="0"/>
+        </a:xfrm>
+      </p:grpSpPr>
+      <p:sp>
+        <p:nvSpPr>
+          <p:cNvPr id="2" name="Slide Image Placeholder 1"/>
+          <p:cNvSpPr>
+            <a:spLocks noGrp="1" noRot="1" noChangeAspect="1"/>
+          </p:cNvSpPr>
+          <p:nvPr>
+            <p:ph type="sldImg"/>
+          </p:nvPr>
+        </p:nvSpPr>
+        <p:spPr/>
+      </p:sp>
+      <p:sp>
+        <p:nvSpPr>
+          <p:cNvPr id="3" name="Notes Placeholder 2"/>
+          <p:cNvSpPr>
+            <a:spLocks noGrp="1"/>
+          </p:cNvSpPr>
+          <p:nvPr>
+            <p:ph type="body" idx="1"/>
+          </p:nvPr>
+        </p:nvSpPr>
+        <p:spPr/>
+        <p:txBody>
+          <a:bodyPr/>
+          <a:lstStyle/>
+          <a:p>
+            <a:r>
+              <a:rPr lang="en-US" dirty="0"/>
+              <a:t>Previous studies of </a:t>
+            </a:r>
+            <a:r>
+              <a:rPr lang="en-US" dirty="0" err="1"/>
+              <a:t>GxSex</a:t>
+            </a:r>
+            <a:r>
+              <a:rPr lang="en-US" dirty="0"/>
+              <a:t> focus either on specific SNPs of biological importance or general calculation of correlation and heritability differences between the sexes. </a:t>
+            </a:r>
+          </a:p>
+          <a:p>
+            <a:r>
+              <a:rPr lang="en-US" dirty="0"/>
+              <a:t>Sex-specific SNPS: test for associations, interaction level of individual SNPs. Many studies find sex-specific SNPs and go into the biology of it to see how it affect males v females. </a:t>
+            </a:r>
+          </a:p>
+          <a:p>
+            <a:r>
+              <a:rPr lang="en-US" dirty="0"/>
+              <a:t>Due to polygenic nature of traits, results have been underwhelming, and don’t often find big effects. Testosterone, sex hormone, is one exception. </a:t>
+            </a:r>
+          </a:p>
+          <a:p>
+            <a:r>
+              <a:rPr lang="en-US" dirty="0"/>
+              <a:t>Switch over to think about it in a more polygenic way. </a:t>
+            </a:r>
+          </a:p>
+          <a:p>
+            <a:r>
+              <a:rPr lang="en-US" dirty="0"/>
+              <a:t>Looked at genetic correlation and heritability differences. Heritability described as the fraction of phenotypic variance explained by all the SNPs, or genetic effect. Correlation how the effect sizes between males and females correlate with each other. Most high, above 0.9. </a:t>
+            </a:r>
+          </a:p>
+          <a:p>
+            <a:r>
+              <a:rPr lang="en-US" dirty="0"/>
+              <a:t>We see that male or female specific </a:t>
+            </a:r>
+            <a:r>
+              <a:rPr lang="en-US" dirty="0" err="1"/>
+              <a:t>heritabilities</a:t>
+            </a:r>
+            <a:r>
+              <a:rPr lang="en-US" dirty="0"/>
+              <a:t> are both higher than both sex. Possible evidence of different directions of effect, dilute the heritability. Heritability difference also tends to increase with decreasing correlation. But not consistent trend which can point to amplitude differences  rather than opposite sign. Either way, proves that the numbers don’t tell the full story, lot of it is just conjecture</a:t>
+            </a:r>
+          </a:p>
+          <a:p>
+            <a:r>
+              <a:rPr lang="en-US" dirty="0"/>
+              <a:t>Gives a nice overview, but also doesn’t tell the full story. We can give general explanations, but we hoped to find something more concrete. </a:t>
+            </a:r>
+          </a:p>
+        </p:txBody>
+      </p:sp>
+      <p:sp>
+        <p:nvSpPr>
+          <p:cNvPr id="4" name="Slide Number Placeholder 3"/>
+          <p:cNvSpPr>
+            <a:spLocks noGrp="1"/>
+          </p:cNvSpPr>
+          <p:nvPr>
+            <p:ph type="sldNum" sz="quarter" idx="5"/>
+          </p:nvPr>
+        </p:nvSpPr>
+        <p:spPr/>
+        <p:txBody>
+          <a:bodyPr/>
+          <a:lstStyle/>
+          <a:p>
+            <a:fld id="{F63F0E58-1F3A-44F3-99F2-085F7CCEF425}" type="slidenum">
+              <a:rPr lang="en-US" smtClean="0"/>
+              <a:t>3</a:t>
+            </a:fld>
+            <a:endParaRPr lang="en-US"/>
+          </a:p>
+        </p:txBody>
+      </p:sp>
+    </p:spTree>
+    <p:extLst>
+      <p:ext uri="{BB962C8B-B14F-4D97-AF65-F5344CB8AC3E}">
+        <p14:creationId xmlns:p14="http://schemas.microsoft.com/office/powerpoint/2010/main" val="963656976"/>
+      </p:ext>
+    </p:extLst>
+  </p:cSld>
+  <p:clrMapOvr>
+    <a:masterClrMapping/>
+  </p:clrMapOvr>
+</p:notes>
+</file>
+
+<file path=ppt/notesSlides/notesSlide3.xml><?xml version="1.0" encoding="utf-8"?>
+<p:notes xmlns:a="http://schemas.openxmlformats.org/drawingml/2006/main" xmlns:r="http://schemas.openxmlformats.org/officeDocument/2006/relationships" xmlns:p="http://schemas.openxmlformats.org/presentationml/2006/main">
+  <p:cSld>
+    <p:spTree>
+      <p:nvGrpSpPr>
+        <p:cNvPr id="1" name=""/>
+        <p:cNvGrpSpPr/>
+        <p:nvPr/>
+      </p:nvGrpSpPr>
+      <p:grpSpPr>
+        <a:xfrm>
+          <a:off x="0" y="0"/>
+          <a:ext cx="0" cy="0"/>
+          <a:chOff x="0" y="0"/>
+          <a:chExt cx="0" cy="0"/>
+        </a:xfrm>
+      </p:grpSpPr>
+      <p:sp>
+        <p:nvSpPr>
+          <p:cNvPr id="2" name="Slide Image Placeholder 1"/>
+          <p:cNvSpPr>
+            <a:spLocks noGrp="1" noRot="1" noChangeAspect="1"/>
+          </p:cNvSpPr>
+          <p:nvPr>
+            <p:ph type="sldImg"/>
+          </p:nvPr>
+        </p:nvSpPr>
+        <p:spPr/>
+      </p:sp>
+      <p:sp>
+        <p:nvSpPr>
+          <p:cNvPr id="3" name="Notes Placeholder 2"/>
+          <p:cNvSpPr>
+            <a:spLocks noGrp="1"/>
+          </p:cNvSpPr>
+          <p:nvPr>
+            <p:ph type="body" idx="1"/>
+          </p:nvPr>
+        </p:nvSpPr>
+        <p:spPr/>
+        <p:txBody>
+          <a:bodyPr/>
+          <a:lstStyle/>
+          <a:p>
+            <a:r>
+              <a:rPr lang="en-US" dirty="0"/>
+              <a:t>Therefore, we looked to examine the covariance structure between males and females, which will give us more information about the correlation and amplification of effect sizes. </a:t>
+            </a:r>
+          </a:p>
+          <a:p>
+            <a:r>
+              <a:rPr lang="en-US" dirty="0"/>
+              <a:t>So rather than looking at specific SNPs, we are looking at genetic architecture more wholistically. Past heritability and correlation, we are seeing how effect sizes are distributed with each trait. </a:t>
+            </a:r>
+          </a:p>
+          <a:p>
+            <a:endParaRPr lang="en-US" dirty="0"/>
+          </a:p>
+          <a:p>
+            <a:r>
+              <a:rPr lang="en-US" dirty="0"/>
+              <a:t>Mash provides mixture weights on </a:t>
+            </a:r>
+            <a:r>
+              <a:rPr lang="en-US" dirty="0" err="1"/>
+              <a:t>inputed</a:t>
+            </a:r>
+            <a:r>
+              <a:rPr lang="en-US" dirty="0"/>
+              <a:t> covariance matrices, signifying the proportion of effects (SNPs) that correspond to that matrix. Learns patterns in the data.</a:t>
+            </a:r>
+          </a:p>
+          <a:p>
+            <a:r>
+              <a:rPr lang="en-US" dirty="0"/>
+              <a:t>Input matrix of male and female GWAS effect size and standard error estimates., our summary data. Then we listed hypothesis covariance matrices for mash to learn from, which span a range of interpretations. </a:t>
+            </a:r>
+          </a:p>
+          <a:p>
+            <a:r>
+              <a:rPr lang="en-US" dirty="0"/>
+              <a:t>Mash can also compute data driven matrices, which basically is where mash is learning from the strongest signals to create a covariance </a:t>
+            </a:r>
+            <a:r>
+              <a:rPr lang="en-US" dirty="0" err="1"/>
+              <a:t>matrice</a:t>
+            </a:r>
+            <a:r>
+              <a:rPr lang="en-US" dirty="0"/>
+              <a:t> matching the patterns it sees. But we decided to remove it since the data driven matrices it produced was essentially the same as some of our hypothesis matrices.</a:t>
+            </a:r>
+          </a:p>
+          <a:p>
+            <a:r>
+              <a:rPr lang="en-US" dirty="0"/>
+              <a:t>So for all the hypothesis matrices, mash calculates a weight, representing proportion of SNPs that correspond and we use those weights to examine the architecture and use it for future analysis.</a:t>
+            </a:r>
+          </a:p>
+        </p:txBody>
+      </p:sp>
+      <p:sp>
+        <p:nvSpPr>
+          <p:cNvPr id="4" name="Slide Number Placeholder 3"/>
+          <p:cNvSpPr>
+            <a:spLocks noGrp="1"/>
+          </p:cNvSpPr>
+          <p:nvPr>
+            <p:ph type="sldNum" sz="quarter" idx="5"/>
+          </p:nvPr>
+        </p:nvSpPr>
+        <p:spPr/>
+        <p:txBody>
+          <a:bodyPr/>
+          <a:lstStyle/>
+          <a:p>
+            <a:fld id="{F63F0E58-1F3A-44F3-99F2-085F7CCEF425}" type="slidenum">
+              <a:rPr lang="en-US" smtClean="0"/>
+              <a:t>4</a:t>
+            </a:fld>
+            <a:endParaRPr lang="en-US"/>
+          </a:p>
+        </p:txBody>
+      </p:sp>
+    </p:spTree>
+    <p:extLst>
+      <p:ext uri="{BB962C8B-B14F-4D97-AF65-F5344CB8AC3E}">
+        <p14:creationId xmlns:p14="http://schemas.microsoft.com/office/powerpoint/2010/main" val="829003498"/>
+      </p:ext>
+    </p:extLst>
+  </p:cSld>
+  <p:clrMapOvr>
+    <a:masterClrMapping/>
+  </p:clrMapOvr>
+</p:notes>
+</file>
+
+<file path=ppt/notesSlides/notesSlide4.xml><?xml version="1.0" encoding="utf-8"?>
+<p:notes xmlns:a="http://schemas.openxmlformats.org/drawingml/2006/main" xmlns:r="http://schemas.openxmlformats.org/officeDocument/2006/relationships" xmlns:p="http://schemas.openxmlformats.org/presentationml/2006/main">
+  <p:cSld>
+    <p:spTree>
+      <p:nvGrpSpPr>
+        <p:cNvPr id="1" name=""/>
+        <p:cNvGrpSpPr/>
+        <p:nvPr/>
+      </p:nvGrpSpPr>
+      <p:grpSpPr>
+        <a:xfrm>
+          <a:off x="0" y="0"/>
+          <a:ext cx="0" cy="0"/>
+          <a:chOff x="0" y="0"/>
+          <a:chExt cx="0" cy="0"/>
+        </a:xfrm>
+      </p:grpSpPr>
+      <p:sp>
+        <p:nvSpPr>
+          <p:cNvPr id="2" name="Slide Image Placeholder 1"/>
+          <p:cNvSpPr>
+            <a:spLocks noGrp="1" noRot="1" noChangeAspect="1"/>
+          </p:cNvSpPr>
+          <p:nvPr>
+            <p:ph type="sldImg"/>
+          </p:nvPr>
+        </p:nvSpPr>
+        <p:spPr/>
+      </p:sp>
+      <p:sp>
+        <p:nvSpPr>
+          <p:cNvPr id="3" name="Notes Placeholder 2"/>
+          <p:cNvSpPr>
+            <a:spLocks noGrp="1"/>
+          </p:cNvSpPr>
+          <p:nvPr>
+            <p:ph type="body" idx="1"/>
+          </p:nvPr>
+        </p:nvSpPr>
+        <p:spPr/>
+        <p:txBody>
+          <a:bodyPr/>
+          <a:lstStyle/>
+          <a:p>
+            <a:r>
+              <a:rPr lang="en-US" dirty="0"/>
+              <a:t>Covariance matrix example: diagonals are variance and covariance between males and females. 1</a:t>
+            </a:r>
+            <a:r>
+              <a:rPr lang="en-US" baseline="30000" dirty="0"/>
+              <a:t>st</a:t>
+            </a:r>
+            <a:r>
+              <a:rPr lang="en-US" dirty="0"/>
+              <a:t> example, x2 male amplification than female, correlation of 0.75. </a:t>
+            </a:r>
+          </a:p>
+          <a:p>
+            <a:r>
+              <a:rPr lang="en-US" dirty="0"/>
+              <a:t>We create multiple hypothesis matrices that represent different levels of interpretation. Range from -1 to 1 correlation and x9 female or male amplification. Or female and male specific effects. </a:t>
+            </a:r>
+          </a:p>
+          <a:p>
+            <a:r>
+              <a:rPr lang="en-US" dirty="0"/>
+              <a:t>Inputted these into mash, mash calculated weights on each matrix and we produce this plot with each box representing a matrix. We can see that for testosterone, almost all of the non-null (effect) weight is on the male-specific matrix. Confirms testosterone as a male sex hormone and previous studies. </a:t>
+            </a:r>
+          </a:p>
+        </p:txBody>
+      </p:sp>
+      <p:sp>
+        <p:nvSpPr>
+          <p:cNvPr id="4" name="Slide Number Placeholder 3"/>
+          <p:cNvSpPr>
+            <a:spLocks noGrp="1"/>
+          </p:cNvSpPr>
+          <p:nvPr>
+            <p:ph type="sldNum" sz="quarter" idx="5"/>
+          </p:nvPr>
+        </p:nvSpPr>
+        <p:spPr/>
+        <p:txBody>
+          <a:bodyPr/>
+          <a:lstStyle/>
+          <a:p>
+            <a:fld id="{F63F0E58-1F3A-44F3-99F2-085F7CCEF425}" type="slidenum">
+              <a:rPr lang="en-US" smtClean="0"/>
+              <a:t>5</a:t>
+            </a:fld>
+            <a:endParaRPr lang="en-US"/>
+          </a:p>
+        </p:txBody>
+      </p:sp>
+    </p:spTree>
+    <p:extLst>
+      <p:ext uri="{BB962C8B-B14F-4D97-AF65-F5344CB8AC3E}">
+        <p14:creationId xmlns:p14="http://schemas.microsoft.com/office/powerpoint/2010/main" val="360236723"/>
+      </p:ext>
+    </p:extLst>
+  </p:cSld>
+  <p:clrMapOvr>
+    <a:masterClrMapping/>
+  </p:clrMapOvr>
+</p:notes>
+</file>
+
+<file path=ppt/notesSlides/notesSlide5.xml><?xml version="1.0" encoding="utf-8"?>
+<p:notes xmlns:a="http://schemas.openxmlformats.org/drawingml/2006/main" xmlns:r="http://schemas.openxmlformats.org/officeDocument/2006/relationships" xmlns:p="http://schemas.openxmlformats.org/presentationml/2006/main">
+  <p:cSld>
+    <p:spTree>
+      <p:nvGrpSpPr>
+        <p:cNvPr id="1" name=""/>
+        <p:cNvGrpSpPr/>
+        <p:nvPr/>
+      </p:nvGrpSpPr>
+      <p:grpSpPr>
+        <a:xfrm>
+          <a:off x="0" y="0"/>
+          <a:ext cx="0" cy="0"/>
+          <a:chOff x="0" y="0"/>
+          <a:chExt cx="0" cy="0"/>
+        </a:xfrm>
+      </p:grpSpPr>
+      <p:sp>
+        <p:nvSpPr>
+          <p:cNvPr id="2" name="Slide Image Placeholder 1"/>
+          <p:cNvSpPr>
+            <a:spLocks noGrp="1" noRot="1" noChangeAspect="1"/>
+          </p:cNvSpPr>
+          <p:nvPr>
+            <p:ph type="sldImg"/>
+          </p:nvPr>
+        </p:nvSpPr>
+        <p:spPr/>
+      </p:sp>
+      <p:sp>
+        <p:nvSpPr>
+          <p:cNvPr id="3" name="Notes Placeholder 2"/>
+          <p:cNvSpPr>
+            <a:spLocks noGrp="1"/>
+          </p:cNvSpPr>
+          <p:nvPr>
+            <p:ph type="body" idx="1"/>
+          </p:nvPr>
+        </p:nvSpPr>
+        <p:spPr/>
+        <p:txBody>
+          <a:bodyPr/>
+          <a:lstStyle/>
+          <a:p>
+            <a:r>
+              <a:rPr lang="en-US" dirty="0"/>
+              <a:t>We condense the previous plot, to show just different levels of correlation, and female greater than, male greater or equal magnitude of effect sizes. </a:t>
+            </a:r>
+          </a:p>
+          <a:p>
+            <a:r>
+              <a:rPr lang="en-US" dirty="0"/>
+              <a:t>On right is testosterone, we see better that most weight is on male &gt; female effect magnitude and uncorrelated effects. </a:t>
+            </a:r>
+          </a:p>
+          <a:p>
+            <a:r>
+              <a:rPr lang="en-US" dirty="0"/>
+              <a:t>On left, diastolic BP is concentrated on perfect correlation of effect sizes between males and females, but the amplification is significantly higher in females than males. </a:t>
+            </a:r>
+          </a:p>
+          <a:p>
+            <a:r>
+              <a:rPr lang="en-US" dirty="0"/>
+              <a:t>Gives a better picture than simple heritability or correlation. We see a lot of high correlation, but the amplitude is different between the sexes. </a:t>
+            </a:r>
+          </a:p>
+        </p:txBody>
+      </p:sp>
+      <p:sp>
+        <p:nvSpPr>
+          <p:cNvPr id="4" name="Slide Number Placeholder 3"/>
+          <p:cNvSpPr>
+            <a:spLocks noGrp="1"/>
+          </p:cNvSpPr>
+          <p:nvPr>
+            <p:ph type="sldNum" sz="quarter" idx="5"/>
+          </p:nvPr>
+        </p:nvSpPr>
+        <p:spPr/>
+        <p:txBody>
+          <a:bodyPr/>
+          <a:lstStyle/>
+          <a:p>
+            <a:fld id="{F63F0E58-1F3A-44F3-99F2-085F7CCEF425}" type="slidenum">
+              <a:rPr lang="en-US" smtClean="0"/>
+              <a:t>6</a:t>
+            </a:fld>
+            <a:endParaRPr lang="en-US"/>
+          </a:p>
+        </p:txBody>
+      </p:sp>
+    </p:spTree>
+    <p:extLst>
+      <p:ext uri="{BB962C8B-B14F-4D97-AF65-F5344CB8AC3E}">
+        <p14:creationId xmlns:p14="http://schemas.microsoft.com/office/powerpoint/2010/main" val="775999871"/>
+      </p:ext>
+    </p:extLst>
+  </p:cSld>
+  <p:clrMapOvr>
+    <a:masterClrMapping/>
+  </p:clrMapOvr>
+</p:notes>
+</file>
+
+<file path=ppt/notesSlides/notesSlide6.xml><?xml version="1.0" encoding="utf-8"?>
+<p:notes xmlns:a="http://schemas.openxmlformats.org/drawingml/2006/main" xmlns:r="http://schemas.openxmlformats.org/officeDocument/2006/relationships" xmlns:p="http://schemas.openxmlformats.org/presentationml/2006/main">
+  <p:cSld>
+    <p:spTree>
+      <p:nvGrpSpPr>
+        <p:cNvPr id="1" name=""/>
+        <p:cNvGrpSpPr/>
+        <p:nvPr/>
+      </p:nvGrpSpPr>
+      <p:grpSpPr>
+        <a:xfrm>
+          <a:off x="0" y="0"/>
+          <a:ext cx="0" cy="0"/>
+          <a:chOff x="0" y="0"/>
+          <a:chExt cx="0" cy="0"/>
+        </a:xfrm>
+      </p:grpSpPr>
+      <p:sp>
+        <p:nvSpPr>
+          <p:cNvPr id="2" name="Slide Image Placeholder 1"/>
+          <p:cNvSpPr>
+            <a:spLocks noGrp="1" noRot="1" noChangeAspect="1"/>
+          </p:cNvSpPr>
+          <p:nvPr>
+            <p:ph type="sldImg"/>
+          </p:nvPr>
+        </p:nvSpPr>
+        <p:spPr/>
+      </p:sp>
+      <p:sp>
+        <p:nvSpPr>
+          <p:cNvPr id="3" name="Notes Placeholder 2"/>
+          <p:cNvSpPr>
+            <a:spLocks noGrp="1"/>
+          </p:cNvSpPr>
+          <p:nvPr>
+            <p:ph type="body" idx="1"/>
+          </p:nvPr>
+        </p:nvSpPr>
+        <p:spPr/>
+        <p:txBody>
+          <a:bodyPr/>
+          <a:lstStyle/>
+          <a:p>
+            <a:r>
+              <a:rPr lang="en-US" dirty="0"/>
+              <a:t>So is amplification the primary driver of </a:t>
+            </a:r>
+            <a:r>
+              <a:rPr lang="en-US" dirty="0" err="1"/>
+              <a:t>GxSex</a:t>
+            </a:r>
+            <a:r>
+              <a:rPr lang="en-US" dirty="0"/>
+              <a:t> interactions? </a:t>
+            </a:r>
+          </a:p>
+          <a:p>
+            <a:r>
+              <a:rPr lang="en-US" dirty="0"/>
+              <a:t>X-axis : difference between weight with M&gt;F and F&lt;M effect (sums from last slide)</a:t>
+            </a:r>
+          </a:p>
+          <a:p>
+            <a:r>
+              <a:rPr lang="en-US" dirty="0"/>
+              <a:t>Y-axis : calc </a:t>
+            </a:r>
+            <a:r>
+              <a:rPr lang="en-US" dirty="0" err="1"/>
+              <a:t>pheno</a:t>
+            </a:r>
+            <a:r>
+              <a:rPr lang="en-US" dirty="0"/>
+              <a:t> var for males and females and took the ratio of them</a:t>
+            </a:r>
+          </a:p>
+          <a:p>
+            <a:r>
+              <a:rPr lang="en-US" dirty="0"/>
+              <a:t>Amplification – see that phenotypic variance ratio strongly correlates with it. Amplification is explaining or contributing to differences between male/female phenotype. </a:t>
+            </a:r>
+          </a:p>
+        </p:txBody>
+      </p:sp>
+      <p:sp>
+        <p:nvSpPr>
+          <p:cNvPr id="4" name="Slide Number Placeholder 3"/>
+          <p:cNvSpPr>
+            <a:spLocks noGrp="1"/>
+          </p:cNvSpPr>
+          <p:nvPr>
+            <p:ph type="sldNum" sz="quarter" idx="5"/>
+          </p:nvPr>
+        </p:nvSpPr>
+        <p:spPr/>
+        <p:txBody>
+          <a:bodyPr/>
+          <a:lstStyle/>
+          <a:p>
+            <a:fld id="{F63F0E58-1F3A-44F3-99F2-085F7CCEF425}" type="slidenum">
+              <a:rPr lang="en-US" smtClean="0"/>
+              <a:t>7</a:t>
+            </a:fld>
+            <a:endParaRPr lang="en-US"/>
+          </a:p>
+        </p:txBody>
+      </p:sp>
+    </p:spTree>
+    <p:extLst>
+      <p:ext uri="{BB962C8B-B14F-4D97-AF65-F5344CB8AC3E}">
+        <p14:creationId xmlns:p14="http://schemas.microsoft.com/office/powerpoint/2010/main" val="1191362254"/>
+      </p:ext>
+    </p:extLst>
+  </p:cSld>
+  <p:clrMapOvr>
+    <a:masterClrMapping/>
+  </p:clrMapOvr>
+</p:notes>
+</file>
+
+<file path=ppt/notesSlides/notesSlide7.xml><?xml version="1.0" encoding="utf-8"?>
+<p:notes xmlns:a="http://schemas.openxmlformats.org/drawingml/2006/main" xmlns:r="http://schemas.openxmlformats.org/officeDocument/2006/relationships" xmlns:p="http://schemas.openxmlformats.org/presentationml/2006/main">
+  <p:cSld>
+    <p:spTree>
+      <p:nvGrpSpPr>
+        <p:cNvPr id="1" name=""/>
+        <p:cNvGrpSpPr/>
+        <p:nvPr/>
+      </p:nvGrpSpPr>
+      <p:grpSpPr>
+        <a:xfrm>
+          <a:off x="0" y="0"/>
+          <a:ext cx="0" cy="0"/>
+          <a:chOff x="0" y="0"/>
+          <a:chExt cx="0" cy="0"/>
+        </a:xfrm>
+      </p:grpSpPr>
+      <p:sp>
+        <p:nvSpPr>
+          <p:cNvPr id="2" name="Slide Image Placeholder 1"/>
+          <p:cNvSpPr>
+            <a:spLocks noGrp="1" noRot="1" noChangeAspect="1"/>
+          </p:cNvSpPr>
+          <p:nvPr>
+            <p:ph type="sldImg"/>
+          </p:nvPr>
+        </p:nvSpPr>
+        <p:spPr/>
+      </p:sp>
+      <p:sp>
+        <p:nvSpPr>
+          <p:cNvPr id="3" name="Notes Placeholder 2"/>
+          <p:cNvSpPr>
+            <a:spLocks noGrp="1"/>
+          </p:cNvSpPr>
+          <p:nvPr>
+            <p:ph type="body" idx="1"/>
+          </p:nvPr>
+        </p:nvSpPr>
+        <p:spPr/>
+        <p:txBody>
+          <a:bodyPr/>
+          <a:lstStyle/>
+          <a:p>
+            <a:r>
+              <a:rPr lang="en-US" dirty="0"/>
+              <a:t>With magnitudes of effect sizes explaining phenotypic variance, if we utilize estimates based on weights on covariance matrices from mash, can we predict phenotypes better?</a:t>
+            </a:r>
+          </a:p>
+          <a:p>
+            <a:r>
+              <a:rPr lang="en-US" dirty="0"/>
+              <a:t>Mash provides better estimates by taking into consideration the covariance structure, amount of null signals, applies shrinkage and weights. </a:t>
+            </a:r>
+          </a:p>
+          <a:p>
+            <a:r>
+              <a:rPr lang="en-US" dirty="0"/>
+              <a:t>Using these improved effect estimates, we compare with simple naïve GWAS results. </a:t>
+            </a:r>
+          </a:p>
+          <a:p>
+            <a:endParaRPr lang="en-US" dirty="0"/>
+          </a:p>
+          <a:p>
+            <a:r>
+              <a:rPr lang="en-US" dirty="0"/>
+              <a:t>PGS summarizes the effect of genetic variants on a phenotype.  </a:t>
+            </a:r>
+          </a:p>
+          <a:p>
+            <a:endParaRPr lang="en-US" dirty="0"/>
+          </a:p>
+          <a:p>
+            <a:r>
+              <a:rPr lang="en-US" dirty="0"/>
+              <a:t>Separated sample by sex, took 25k of each sex. Did GWAS with combined sex, sex-specific. Mash on sex-specific GWAS. Calculated PGS for each model. </a:t>
+            </a:r>
+          </a:p>
+          <a:p>
+            <a:r>
+              <a:rPr lang="en-US" dirty="0"/>
+              <a:t>For prediction, the additive combined sex is your typical one using it to predict phenotype and obtaining the R^2. </a:t>
+            </a:r>
+          </a:p>
+          <a:p>
+            <a:r>
+              <a:rPr lang="en-US" dirty="0"/>
+              <a:t>For sex-specific, we used the sex-specific scores to predict the phenotype for the corresponding sex. </a:t>
+            </a:r>
+          </a:p>
+          <a:p>
+            <a:endParaRPr lang="en-US" dirty="0"/>
+          </a:p>
+          <a:p>
+            <a:r>
+              <a:rPr lang="en-US" dirty="0"/>
+              <a:t>However, sex-specific covariance aware model did not predict better than the additive model. Showed that the advantage of using a sample 2x the size was still more beneficial than using better estimates, but half the size. </a:t>
+            </a:r>
+          </a:p>
+          <a:p>
+            <a:r>
+              <a:rPr lang="en-US" dirty="0"/>
+              <a:t>Therefore, covariance aware did not give a sig advantage in prediction than simple additive, combined model. </a:t>
+            </a:r>
+          </a:p>
+        </p:txBody>
+      </p:sp>
+      <p:sp>
+        <p:nvSpPr>
+          <p:cNvPr id="4" name="Slide Number Placeholder 3"/>
+          <p:cNvSpPr>
+            <a:spLocks noGrp="1"/>
+          </p:cNvSpPr>
+          <p:nvPr>
+            <p:ph type="sldNum" sz="quarter" idx="5"/>
+          </p:nvPr>
+        </p:nvSpPr>
+        <p:spPr/>
+        <p:txBody>
+          <a:bodyPr/>
+          <a:lstStyle/>
+          <a:p>
+            <a:fld id="{F63F0E58-1F3A-44F3-99F2-085F7CCEF425}" type="slidenum">
+              <a:rPr lang="en-US" smtClean="0"/>
+              <a:t>8</a:t>
+            </a:fld>
+            <a:endParaRPr lang="en-US"/>
+          </a:p>
+        </p:txBody>
+      </p:sp>
+    </p:spTree>
+    <p:extLst>
+      <p:ext uri="{BB962C8B-B14F-4D97-AF65-F5344CB8AC3E}">
+        <p14:creationId xmlns:p14="http://schemas.microsoft.com/office/powerpoint/2010/main" val="3937852184"/>
+      </p:ext>
+    </p:extLst>
+  </p:cSld>
+  <p:clrMapOvr>
+    <a:masterClrMapping/>
+  </p:clrMapOvr>
+</p:notes>
+</file>
+
+<file path=ppt/notesSlides/notesSlide8.xml><?xml version="1.0" encoding="utf-8"?>
+<p:notes xmlns:a="http://schemas.openxmlformats.org/drawingml/2006/main" xmlns:r="http://schemas.openxmlformats.org/officeDocument/2006/relationships" xmlns:p="http://schemas.openxmlformats.org/presentationml/2006/main">
+  <p:cSld>
+    <p:spTree>
+      <p:nvGrpSpPr>
+        <p:cNvPr id="1" name=""/>
+        <p:cNvGrpSpPr/>
+        <p:nvPr/>
+      </p:nvGrpSpPr>
+      <p:grpSpPr>
+        <a:xfrm>
+          <a:off x="0" y="0"/>
+          <a:ext cx="0" cy="0"/>
+          <a:chOff x="0" y="0"/>
+          <a:chExt cx="0" cy="0"/>
+        </a:xfrm>
+      </p:grpSpPr>
+      <p:sp>
+        <p:nvSpPr>
+          <p:cNvPr id="2" name="Slide Image Placeholder 1"/>
+          <p:cNvSpPr>
+            <a:spLocks noGrp="1" noRot="1" noChangeAspect="1"/>
+          </p:cNvSpPr>
+          <p:nvPr>
+            <p:ph type="sldImg"/>
+          </p:nvPr>
+        </p:nvSpPr>
+        <p:spPr/>
+      </p:sp>
+      <p:sp>
+        <p:nvSpPr>
+          <p:cNvPr id="3" name="Notes Placeholder 2"/>
+          <p:cNvSpPr>
+            <a:spLocks noGrp="1"/>
+          </p:cNvSpPr>
+          <p:nvPr>
+            <p:ph type="body" idx="1"/>
+          </p:nvPr>
+        </p:nvSpPr>
+        <p:spPr/>
+        <p:txBody>
+          <a:bodyPr/>
+          <a:lstStyle/>
+          <a:p>
+            <a:r>
+              <a:rPr lang="en-US" dirty="0"/>
+              <a:t>We then thought about explanations for these differences in genetic effect that we were seeing. </a:t>
+            </a:r>
+          </a:p>
+          <a:p>
+            <a:r>
+              <a:rPr lang="en-US" dirty="0"/>
+              <a:t>Previous research into testosterone, as a sex hormone, affect many processes differently in males and females. Distinct pathways between the sex. Could it be an underlier to the differences in effect?</a:t>
+            </a:r>
+          </a:p>
+          <a:p>
+            <a:r>
+              <a:rPr lang="en-US" dirty="0"/>
+              <a:t>Measure of genetic effect: regress phenotype value to PGS for multiple testosterone bins. Y axis the slope, how phenotype value increase with score. </a:t>
+            </a:r>
+          </a:p>
+          <a:p>
+            <a:endParaRPr lang="en-US" dirty="0"/>
+          </a:p>
+          <a:p>
+            <a:r>
+              <a:rPr lang="en-US" dirty="0"/>
+              <a:t>For body mass related traits, the direction of correlation was opposite. Supports previous research in women, BMI and testosterone are positively correlation, while in men, negatively. More free testosterone in obese women, less free testosterone in obese men. </a:t>
+            </a:r>
+          </a:p>
+          <a:p>
+            <a:r>
+              <a:rPr lang="en-US" dirty="0"/>
+              <a:t>Further research in studying estrogen as another sex hormone. </a:t>
+            </a:r>
+          </a:p>
+        </p:txBody>
+      </p:sp>
+      <p:sp>
+        <p:nvSpPr>
+          <p:cNvPr id="4" name="Slide Number Placeholder 3"/>
+          <p:cNvSpPr>
+            <a:spLocks noGrp="1"/>
+          </p:cNvSpPr>
+          <p:nvPr>
+            <p:ph type="sldNum" sz="quarter" idx="5"/>
+          </p:nvPr>
+        </p:nvSpPr>
+        <p:spPr/>
+        <p:txBody>
+          <a:bodyPr/>
+          <a:lstStyle/>
+          <a:p>
+            <a:fld id="{F63F0E58-1F3A-44F3-99F2-085F7CCEF425}" type="slidenum">
+              <a:rPr lang="en-US" smtClean="0"/>
+              <a:t>9</a:t>
+            </a:fld>
+            <a:endParaRPr lang="en-US"/>
+          </a:p>
+        </p:txBody>
+      </p:sp>
+    </p:spTree>
+    <p:extLst>
+      <p:ext uri="{BB962C8B-B14F-4D97-AF65-F5344CB8AC3E}">
+        <p14:creationId xmlns:p14="http://schemas.microsoft.com/office/powerpoint/2010/main" val="4136544787"/>
+      </p:ext>
+    </p:extLst>
+  </p:cSld>
+  <p:clrMapOvr>
+    <a:masterClrMapping/>
+  </p:clrMapOvr>
+</p:notes>
+</file>
+
+<file path=ppt/notesSlides/notesSlide9.xml><?xml version="1.0" encoding="utf-8"?>
+<p:notes xmlns:a="http://schemas.openxmlformats.org/drawingml/2006/main" xmlns:r="http://schemas.openxmlformats.org/officeDocument/2006/relationships" xmlns:p="http://schemas.openxmlformats.org/presentationml/2006/main">
+  <p:cSld>
+    <p:spTree>
+      <p:nvGrpSpPr>
+        <p:cNvPr id="1" name=""/>
+        <p:cNvGrpSpPr/>
+        <p:nvPr/>
+      </p:nvGrpSpPr>
+      <p:grpSpPr>
+        <a:xfrm>
+          <a:off x="0" y="0"/>
+          <a:ext cx="0" cy="0"/>
+          <a:chOff x="0" y="0"/>
+          <a:chExt cx="0" cy="0"/>
+        </a:xfrm>
+      </p:grpSpPr>
+      <p:sp>
+        <p:nvSpPr>
+          <p:cNvPr id="2" name="Slide Image Placeholder 1"/>
+          <p:cNvSpPr>
+            <a:spLocks noGrp="1" noRot="1" noChangeAspect="1"/>
+          </p:cNvSpPr>
+          <p:nvPr>
+            <p:ph type="sldImg"/>
+          </p:nvPr>
+        </p:nvSpPr>
+        <p:spPr/>
+      </p:sp>
+      <p:sp>
+        <p:nvSpPr>
+          <p:cNvPr id="3" name="Notes Placeholder 2"/>
+          <p:cNvSpPr>
+            <a:spLocks noGrp="1"/>
+          </p:cNvSpPr>
+          <p:nvPr>
+            <p:ph type="body" idx="1"/>
+          </p:nvPr>
+        </p:nvSpPr>
+        <p:spPr/>
+        <p:txBody>
+          <a:bodyPr/>
+          <a:lstStyle/>
+          <a:p>
+            <a:r>
+              <a:rPr lang="en-US" dirty="0"/>
+              <a:t>Saw amplification in genetic effect between males and females. See if the same effect is present in the environment. </a:t>
+            </a:r>
+          </a:p>
+          <a:p>
+            <a:endParaRPr lang="en-US" dirty="0"/>
+          </a:p>
+          <a:p>
+            <a:r>
+              <a:rPr lang="en-US" dirty="0"/>
+              <a:t>Phenotype depends of effect size and genotype frequency. Determined sex is independent of genotype frequency due to random segregation, among less recruitment bias. Therefore, we can assume amplification of genetic effect is driving phenotype differences. However, is environmental effect also random between males and females.</a:t>
+            </a:r>
+          </a:p>
+          <a:p>
+            <a:r>
+              <a:rPr lang="en-US" dirty="0"/>
+              <a:t>Genetic variance = heritability x phenotypic variance</a:t>
+            </a:r>
+          </a:p>
+          <a:p>
+            <a:r>
+              <a:rPr lang="en-US" dirty="0"/>
+              <a:t>Environmental variance = (1 – heritability) * phenotypic variance</a:t>
+            </a:r>
+          </a:p>
+          <a:p>
+            <a:r>
+              <a:rPr lang="en-US" dirty="0"/>
+              <a:t>Error bars represent 4 SE. Most fall on or near line of 1:1 equal relationship. </a:t>
+            </a:r>
+          </a:p>
+          <a:p>
+            <a:endParaRPr lang="en-US" dirty="0"/>
+          </a:p>
+        </p:txBody>
+      </p:sp>
+      <p:sp>
+        <p:nvSpPr>
+          <p:cNvPr id="4" name="Slide Number Placeholder 3"/>
+          <p:cNvSpPr>
+            <a:spLocks noGrp="1"/>
+          </p:cNvSpPr>
+          <p:nvPr>
+            <p:ph type="sldNum" sz="quarter" idx="5"/>
+          </p:nvPr>
+        </p:nvSpPr>
+        <p:spPr/>
+        <p:txBody>
+          <a:bodyPr/>
+          <a:lstStyle/>
+          <a:p>
+            <a:fld id="{F63F0E58-1F3A-44F3-99F2-085F7CCEF425}" type="slidenum">
+              <a:rPr lang="en-US" smtClean="0"/>
+              <a:t>10</a:t>
+            </a:fld>
+            <a:endParaRPr lang="en-US"/>
+          </a:p>
+        </p:txBody>
+      </p:sp>
+    </p:spTree>
+    <p:extLst>
+      <p:ext uri="{BB962C8B-B14F-4D97-AF65-F5344CB8AC3E}">
+        <p14:creationId xmlns:p14="http://schemas.microsoft.com/office/powerpoint/2010/main" val="1712743099"/>
+      </p:ext>
+    </p:extLst>
+  </p:cSld>
+  <p:clrMapOvr>
+    <a:masterClrMapping/>
+  </p:clrMapOvr>
+</p:notes>
+</file>
+
 <file path=ppt/slideLayouts/slideLayout1.xml><?xml version="1.0" encoding="utf-8"?>
 <p:sldLayout xmlns:a="http://schemas.openxmlformats.org/drawingml/2006/main" xmlns:r="http://schemas.openxmlformats.org/officeDocument/2006/relationships" xmlns:p="http://schemas.openxmlformats.org/presentationml/2006/main" showMasterSp="0" type="title" preserve="1">
   <p:cSld name="Title Slide">
@@ -349,7 +1841,7 @@
           <a:p>
             <a:fld id="{322A28A2-6AEA-4C74-97F2-4CB956558FDC}" type="datetimeFigureOut">
               <a:rPr lang="en-US" smtClean="0"/>
-              <a:t>2/3/2022</a:t>
+              <a:t>2/14/2022</a:t>
             </a:fld>
             <a:endParaRPr lang="en-US"/>
           </a:p>
@@ -557,7 +2049,7 @@
           <a:p>
             <a:fld id="{322A28A2-6AEA-4C74-97F2-4CB956558FDC}" type="datetimeFigureOut">
               <a:rPr lang="en-US" smtClean="0"/>
-              <a:t>2/3/2022</a:t>
+              <a:t>2/14/2022</a:t>
             </a:fld>
             <a:endParaRPr lang="en-US"/>
           </a:p>
@@ -813,7 +2305,7 @@
           <a:p>
             <a:fld id="{322A28A2-6AEA-4C74-97F2-4CB956558FDC}" type="datetimeFigureOut">
               <a:rPr lang="en-US" smtClean="0"/>
-              <a:t>2/3/2022</a:t>
+              <a:t>2/14/2022</a:t>
             </a:fld>
             <a:endParaRPr lang="en-US"/>
           </a:p>
@@ -987,7 +2479,7 @@
           <a:p>
             <a:fld id="{322A28A2-6AEA-4C74-97F2-4CB956558FDC}" type="datetimeFigureOut">
               <a:rPr lang="en-US" smtClean="0"/>
-              <a:t>2/3/2022</a:t>
+              <a:t>2/14/2022</a:t>
             </a:fld>
             <a:endParaRPr lang="en-US"/>
           </a:p>
@@ -1330,7 +2822,7 @@
           <a:p>
             <a:fld id="{322A28A2-6AEA-4C74-97F2-4CB956558FDC}" type="datetimeFigureOut">
               <a:rPr lang="en-US" smtClean="0"/>
-              <a:t>2/3/2022</a:t>
+              <a:t>2/14/2022</a:t>
             </a:fld>
             <a:endParaRPr lang="en-US"/>
           </a:p>
@@ -1605,7 +3097,7 @@
           <a:p>
             <a:fld id="{322A28A2-6AEA-4C74-97F2-4CB956558FDC}" type="datetimeFigureOut">
               <a:rPr lang="en-US" smtClean="0"/>
-              <a:t>2/3/2022</a:t>
+              <a:t>2/14/2022</a:t>
             </a:fld>
             <a:endParaRPr lang="en-US"/>
           </a:p>
@@ -1984,7 +3476,7 @@
           <a:p>
             <a:fld id="{322A28A2-6AEA-4C74-97F2-4CB956558FDC}" type="datetimeFigureOut">
               <a:rPr lang="en-US" smtClean="0"/>
-              <a:t>2/3/2022</a:t>
+              <a:t>2/14/2022</a:t>
             </a:fld>
             <a:endParaRPr lang="en-US"/>
           </a:p>
@@ -2102,7 +3594,7 @@
           <a:p>
             <a:fld id="{322A28A2-6AEA-4C74-97F2-4CB956558FDC}" type="datetimeFigureOut">
               <a:rPr lang="en-US" smtClean="0"/>
-              <a:t>2/3/2022</a:t>
+              <a:t>2/14/2022</a:t>
             </a:fld>
             <a:endParaRPr lang="en-US"/>
           </a:p>
@@ -2273,7 +3765,7 @@
           <a:p>
             <a:fld id="{322A28A2-6AEA-4C74-97F2-4CB956558FDC}" type="datetimeFigureOut">
               <a:rPr lang="en-US" smtClean="0"/>
-              <a:t>2/3/2022</a:t>
+              <a:t>2/14/2022</a:t>
             </a:fld>
             <a:endParaRPr lang="en-US"/>
           </a:p>
@@ -2627,7 +4119,7 @@
           <a:p>
             <a:fld id="{322A28A2-6AEA-4C74-97F2-4CB956558FDC}" type="datetimeFigureOut">
               <a:rPr lang="en-US" smtClean="0"/>
-              <a:t>2/3/2022</a:t>
+              <a:t>2/14/2022</a:t>
             </a:fld>
             <a:endParaRPr lang="en-US"/>
           </a:p>
@@ -3009,7 +4501,7 @@
           <a:p>
             <a:fld id="{322A28A2-6AEA-4C74-97F2-4CB956558FDC}" type="datetimeFigureOut">
               <a:rPr lang="en-US" smtClean="0"/>
-              <a:t>2/3/2022</a:t>
+              <a:t>2/14/2022</a:t>
             </a:fld>
             <a:endParaRPr lang="en-US"/>
           </a:p>
@@ -3296,7 +4788,7 @@
           <a:p>
             <a:fld id="{322A28A2-6AEA-4C74-97F2-4CB956558FDC}" type="datetimeFigureOut">
               <a:rPr lang="en-US" smtClean="0"/>
-              <a:t>2/3/2022</a:t>
+              <a:t>2/14/2022</a:t>
             </a:fld>
             <a:endParaRPr lang="en-US"/>
           </a:p>
@@ -3836,7 +5328,12 @@
             <p:ph type="ctrTitle"/>
           </p:nvPr>
         </p:nvSpPr>
-        <p:spPr/>
+        <p:spPr>
+          <a:xfrm>
+            <a:off x="1097279" y="758952"/>
+            <a:ext cx="10456545" cy="3566160"/>
+          </a:xfrm>
+        </p:spPr>
         <p:txBody>
           <a:bodyPr>
             <a:normAutofit fontScale="90000"/>
@@ -3888,6 +5385,12 @@
               <a:t>Harpak</a:t>
             </a:r>
             <a:endParaRPr lang="en-US" dirty="0"/>
+          </a:p>
+          <a:p>
+            <a:r>
+              <a:rPr lang="en-US" dirty="0"/>
+              <a:t>2/9/2022</a:t>
+            </a:r>
           </a:p>
         </p:txBody>
       </p:sp>
@@ -3937,7 +5440,12 @@
             <p:ph type="title"/>
           </p:nvPr>
         </p:nvSpPr>
-        <p:spPr/>
+        <p:spPr>
+          <a:xfrm>
+            <a:off x="1097280" y="0"/>
+            <a:ext cx="10745475" cy="1450757"/>
+          </a:xfrm>
+        </p:spPr>
         <p:txBody>
           <a:bodyPr/>
           <a:lstStyle/>
@@ -3965,11 +5473,1100 @@
             <p:ph idx="1"/>
           </p:nvPr>
         </p:nvSpPr>
-        <p:spPr/>
+        <p:spPr>
+          <a:xfrm>
+            <a:off x="1097280" y="1845734"/>
+            <a:ext cx="3471290" cy="4023360"/>
+          </a:xfrm>
+        </p:spPr>
         <p:txBody>
           <a:bodyPr/>
           <a:lstStyle/>
           <a:p>
+            <a:r>
+              <a:rPr lang="en-US" dirty="0"/>
+              <a:t>Phenotype depends on effect size and genotype</a:t>
+            </a:r>
+          </a:p>
+          <a:p>
+            <a:pPr lvl="1">
+              <a:buFont typeface="Wingdings" panose="05000000000000000000" pitchFamily="2" charset="2"/>
+              <a:buChar char="§"/>
+            </a:pPr>
+            <a:r>
+              <a:rPr lang="en-US" dirty="0"/>
+              <a:t>genotype largely independent from sex</a:t>
+            </a:r>
+          </a:p>
+          <a:p>
+            <a:r>
+              <a:rPr lang="en-US" dirty="0"/>
+              <a:t>Is amplification of genetic variance same for environmental variance</a:t>
+            </a:r>
+          </a:p>
+        </p:txBody>
+      </p:sp>
+      <p:pic>
+        <p:nvPicPr>
+          <p:cNvPr id="5" name="Picture 4">
+            <a:extLst>
+              <a:ext uri="{FF2B5EF4-FFF2-40B4-BE49-F238E27FC236}">
+                <a16:creationId xmlns:a16="http://schemas.microsoft.com/office/drawing/2014/main" id="{B7F014AA-5FD4-46FE-8150-5C5FD35A1497}"/>
+              </a:ext>
+            </a:extLst>
+          </p:cNvPr>
+          <p:cNvPicPr>
+            <a:picLocks noChangeAspect="1"/>
+          </p:cNvPicPr>
+          <p:nvPr/>
+        </p:nvPicPr>
+        <p:blipFill>
+          <a:blip r:embed="rId3"/>
+          <a:stretch>
+            <a:fillRect/>
+          </a:stretch>
+        </p:blipFill>
+        <p:spPr>
+          <a:xfrm>
+            <a:off x="4568570" y="868149"/>
+            <a:ext cx="7538345" cy="5380251"/>
+          </a:xfrm>
+          <a:prstGeom prst="rect">
+            <a:avLst/>
+          </a:prstGeom>
+        </p:spPr>
+      </p:pic>
+      <mc:AlternateContent xmlns:mc="http://schemas.openxmlformats.org/markup-compatibility/2006" xmlns:a14="http://schemas.microsoft.com/office/drawing/2010/main">
+        <mc:Choice Requires="a14">
+          <p:sp>
+            <p:nvSpPr>
+              <p:cNvPr id="17" name="Oval 16">
+                <a:extLst>
+                  <a:ext uri="{FF2B5EF4-FFF2-40B4-BE49-F238E27FC236}">
+                    <a16:creationId xmlns:a16="http://schemas.microsoft.com/office/drawing/2014/main" id="{F84E3687-7569-43B2-A20D-C235F83EACB1}"/>
+                  </a:ext>
+                </a:extLst>
+              </p:cNvPr>
+              <p:cNvSpPr/>
+              <p:nvPr/>
+            </p:nvSpPr>
+            <p:spPr>
+              <a:xfrm>
+                <a:off x="6876288" y="2386584"/>
+                <a:ext cx="786384" cy="658368"/>
+              </a:xfrm>
+              <a:prstGeom prst="ellipse">
+                <a:avLst/>
+              </a:prstGeom>
+              <a:solidFill>
+                <a:srgbClr val="0070C0"/>
+              </a:solidFill>
+              <a:ln>
+                <a:solidFill>
+                  <a:srgbClr val="0070C0"/>
+                </a:solidFill>
+              </a:ln>
+            </p:spPr>
+            <p:style>
+              <a:lnRef idx="2">
+                <a:schemeClr val="accent1">
+                  <a:shade val="50000"/>
+                </a:schemeClr>
+              </a:lnRef>
+              <a:fillRef idx="1">
+                <a:schemeClr val="accent1"/>
+              </a:fillRef>
+              <a:effectRef idx="0">
+                <a:schemeClr val="accent1"/>
+              </a:effectRef>
+              <a:fontRef idx="minor">
+                <a:schemeClr val="lt1"/>
+              </a:fontRef>
+            </p:style>
+            <p:txBody>
+              <a:bodyPr rtlCol="0" anchor="ctr"/>
+              <a:lstStyle/>
+              <a:p>
+                <a:pPr algn="ctr"/>
+                <a14:m>
+                  <m:oMathPara xmlns:m="http://schemas.openxmlformats.org/officeDocument/2006/math">
+                    <m:oMathParaPr>
+                      <m:jc m:val="centerGroup"/>
+                    </m:oMathParaPr>
+                    <m:oMath xmlns:m="http://schemas.openxmlformats.org/officeDocument/2006/math">
+                      <m:sSub>
+                        <m:sSubPr>
+                          <m:ctrlPr>
+                            <a:rPr lang="en-US" sz="2000" b="0" i="1" smtClean="0">
+                              <a:latin typeface="Cambria Math" panose="02040503050406030204" pitchFamily="18" charset="0"/>
+                            </a:rPr>
+                          </m:ctrlPr>
+                        </m:sSubPr>
+                        <m:e>
+                          <m:r>
+                            <a:rPr lang="en-US" sz="2000" b="0" i="1" smtClean="0">
+                              <a:latin typeface="Cambria Math" panose="02040503050406030204" pitchFamily="18" charset="0"/>
+                            </a:rPr>
+                            <m:t>𝐺</m:t>
+                          </m:r>
+                        </m:e>
+                        <m:sub>
+                          <m:r>
+                            <a:rPr lang="en-US" sz="2000" b="0" i="1" smtClean="0">
+                              <a:latin typeface="Cambria Math" panose="02040503050406030204" pitchFamily="18" charset="0"/>
+                            </a:rPr>
+                            <m:t>𝑓</m:t>
+                          </m:r>
+                        </m:sub>
+                      </m:sSub>
+                    </m:oMath>
+                  </m:oMathPara>
+                </a14:m>
+                <a:endParaRPr lang="en-US" sz="2000" dirty="0"/>
+              </a:p>
+            </p:txBody>
+          </p:sp>
+        </mc:Choice>
+        <mc:Fallback xmlns="">
+          <p:sp>
+            <p:nvSpPr>
+              <p:cNvPr id="17" name="Oval 16">
+                <a:extLst>
+                  <a:ext uri="{FF2B5EF4-FFF2-40B4-BE49-F238E27FC236}">
+                    <a16:creationId xmlns:a16="http://schemas.microsoft.com/office/drawing/2014/main" id="{F84E3687-7569-43B2-A20D-C235F83EACB1}"/>
+                  </a:ext>
+                </a:extLst>
+              </p:cNvPr>
+              <p:cNvSpPr>
+                <a:spLocks noRot="1" noChangeAspect="1" noMove="1" noResize="1" noEditPoints="1" noAdjustHandles="1" noChangeArrowheads="1" noChangeShapeType="1" noTextEdit="1"/>
+              </p:cNvSpPr>
+              <p:nvPr/>
+            </p:nvSpPr>
+            <p:spPr>
+              <a:xfrm>
+                <a:off x="6876288" y="2386584"/>
+                <a:ext cx="786384" cy="658368"/>
+              </a:xfrm>
+              <a:prstGeom prst="ellipse">
+                <a:avLst/>
+              </a:prstGeom>
+              <a:blipFill>
+                <a:blip r:embed="rId4"/>
+                <a:stretch>
+                  <a:fillRect/>
+                </a:stretch>
+              </a:blipFill>
+              <a:ln>
+                <a:solidFill>
+                  <a:srgbClr val="0070C0"/>
+                </a:solidFill>
+              </a:ln>
+            </p:spPr>
+            <p:txBody>
+              <a:bodyPr/>
+              <a:lstStyle/>
+              <a:p>
+                <a:r>
+                  <a:rPr lang="en-US">
+                    <a:noFill/>
+                  </a:rPr>
+                  <a:t> </a:t>
+                </a:r>
+              </a:p>
+            </p:txBody>
+          </p:sp>
+        </mc:Fallback>
+      </mc:AlternateContent>
+      <mc:AlternateContent xmlns:mc="http://schemas.openxmlformats.org/markup-compatibility/2006" xmlns:a14="http://schemas.microsoft.com/office/drawing/2010/main">
+        <mc:Choice Requires="a14">
+          <p:sp>
+            <p:nvSpPr>
+              <p:cNvPr id="18" name="Oval 17">
+                <a:extLst>
+                  <a:ext uri="{FF2B5EF4-FFF2-40B4-BE49-F238E27FC236}">
+                    <a16:creationId xmlns:a16="http://schemas.microsoft.com/office/drawing/2014/main" id="{4956EF31-4FA2-4DF6-9C6E-D865A334D9BC}"/>
+                  </a:ext>
+                </a:extLst>
+              </p:cNvPr>
+              <p:cNvSpPr/>
+              <p:nvPr/>
+            </p:nvSpPr>
+            <p:spPr>
+              <a:xfrm>
+                <a:off x="6876288" y="4325112"/>
+                <a:ext cx="786384" cy="658368"/>
+              </a:xfrm>
+              <a:prstGeom prst="ellipse">
+                <a:avLst/>
+              </a:prstGeom>
+              <a:solidFill>
+                <a:srgbClr val="0070C0"/>
+              </a:solidFill>
+              <a:ln>
+                <a:solidFill>
+                  <a:srgbClr val="0070C0"/>
+                </a:solidFill>
+              </a:ln>
+            </p:spPr>
+            <p:style>
+              <a:lnRef idx="2">
+                <a:schemeClr val="accent1">
+                  <a:shade val="50000"/>
+                </a:schemeClr>
+              </a:lnRef>
+              <a:fillRef idx="1">
+                <a:schemeClr val="accent1"/>
+              </a:fillRef>
+              <a:effectRef idx="0">
+                <a:schemeClr val="accent1"/>
+              </a:effectRef>
+              <a:fontRef idx="minor">
+                <a:schemeClr val="lt1"/>
+              </a:fontRef>
+            </p:style>
+            <p:txBody>
+              <a:bodyPr rtlCol="0" anchor="ctr"/>
+              <a:lstStyle/>
+              <a:p>
+                <a:pPr algn="ctr"/>
+                <a14:m>
+                  <m:oMathPara xmlns:m="http://schemas.openxmlformats.org/officeDocument/2006/math">
+                    <m:oMathParaPr>
+                      <m:jc m:val="centerGroup"/>
+                    </m:oMathParaPr>
+                    <m:oMath xmlns:m="http://schemas.openxmlformats.org/officeDocument/2006/math">
+                      <m:sSub>
+                        <m:sSubPr>
+                          <m:ctrlPr>
+                            <a:rPr lang="en-US" sz="2000" b="0" i="1" smtClean="0">
+                              <a:latin typeface="Cambria Math" panose="02040503050406030204" pitchFamily="18" charset="0"/>
+                            </a:rPr>
+                          </m:ctrlPr>
+                        </m:sSubPr>
+                        <m:e>
+                          <m:r>
+                            <a:rPr lang="en-US" sz="2000" b="0" i="1" smtClean="0">
+                              <a:latin typeface="Cambria Math" panose="02040503050406030204" pitchFamily="18" charset="0"/>
+                            </a:rPr>
+                            <m:t>𝐸</m:t>
+                          </m:r>
+                        </m:e>
+                        <m:sub>
+                          <m:r>
+                            <a:rPr lang="en-US" sz="2000" b="0" i="1" smtClean="0">
+                              <a:latin typeface="Cambria Math" panose="02040503050406030204" pitchFamily="18" charset="0"/>
+                            </a:rPr>
+                            <m:t>𝑓</m:t>
+                          </m:r>
+                        </m:sub>
+                      </m:sSub>
+                    </m:oMath>
+                  </m:oMathPara>
+                </a14:m>
+                <a:endParaRPr lang="en-US" sz="2000" dirty="0"/>
+              </a:p>
+            </p:txBody>
+          </p:sp>
+        </mc:Choice>
+        <mc:Fallback xmlns="">
+          <p:sp>
+            <p:nvSpPr>
+              <p:cNvPr id="18" name="Oval 17">
+                <a:extLst>
+                  <a:ext uri="{FF2B5EF4-FFF2-40B4-BE49-F238E27FC236}">
+                    <a16:creationId xmlns:a16="http://schemas.microsoft.com/office/drawing/2014/main" id="{4956EF31-4FA2-4DF6-9C6E-D865A334D9BC}"/>
+                  </a:ext>
+                </a:extLst>
+              </p:cNvPr>
+              <p:cNvSpPr>
+                <a:spLocks noRot="1" noChangeAspect="1" noMove="1" noResize="1" noEditPoints="1" noAdjustHandles="1" noChangeArrowheads="1" noChangeShapeType="1" noTextEdit="1"/>
+              </p:cNvSpPr>
+              <p:nvPr/>
+            </p:nvSpPr>
+            <p:spPr>
+              <a:xfrm>
+                <a:off x="6876288" y="4325112"/>
+                <a:ext cx="786384" cy="658368"/>
+              </a:xfrm>
+              <a:prstGeom prst="ellipse">
+                <a:avLst/>
+              </a:prstGeom>
+              <a:blipFill>
+                <a:blip r:embed="rId5"/>
+                <a:stretch>
+                  <a:fillRect/>
+                </a:stretch>
+              </a:blipFill>
+              <a:ln>
+                <a:solidFill>
+                  <a:srgbClr val="0070C0"/>
+                </a:solidFill>
+              </a:ln>
+            </p:spPr>
+            <p:txBody>
+              <a:bodyPr/>
+              <a:lstStyle/>
+              <a:p>
+                <a:r>
+                  <a:rPr lang="en-US">
+                    <a:noFill/>
+                  </a:rPr>
+                  <a:t> </a:t>
+                </a:r>
+              </a:p>
+            </p:txBody>
+          </p:sp>
+        </mc:Fallback>
+      </mc:AlternateContent>
+      <mc:AlternateContent xmlns:mc="http://schemas.openxmlformats.org/markup-compatibility/2006" xmlns:a14="http://schemas.microsoft.com/office/drawing/2010/main">
+        <mc:Choice Requires="a14">
+          <p:sp>
+            <p:nvSpPr>
+              <p:cNvPr id="19" name="Oval 18">
+                <a:extLst>
+                  <a:ext uri="{FF2B5EF4-FFF2-40B4-BE49-F238E27FC236}">
+                    <a16:creationId xmlns:a16="http://schemas.microsoft.com/office/drawing/2014/main" id="{AC8280A4-4633-4831-9E7B-E7EA3628131F}"/>
+                  </a:ext>
+                </a:extLst>
+              </p:cNvPr>
+              <p:cNvSpPr/>
+              <p:nvPr/>
+            </p:nvSpPr>
+            <p:spPr>
+              <a:xfrm>
+                <a:off x="4919472" y="3374136"/>
+                <a:ext cx="786384" cy="658368"/>
+              </a:xfrm>
+              <a:prstGeom prst="ellipse">
+                <a:avLst/>
+              </a:prstGeom>
+              <a:solidFill>
+                <a:srgbClr val="0070C0"/>
+              </a:solidFill>
+              <a:ln>
+                <a:solidFill>
+                  <a:srgbClr val="0070C0"/>
+                </a:solidFill>
+              </a:ln>
+            </p:spPr>
+            <p:style>
+              <a:lnRef idx="2">
+                <a:schemeClr val="accent1">
+                  <a:shade val="50000"/>
+                </a:schemeClr>
+              </a:lnRef>
+              <a:fillRef idx="1">
+                <a:schemeClr val="accent1"/>
+              </a:fillRef>
+              <a:effectRef idx="0">
+                <a:schemeClr val="accent1"/>
+              </a:effectRef>
+              <a:fontRef idx="minor">
+                <a:schemeClr val="lt1"/>
+              </a:fontRef>
+            </p:style>
+            <p:txBody>
+              <a:bodyPr rtlCol="0" anchor="ctr"/>
+              <a:lstStyle/>
+              <a:p>
+                <a:pPr algn="ctr"/>
+                <a14:m>
+                  <m:oMathPara xmlns:m="http://schemas.openxmlformats.org/officeDocument/2006/math">
+                    <m:oMathParaPr>
+                      <m:jc m:val="centerGroup"/>
+                    </m:oMathParaPr>
+                    <m:oMath xmlns:m="http://schemas.openxmlformats.org/officeDocument/2006/math">
+                      <m:sSub>
+                        <m:sSubPr>
+                          <m:ctrlPr>
+                            <a:rPr lang="en-US" sz="2000" b="0" i="1" smtClean="0">
+                              <a:latin typeface="Cambria Math" panose="02040503050406030204" pitchFamily="18" charset="0"/>
+                            </a:rPr>
+                          </m:ctrlPr>
+                        </m:sSubPr>
+                        <m:e>
+                          <m:r>
+                            <a:rPr lang="en-US" sz="2000" b="0" i="1" smtClean="0">
+                              <a:latin typeface="Cambria Math" panose="02040503050406030204" pitchFamily="18" charset="0"/>
+                            </a:rPr>
+                            <m:t>𝑌</m:t>
+                          </m:r>
+                        </m:e>
+                        <m:sub>
+                          <m:r>
+                            <a:rPr lang="en-US" sz="2000" b="0" i="1" smtClean="0">
+                              <a:latin typeface="Cambria Math" panose="02040503050406030204" pitchFamily="18" charset="0"/>
+                            </a:rPr>
+                            <m:t>𝑓</m:t>
+                          </m:r>
+                        </m:sub>
+                      </m:sSub>
+                    </m:oMath>
+                  </m:oMathPara>
+                </a14:m>
+                <a:endParaRPr lang="en-US" sz="2000" dirty="0"/>
+              </a:p>
+            </p:txBody>
+          </p:sp>
+        </mc:Choice>
+        <mc:Fallback xmlns="">
+          <p:sp>
+            <p:nvSpPr>
+              <p:cNvPr id="19" name="Oval 18">
+                <a:extLst>
+                  <a:ext uri="{FF2B5EF4-FFF2-40B4-BE49-F238E27FC236}">
+                    <a16:creationId xmlns:a16="http://schemas.microsoft.com/office/drawing/2014/main" id="{AC8280A4-4633-4831-9E7B-E7EA3628131F}"/>
+                  </a:ext>
+                </a:extLst>
+              </p:cNvPr>
+              <p:cNvSpPr>
+                <a:spLocks noRot="1" noChangeAspect="1" noMove="1" noResize="1" noEditPoints="1" noAdjustHandles="1" noChangeArrowheads="1" noChangeShapeType="1" noTextEdit="1"/>
+              </p:cNvSpPr>
+              <p:nvPr/>
+            </p:nvSpPr>
+            <p:spPr>
+              <a:xfrm>
+                <a:off x="4919472" y="3374136"/>
+                <a:ext cx="786384" cy="658368"/>
+              </a:xfrm>
+              <a:prstGeom prst="ellipse">
+                <a:avLst/>
+              </a:prstGeom>
+              <a:blipFill>
+                <a:blip r:embed="rId6"/>
+                <a:stretch>
+                  <a:fillRect/>
+                </a:stretch>
+              </a:blipFill>
+              <a:ln>
+                <a:solidFill>
+                  <a:srgbClr val="0070C0"/>
+                </a:solidFill>
+              </a:ln>
+            </p:spPr>
+            <p:txBody>
+              <a:bodyPr/>
+              <a:lstStyle/>
+              <a:p>
+                <a:r>
+                  <a:rPr lang="en-US">
+                    <a:noFill/>
+                  </a:rPr>
+                  <a:t> </a:t>
+                </a:r>
+              </a:p>
+            </p:txBody>
+          </p:sp>
+        </mc:Fallback>
+      </mc:AlternateContent>
+      <mc:AlternateContent xmlns:mc="http://schemas.openxmlformats.org/markup-compatibility/2006" xmlns:a14="http://schemas.microsoft.com/office/drawing/2010/main">
+        <mc:Choice Requires="a14">
+          <p:sp>
+            <p:nvSpPr>
+              <p:cNvPr id="20" name="Oval 19">
+                <a:extLst>
+                  <a:ext uri="{FF2B5EF4-FFF2-40B4-BE49-F238E27FC236}">
+                    <a16:creationId xmlns:a16="http://schemas.microsoft.com/office/drawing/2014/main" id="{B477C1BC-A53F-4A60-801E-95A2DBE7DBD8}"/>
+                  </a:ext>
+                </a:extLst>
+              </p:cNvPr>
+              <p:cNvSpPr/>
+              <p:nvPr/>
+            </p:nvSpPr>
+            <p:spPr>
+              <a:xfrm>
+                <a:off x="8436864" y="3218688"/>
+                <a:ext cx="2194560" cy="969264"/>
+              </a:xfrm>
+              <a:prstGeom prst="ellipse">
+                <a:avLst/>
+              </a:prstGeom>
+              <a:solidFill>
+                <a:srgbClr val="0070C0"/>
+              </a:solidFill>
+              <a:ln>
+                <a:solidFill>
+                  <a:srgbClr val="0070C0"/>
+                </a:solidFill>
+              </a:ln>
+            </p:spPr>
+            <p:style>
+              <a:lnRef idx="2">
+                <a:schemeClr val="accent1">
+                  <a:shade val="50000"/>
+                </a:schemeClr>
+              </a:lnRef>
+              <a:fillRef idx="1">
+                <a:schemeClr val="accent1"/>
+              </a:fillRef>
+              <a:effectRef idx="0">
+                <a:schemeClr val="accent1"/>
+              </a:effectRef>
+              <a:fontRef idx="minor">
+                <a:schemeClr val="lt1"/>
+              </a:fontRef>
+            </p:style>
+            <p:txBody>
+              <a:bodyPr rtlCol="0" anchor="ctr"/>
+              <a:lstStyle/>
+              <a:p>
+                <a:pPr algn="ctr"/>
+                <a14:m>
+                  <m:oMathPara xmlns:m="http://schemas.openxmlformats.org/officeDocument/2006/math">
+                    <m:oMathParaPr>
+                      <m:jc m:val="centerGroup"/>
+                    </m:oMathParaPr>
+                    <m:oMath xmlns:m="http://schemas.openxmlformats.org/officeDocument/2006/math">
+                      <m:r>
+                        <a:rPr lang="en-US" sz="2000" i="1" smtClean="0">
+                          <a:latin typeface="Cambria Math" panose="02040503050406030204" pitchFamily="18" charset="0"/>
+                          <a:ea typeface="Cambria Math" panose="02040503050406030204" pitchFamily="18" charset="0"/>
+                        </a:rPr>
+                        <m:t>×</m:t>
+                      </m:r>
+                      <m:r>
+                        <a:rPr lang="en-US" sz="2000" i="1" smtClean="0">
+                          <a:latin typeface="Cambria Math" panose="02040503050406030204" pitchFamily="18" charset="0"/>
+                          <a:ea typeface="Cambria Math" panose="02040503050406030204" pitchFamily="18" charset="0"/>
+                        </a:rPr>
+                        <m:t>𝛼</m:t>
+                      </m:r>
+                    </m:oMath>
+                  </m:oMathPara>
+                </a14:m>
+                <a:endParaRPr lang="en-US" sz="2000" dirty="0">
+                  <a:ea typeface="Cambria Math" panose="02040503050406030204" pitchFamily="18" charset="0"/>
+                </a:endParaRPr>
+              </a:p>
+              <a:p>
+                <a:pPr algn="ctr"/>
+                <a:r>
+                  <a:rPr lang="en-US" dirty="0"/>
+                  <a:t>(amplification)</a:t>
+                </a:r>
+              </a:p>
+            </p:txBody>
+          </p:sp>
+        </mc:Choice>
+        <mc:Fallback xmlns="">
+          <p:sp>
+            <p:nvSpPr>
+              <p:cNvPr id="20" name="Oval 19">
+                <a:extLst>
+                  <a:ext uri="{FF2B5EF4-FFF2-40B4-BE49-F238E27FC236}">
+                    <a16:creationId xmlns:a16="http://schemas.microsoft.com/office/drawing/2014/main" id="{B477C1BC-A53F-4A60-801E-95A2DBE7DBD8}"/>
+                  </a:ext>
+                </a:extLst>
+              </p:cNvPr>
+              <p:cNvSpPr>
+                <a:spLocks noRot="1" noChangeAspect="1" noMove="1" noResize="1" noEditPoints="1" noAdjustHandles="1" noChangeArrowheads="1" noChangeShapeType="1" noTextEdit="1"/>
+              </p:cNvSpPr>
+              <p:nvPr/>
+            </p:nvSpPr>
+            <p:spPr>
+              <a:xfrm>
+                <a:off x="8436864" y="3218688"/>
+                <a:ext cx="2194560" cy="969264"/>
+              </a:xfrm>
+              <a:prstGeom prst="ellipse">
+                <a:avLst/>
+              </a:prstGeom>
+              <a:blipFill>
+                <a:blip r:embed="rId7"/>
+                <a:stretch>
+                  <a:fillRect/>
+                </a:stretch>
+              </a:blipFill>
+              <a:ln>
+                <a:solidFill>
+                  <a:srgbClr val="0070C0"/>
+                </a:solidFill>
+              </a:ln>
+            </p:spPr>
+            <p:txBody>
+              <a:bodyPr/>
+              <a:lstStyle/>
+              <a:p>
+                <a:r>
+                  <a:rPr lang="en-US">
+                    <a:noFill/>
+                  </a:rPr>
+                  <a:t> </a:t>
+                </a:r>
+              </a:p>
+            </p:txBody>
+          </p:sp>
+        </mc:Fallback>
+      </mc:AlternateContent>
+      <mc:AlternateContent xmlns:mc="http://schemas.openxmlformats.org/markup-compatibility/2006" xmlns:a14="http://schemas.microsoft.com/office/drawing/2010/main">
+        <mc:Choice Requires="a14">
+          <p:sp>
+            <p:nvSpPr>
+              <p:cNvPr id="21" name="Oval 20">
+                <a:extLst>
+                  <a:ext uri="{FF2B5EF4-FFF2-40B4-BE49-F238E27FC236}">
+                    <a16:creationId xmlns:a16="http://schemas.microsoft.com/office/drawing/2014/main" id="{5E471B0C-D378-49D6-A7EC-58C1F08874A6}"/>
+                  </a:ext>
+                </a:extLst>
+              </p:cNvPr>
+              <p:cNvSpPr/>
+              <p:nvPr/>
+            </p:nvSpPr>
+            <p:spPr>
+              <a:xfrm>
+                <a:off x="11167872" y="3374136"/>
+                <a:ext cx="786384" cy="658368"/>
+              </a:xfrm>
+              <a:prstGeom prst="ellipse">
+                <a:avLst/>
+              </a:prstGeom>
+              <a:solidFill>
+                <a:srgbClr val="0070C0"/>
+              </a:solidFill>
+              <a:ln>
+                <a:solidFill>
+                  <a:srgbClr val="0070C0"/>
+                </a:solidFill>
+              </a:ln>
+            </p:spPr>
+            <p:style>
+              <a:lnRef idx="2">
+                <a:schemeClr val="accent1">
+                  <a:shade val="50000"/>
+                </a:schemeClr>
+              </a:lnRef>
+              <a:fillRef idx="1">
+                <a:schemeClr val="accent1"/>
+              </a:fillRef>
+              <a:effectRef idx="0">
+                <a:schemeClr val="accent1"/>
+              </a:effectRef>
+              <a:fontRef idx="minor">
+                <a:schemeClr val="lt1"/>
+              </a:fontRef>
+            </p:style>
+            <p:txBody>
+              <a:bodyPr rtlCol="0" anchor="ctr"/>
+              <a:lstStyle/>
+              <a:p>
+                <a:pPr algn="ctr"/>
+                <a14:m>
+                  <m:oMathPara xmlns:m="http://schemas.openxmlformats.org/officeDocument/2006/math">
+                    <m:oMathParaPr>
+                      <m:jc m:val="centerGroup"/>
+                    </m:oMathParaPr>
+                    <m:oMath xmlns:m="http://schemas.openxmlformats.org/officeDocument/2006/math">
+                      <m:sSub>
+                        <m:sSubPr>
+                          <m:ctrlPr>
+                            <a:rPr lang="en-US" sz="2000" b="0" i="1" smtClean="0">
+                              <a:latin typeface="Cambria Math" panose="02040503050406030204" pitchFamily="18" charset="0"/>
+                            </a:rPr>
+                          </m:ctrlPr>
+                        </m:sSubPr>
+                        <m:e>
+                          <m:r>
+                            <a:rPr lang="en-US" sz="2000" b="0" i="1" smtClean="0">
+                              <a:latin typeface="Cambria Math" panose="02040503050406030204" pitchFamily="18" charset="0"/>
+                            </a:rPr>
+                            <m:t>𝑌</m:t>
+                          </m:r>
+                        </m:e>
+                        <m:sub>
+                          <m:r>
+                            <a:rPr lang="en-US" sz="2000" b="0" i="1" smtClean="0">
+                              <a:latin typeface="Cambria Math" panose="02040503050406030204" pitchFamily="18" charset="0"/>
+                            </a:rPr>
+                            <m:t>𝑚</m:t>
+                          </m:r>
+                        </m:sub>
+                      </m:sSub>
+                    </m:oMath>
+                  </m:oMathPara>
+                </a14:m>
+                <a:endParaRPr lang="en-US" sz="2000" dirty="0"/>
+              </a:p>
+            </p:txBody>
+          </p:sp>
+        </mc:Choice>
+        <mc:Fallback xmlns="">
+          <p:sp>
+            <p:nvSpPr>
+              <p:cNvPr id="21" name="Oval 20">
+                <a:extLst>
+                  <a:ext uri="{FF2B5EF4-FFF2-40B4-BE49-F238E27FC236}">
+                    <a16:creationId xmlns:a16="http://schemas.microsoft.com/office/drawing/2014/main" id="{5E471B0C-D378-49D6-A7EC-58C1F08874A6}"/>
+                  </a:ext>
+                </a:extLst>
+              </p:cNvPr>
+              <p:cNvSpPr>
+                <a:spLocks noRot="1" noChangeAspect="1" noMove="1" noResize="1" noEditPoints="1" noAdjustHandles="1" noChangeArrowheads="1" noChangeShapeType="1" noTextEdit="1"/>
+              </p:cNvSpPr>
+              <p:nvPr/>
+            </p:nvSpPr>
+            <p:spPr>
+              <a:xfrm>
+                <a:off x="11167872" y="3374136"/>
+                <a:ext cx="786384" cy="658368"/>
+              </a:xfrm>
+              <a:prstGeom prst="ellipse">
+                <a:avLst/>
+              </a:prstGeom>
+              <a:blipFill>
+                <a:blip r:embed="rId8"/>
+                <a:stretch>
+                  <a:fillRect/>
+                </a:stretch>
+              </a:blipFill>
+              <a:ln>
+                <a:solidFill>
+                  <a:srgbClr val="0070C0"/>
+                </a:solidFill>
+              </a:ln>
+            </p:spPr>
+            <p:txBody>
+              <a:bodyPr/>
+              <a:lstStyle/>
+              <a:p>
+                <a:r>
+                  <a:rPr lang="en-US">
+                    <a:noFill/>
+                  </a:rPr>
+                  <a:t> </a:t>
+                </a:r>
+              </a:p>
+            </p:txBody>
+          </p:sp>
+        </mc:Fallback>
+      </mc:AlternateContent>
+      <p:cxnSp>
+        <p:nvCxnSpPr>
+          <p:cNvPr id="22" name="Straight Arrow Connector 21">
+            <a:extLst>
+              <a:ext uri="{FF2B5EF4-FFF2-40B4-BE49-F238E27FC236}">
+                <a16:creationId xmlns:a16="http://schemas.microsoft.com/office/drawing/2014/main" id="{7340ECB8-ABCA-4A59-AF47-D6B69D250BC2}"/>
+              </a:ext>
+            </a:extLst>
+          </p:cNvPr>
+          <p:cNvCxnSpPr>
+            <a:stCxn id="17" idx="2"/>
+            <a:endCxn id="19" idx="7"/>
+          </p:cNvCxnSpPr>
+          <p:nvPr/>
+        </p:nvCxnSpPr>
+        <p:spPr>
+          <a:xfrm flipH="1">
+            <a:off x="5590693" y="2715768"/>
+            <a:ext cx="1285595" cy="754784"/>
+          </a:xfrm>
+          <a:prstGeom prst="straightConnector1">
+            <a:avLst/>
+          </a:prstGeom>
+          <a:ln w="38100">
+            <a:solidFill>
+              <a:srgbClr val="0070C0"/>
+            </a:solidFill>
+            <a:tailEnd type="triangle"/>
+          </a:ln>
+        </p:spPr>
+        <p:style>
+          <a:lnRef idx="1">
+            <a:schemeClr val="accent1"/>
+          </a:lnRef>
+          <a:fillRef idx="0">
+            <a:schemeClr val="accent1"/>
+          </a:fillRef>
+          <a:effectRef idx="0">
+            <a:schemeClr val="accent1"/>
+          </a:effectRef>
+          <a:fontRef idx="minor">
+            <a:schemeClr val="tx1"/>
+          </a:fontRef>
+        </p:style>
+      </p:cxnSp>
+      <p:cxnSp>
+        <p:nvCxnSpPr>
+          <p:cNvPr id="23" name="Straight Arrow Connector 22">
+            <a:extLst>
+              <a:ext uri="{FF2B5EF4-FFF2-40B4-BE49-F238E27FC236}">
+                <a16:creationId xmlns:a16="http://schemas.microsoft.com/office/drawing/2014/main" id="{47196AB6-F363-49A2-A905-0725C69F0E69}"/>
+              </a:ext>
+            </a:extLst>
+          </p:cNvPr>
+          <p:cNvCxnSpPr>
+            <a:stCxn id="18" idx="2"/>
+            <a:endCxn id="19" idx="6"/>
+          </p:cNvCxnSpPr>
+          <p:nvPr/>
+        </p:nvCxnSpPr>
+        <p:spPr>
+          <a:xfrm flipH="1" flipV="1">
+            <a:off x="5705856" y="3703320"/>
+            <a:ext cx="1170432" cy="950976"/>
+          </a:xfrm>
+          <a:prstGeom prst="straightConnector1">
+            <a:avLst/>
+          </a:prstGeom>
+          <a:ln w="38100">
+            <a:solidFill>
+              <a:srgbClr val="0070C0"/>
+            </a:solidFill>
+            <a:tailEnd type="triangle"/>
+          </a:ln>
+        </p:spPr>
+        <p:style>
+          <a:lnRef idx="1">
+            <a:schemeClr val="accent1"/>
+          </a:lnRef>
+          <a:fillRef idx="0">
+            <a:schemeClr val="accent1"/>
+          </a:fillRef>
+          <a:effectRef idx="0">
+            <a:schemeClr val="accent1"/>
+          </a:effectRef>
+          <a:fontRef idx="minor">
+            <a:schemeClr val="tx1"/>
+          </a:fontRef>
+        </p:style>
+      </p:cxnSp>
+      <p:cxnSp>
+        <p:nvCxnSpPr>
+          <p:cNvPr id="24" name="Straight Arrow Connector 23">
+            <a:extLst>
+              <a:ext uri="{FF2B5EF4-FFF2-40B4-BE49-F238E27FC236}">
+                <a16:creationId xmlns:a16="http://schemas.microsoft.com/office/drawing/2014/main" id="{0FA66808-18ED-4DE7-8CDA-6FAE12C6BD2F}"/>
+              </a:ext>
+            </a:extLst>
+          </p:cNvPr>
+          <p:cNvCxnSpPr>
+            <a:stCxn id="17" idx="6"/>
+          </p:cNvCxnSpPr>
+          <p:nvPr/>
+        </p:nvCxnSpPr>
+        <p:spPr>
+          <a:xfrm>
+            <a:off x="7662672" y="2715768"/>
+            <a:ext cx="886968" cy="754784"/>
+          </a:xfrm>
+          <a:prstGeom prst="straightConnector1">
+            <a:avLst/>
+          </a:prstGeom>
+          <a:ln w="38100">
+            <a:solidFill>
+              <a:srgbClr val="0070C0"/>
+            </a:solidFill>
+            <a:tailEnd type="triangle"/>
+          </a:ln>
+        </p:spPr>
+        <p:style>
+          <a:lnRef idx="1">
+            <a:schemeClr val="accent1"/>
+          </a:lnRef>
+          <a:fillRef idx="0">
+            <a:schemeClr val="accent1"/>
+          </a:fillRef>
+          <a:effectRef idx="0">
+            <a:schemeClr val="accent1"/>
+          </a:effectRef>
+          <a:fontRef idx="minor">
+            <a:schemeClr val="tx1"/>
+          </a:fontRef>
+        </p:style>
+      </p:cxnSp>
+      <p:cxnSp>
+        <p:nvCxnSpPr>
+          <p:cNvPr id="25" name="Straight Arrow Connector 24">
+            <a:extLst>
+              <a:ext uri="{FF2B5EF4-FFF2-40B4-BE49-F238E27FC236}">
+                <a16:creationId xmlns:a16="http://schemas.microsoft.com/office/drawing/2014/main" id="{469C34E1-3F4B-465C-98EE-05DFCB46F4A9}"/>
+              </a:ext>
+            </a:extLst>
+          </p:cNvPr>
+          <p:cNvCxnSpPr>
+            <a:stCxn id="18" idx="6"/>
+            <a:endCxn id="20" idx="2"/>
+          </p:cNvCxnSpPr>
+          <p:nvPr/>
+        </p:nvCxnSpPr>
+        <p:spPr>
+          <a:xfrm flipV="1">
+            <a:off x="7662672" y="3703320"/>
+            <a:ext cx="774192" cy="950976"/>
+          </a:xfrm>
+          <a:prstGeom prst="straightConnector1">
+            <a:avLst/>
+          </a:prstGeom>
+          <a:ln w="38100">
+            <a:solidFill>
+              <a:srgbClr val="0070C0"/>
+            </a:solidFill>
+            <a:tailEnd type="triangle"/>
+          </a:ln>
+        </p:spPr>
+        <p:style>
+          <a:lnRef idx="1">
+            <a:schemeClr val="accent1"/>
+          </a:lnRef>
+          <a:fillRef idx="0">
+            <a:schemeClr val="accent1"/>
+          </a:fillRef>
+          <a:effectRef idx="0">
+            <a:schemeClr val="accent1"/>
+          </a:effectRef>
+          <a:fontRef idx="minor">
+            <a:schemeClr val="tx1"/>
+          </a:fontRef>
+        </p:style>
+      </p:cxnSp>
+      <p:cxnSp>
+        <p:nvCxnSpPr>
+          <p:cNvPr id="26" name="Straight Arrow Connector 25">
+            <a:extLst>
+              <a:ext uri="{FF2B5EF4-FFF2-40B4-BE49-F238E27FC236}">
+                <a16:creationId xmlns:a16="http://schemas.microsoft.com/office/drawing/2014/main" id="{8BEA548C-525E-4C85-BEDA-9483DDAD2F48}"/>
+              </a:ext>
+            </a:extLst>
+          </p:cNvPr>
+          <p:cNvCxnSpPr>
+            <a:stCxn id="20" idx="6"/>
+            <a:endCxn id="21" idx="2"/>
+          </p:cNvCxnSpPr>
+          <p:nvPr/>
+        </p:nvCxnSpPr>
+        <p:spPr>
+          <a:xfrm>
+            <a:off x="10631424" y="3703320"/>
+            <a:ext cx="536448" cy="0"/>
+          </a:xfrm>
+          <a:prstGeom prst="straightConnector1">
+            <a:avLst/>
+          </a:prstGeom>
+          <a:ln w="38100">
+            <a:solidFill>
+              <a:srgbClr val="0070C0"/>
+            </a:solidFill>
+            <a:tailEnd type="triangle"/>
+          </a:ln>
+        </p:spPr>
+        <p:style>
+          <a:lnRef idx="1">
+            <a:schemeClr val="accent1"/>
+          </a:lnRef>
+          <a:fillRef idx="0">
+            <a:schemeClr val="accent1"/>
+          </a:fillRef>
+          <a:effectRef idx="0">
+            <a:schemeClr val="accent1"/>
+          </a:effectRef>
+          <a:fontRef idx="minor">
+            <a:schemeClr val="tx1"/>
+          </a:fontRef>
+        </p:style>
+      </p:cxnSp>
+      <p:sp>
+        <p:nvSpPr>
+          <p:cNvPr id="27" name="Plus Sign 26">
+            <a:extLst>
+              <a:ext uri="{FF2B5EF4-FFF2-40B4-BE49-F238E27FC236}">
+                <a16:creationId xmlns:a16="http://schemas.microsoft.com/office/drawing/2014/main" id="{90437FA9-6AB2-4185-AF92-8DB3210362D0}"/>
+              </a:ext>
+            </a:extLst>
+          </p:cNvPr>
+          <p:cNvSpPr/>
+          <p:nvPr/>
+        </p:nvSpPr>
+        <p:spPr>
+          <a:xfrm>
+            <a:off x="5833872" y="3443524"/>
+            <a:ext cx="280416" cy="232768"/>
+          </a:xfrm>
+          <a:prstGeom prst="mathPlus">
+            <a:avLst/>
+          </a:prstGeom>
+          <a:solidFill>
+            <a:srgbClr val="0070C0"/>
+          </a:solidFill>
+          <a:ln>
+            <a:solidFill>
+              <a:srgbClr val="0070C0"/>
+            </a:solidFill>
+          </a:ln>
+        </p:spPr>
+        <p:style>
+          <a:lnRef idx="2">
+            <a:schemeClr val="accent1">
+              <a:shade val="50000"/>
+            </a:schemeClr>
+          </a:lnRef>
+          <a:fillRef idx="1">
+            <a:schemeClr val="accent1"/>
+          </a:fillRef>
+          <a:effectRef idx="0">
+            <a:schemeClr val="accent1"/>
+          </a:effectRef>
+          <a:fontRef idx="minor">
+            <a:schemeClr val="lt1"/>
+          </a:fontRef>
+        </p:style>
+        <p:txBody>
+          <a:bodyPr rtlCol="0" anchor="ctr"/>
+          <a:lstStyle/>
+          <a:p>
+            <a:pPr algn="ctr"/>
+            <a:endParaRPr lang="en-US"/>
+          </a:p>
+        </p:txBody>
+      </p:sp>
+      <p:sp>
+        <p:nvSpPr>
+          <p:cNvPr id="28" name="Plus Sign 27">
+            <a:extLst>
+              <a:ext uri="{FF2B5EF4-FFF2-40B4-BE49-F238E27FC236}">
+                <a16:creationId xmlns:a16="http://schemas.microsoft.com/office/drawing/2014/main" id="{0D9BA265-7BC3-4284-896B-9E85DCA4414F}"/>
+              </a:ext>
+            </a:extLst>
+          </p:cNvPr>
+          <p:cNvSpPr/>
+          <p:nvPr/>
+        </p:nvSpPr>
+        <p:spPr>
+          <a:xfrm>
+            <a:off x="8077200" y="3443524"/>
+            <a:ext cx="280416" cy="232768"/>
+          </a:xfrm>
+          <a:prstGeom prst="mathPlus">
+            <a:avLst/>
+          </a:prstGeom>
+          <a:solidFill>
+            <a:srgbClr val="0070C0"/>
+          </a:solidFill>
+          <a:ln>
+            <a:solidFill>
+              <a:srgbClr val="0070C0"/>
+            </a:solidFill>
+          </a:ln>
+        </p:spPr>
+        <p:style>
+          <a:lnRef idx="2">
+            <a:schemeClr val="accent1">
+              <a:shade val="50000"/>
+            </a:schemeClr>
+          </a:lnRef>
+          <a:fillRef idx="1">
+            <a:schemeClr val="accent1"/>
+          </a:fillRef>
+          <a:effectRef idx="0">
+            <a:schemeClr val="accent1"/>
+          </a:effectRef>
+          <a:fontRef idx="minor">
+            <a:schemeClr val="lt1"/>
+          </a:fontRef>
+        </p:style>
+        <p:txBody>
+          <a:bodyPr rtlCol="0" anchor="ctr"/>
+          <a:lstStyle/>
+          <a:p>
+            <a:pPr algn="ctr"/>
             <a:endParaRPr lang="en-US"/>
           </a:p>
         </p:txBody>
@@ -3984,6 +6581,1125 @@
   <p:clrMapOvr>
     <a:masterClrMapping/>
   </p:clrMapOvr>
+  <p:timing>
+    <p:tnLst>
+      <p:par>
+        <p:cTn id="1" dur="indefinite" restart="never" nodeType="tmRoot">
+          <p:childTnLst>
+            <p:seq concurrent="1" nextAc="seek">
+              <p:cTn id="2" dur="indefinite" nodeType="mainSeq">
+                <p:childTnLst>
+                  <p:par>
+                    <p:cTn id="3" fill="hold">
+                      <p:stCondLst>
+                        <p:cond delay="indefinite"/>
+                      </p:stCondLst>
+                      <p:childTnLst>
+                        <p:par>
+                          <p:cTn id="4" fill="hold">
+                            <p:stCondLst>
+                              <p:cond delay="0"/>
+                            </p:stCondLst>
+                            <p:childTnLst>
+                              <p:par>
+                                <p:cTn id="5" presetID="53" presetClass="exit" presetSubtype="32" fill="hold" grpId="0" nodeType="clickEffect">
+                                  <p:stCondLst>
+                                    <p:cond delay="0"/>
+                                  </p:stCondLst>
+                                  <p:childTnLst>
+                                    <p:anim calcmode="lin" valueType="num">
+                                      <p:cBhvr>
+                                        <p:cTn id="6" dur="500"/>
+                                        <p:tgtEl>
+                                          <p:spTgt spid="17"/>
+                                        </p:tgtEl>
+                                        <p:attrNameLst>
+                                          <p:attrName>ppt_w</p:attrName>
+                                        </p:attrNameLst>
+                                      </p:cBhvr>
+                                      <p:tavLst>
+                                        <p:tav tm="0">
+                                          <p:val>
+                                            <p:strVal val="ppt_w"/>
+                                          </p:val>
+                                        </p:tav>
+                                        <p:tav tm="100000">
+                                          <p:val>
+                                            <p:fltVal val="0"/>
+                                          </p:val>
+                                        </p:tav>
+                                      </p:tavLst>
+                                    </p:anim>
+                                    <p:anim calcmode="lin" valueType="num">
+                                      <p:cBhvr>
+                                        <p:cTn id="7" dur="500"/>
+                                        <p:tgtEl>
+                                          <p:spTgt spid="17"/>
+                                        </p:tgtEl>
+                                        <p:attrNameLst>
+                                          <p:attrName>ppt_h</p:attrName>
+                                        </p:attrNameLst>
+                                      </p:cBhvr>
+                                      <p:tavLst>
+                                        <p:tav tm="0">
+                                          <p:val>
+                                            <p:strVal val="ppt_h"/>
+                                          </p:val>
+                                        </p:tav>
+                                        <p:tav tm="100000">
+                                          <p:val>
+                                            <p:fltVal val="0"/>
+                                          </p:val>
+                                        </p:tav>
+                                      </p:tavLst>
+                                    </p:anim>
+                                    <p:animEffect transition="out" filter="fade">
+                                      <p:cBhvr>
+                                        <p:cTn id="8" dur="500"/>
+                                        <p:tgtEl>
+                                          <p:spTgt spid="17"/>
+                                        </p:tgtEl>
+                                      </p:cBhvr>
+                                    </p:animEffect>
+                                    <p:set>
+                                      <p:cBhvr>
+                                        <p:cTn id="9" dur="1" fill="hold">
+                                          <p:stCondLst>
+                                            <p:cond delay="499"/>
+                                          </p:stCondLst>
+                                        </p:cTn>
+                                        <p:tgtEl>
+                                          <p:spTgt spid="17"/>
+                                        </p:tgtEl>
+                                        <p:attrNameLst>
+                                          <p:attrName>style.visibility</p:attrName>
+                                        </p:attrNameLst>
+                                      </p:cBhvr>
+                                      <p:to>
+                                        <p:strVal val="hidden"/>
+                                      </p:to>
+                                    </p:set>
+                                  </p:childTnLst>
+                                </p:cTn>
+                              </p:par>
+                              <p:par>
+                                <p:cTn id="10" presetID="53" presetClass="exit" presetSubtype="32" fill="hold" grpId="0" nodeType="withEffect">
+                                  <p:stCondLst>
+                                    <p:cond delay="0"/>
+                                  </p:stCondLst>
+                                  <p:childTnLst>
+                                    <p:anim calcmode="lin" valueType="num">
+                                      <p:cBhvr>
+                                        <p:cTn id="11" dur="500"/>
+                                        <p:tgtEl>
+                                          <p:spTgt spid="18"/>
+                                        </p:tgtEl>
+                                        <p:attrNameLst>
+                                          <p:attrName>ppt_w</p:attrName>
+                                        </p:attrNameLst>
+                                      </p:cBhvr>
+                                      <p:tavLst>
+                                        <p:tav tm="0">
+                                          <p:val>
+                                            <p:strVal val="ppt_w"/>
+                                          </p:val>
+                                        </p:tav>
+                                        <p:tav tm="100000">
+                                          <p:val>
+                                            <p:fltVal val="0"/>
+                                          </p:val>
+                                        </p:tav>
+                                      </p:tavLst>
+                                    </p:anim>
+                                    <p:anim calcmode="lin" valueType="num">
+                                      <p:cBhvr>
+                                        <p:cTn id="12" dur="500"/>
+                                        <p:tgtEl>
+                                          <p:spTgt spid="18"/>
+                                        </p:tgtEl>
+                                        <p:attrNameLst>
+                                          <p:attrName>ppt_h</p:attrName>
+                                        </p:attrNameLst>
+                                      </p:cBhvr>
+                                      <p:tavLst>
+                                        <p:tav tm="0">
+                                          <p:val>
+                                            <p:strVal val="ppt_h"/>
+                                          </p:val>
+                                        </p:tav>
+                                        <p:tav tm="100000">
+                                          <p:val>
+                                            <p:fltVal val="0"/>
+                                          </p:val>
+                                        </p:tav>
+                                      </p:tavLst>
+                                    </p:anim>
+                                    <p:animEffect transition="out" filter="fade">
+                                      <p:cBhvr>
+                                        <p:cTn id="13" dur="500"/>
+                                        <p:tgtEl>
+                                          <p:spTgt spid="18"/>
+                                        </p:tgtEl>
+                                      </p:cBhvr>
+                                    </p:animEffect>
+                                    <p:set>
+                                      <p:cBhvr>
+                                        <p:cTn id="14" dur="1" fill="hold">
+                                          <p:stCondLst>
+                                            <p:cond delay="499"/>
+                                          </p:stCondLst>
+                                        </p:cTn>
+                                        <p:tgtEl>
+                                          <p:spTgt spid="18"/>
+                                        </p:tgtEl>
+                                        <p:attrNameLst>
+                                          <p:attrName>style.visibility</p:attrName>
+                                        </p:attrNameLst>
+                                      </p:cBhvr>
+                                      <p:to>
+                                        <p:strVal val="hidden"/>
+                                      </p:to>
+                                    </p:set>
+                                  </p:childTnLst>
+                                </p:cTn>
+                              </p:par>
+                              <p:par>
+                                <p:cTn id="15" presetID="53" presetClass="exit" presetSubtype="32" fill="hold" grpId="0" nodeType="withEffect">
+                                  <p:stCondLst>
+                                    <p:cond delay="0"/>
+                                  </p:stCondLst>
+                                  <p:childTnLst>
+                                    <p:anim calcmode="lin" valueType="num">
+                                      <p:cBhvr>
+                                        <p:cTn id="16" dur="500"/>
+                                        <p:tgtEl>
+                                          <p:spTgt spid="19"/>
+                                        </p:tgtEl>
+                                        <p:attrNameLst>
+                                          <p:attrName>ppt_w</p:attrName>
+                                        </p:attrNameLst>
+                                      </p:cBhvr>
+                                      <p:tavLst>
+                                        <p:tav tm="0">
+                                          <p:val>
+                                            <p:strVal val="ppt_w"/>
+                                          </p:val>
+                                        </p:tav>
+                                        <p:tav tm="100000">
+                                          <p:val>
+                                            <p:fltVal val="0"/>
+                                          </p:val>
+                                        </p:tav>
+                                      </p:tavLst>
+                                    </p:anim>
+                                    <p:anim calcmode="lin" valueType="num">
+                                      <p:cBhvr>
+                                        <p:cTn id="17" dur="500"/>
+                                        <p:tgtEl>
+                                          <p:spTgt spid="19"/>
+                                        </p:tgtEl>
+                                        <p:attrNameLst>
+                                          <p:attrName>ppt_h</p:attrName>
+                                        </p:attrNameLst>
+                                      </p:cBhvr>
+                                      <p:tavLst>
+                                        <p:tav tm="0">
+                                          <p:val>
+                                            <p:strVal val="ppt_h"/>
+                                          </p:val>
+                                        </p:tav>
+                                        <p:tav tm="100000">
+                                          <p:val>
+                                            <p:fltVal val="0"/>
+                                          </p:val>
+                                        </p:tav>
+                                      </p:tavLst>
+                                    </p:anim>
+                                    <p:animEffect transition="out" filter="fade">
+                                      <p:cBhvr>
+                                        <p:cTn id="18" dur="500"/>
+                                        <p:tgtEl>
+                                          <p:spTgt spid="19"/>
+                                        </p:tgtEl>
+                                      </p:cBhvr>
+                                    </p:animEffect>
+                                    <p:set>
+                                      <p:cBhvr>
+                                        <p:cTn id="19" dur="1" fill="hold">
+                                          <p:stCondLst>
+                                            <p:cond delay="499"/>
+                                          </p:stCondLst>
+                                        </p:cTn>
+                                        <p:tgtEl>
+                                          <p:spTgt spid="19"/>
+                                        </p:tgtEl>
+                                        <p:attrNameLst>
+                                          <p:attrName>style.visibility</p:attrName>
+                                        </p:attrNameLst>
+                                      </p:cBhvr>
+                                      <p:to>
+                                        <p:strVal val="hidden"/>
+                                      </p:to>
+                                    </p:set>
+                                  </p:childTnLst>
+                                </p:cTn>
+                              </p:par>
+                              <p:par>
+                                <p:cTn id="20" presetID="53" presetClass="exit" presetSubtype="32" fill="hold" grpId="0" nodeType="withEffect">
+                                  <p:stCondLst>
+                                    <p:cond delay="0"/>
+                                  </p:stCondLst>
+                                  <p:childTnLst>
+                                    <p:anim calcmode="lin" valueType="num">
+                                      <p:cBhvr>
+                                        <p:cTn id="21" dur="500"/>
+                                        <p:tgtEl>
+                                          <p:spTgt spid="20"/>
+                                        </p:tgtEl>
+                                        <p:attrNameLst>
+                                          <p:attrName>ppt_w</p:attrName>
+                                        </p:attrNameLst>
+                                      </p:cBhvr>
+                                      <p:tavLst>
+                                        <p:tav tm="0">
+                                          <p:val>
+                                            <p:strVal val="ppt_w"/>
+                                          </p:val>
+                                        </p:tav>
+                                        <p:tav tm="100000">
+                                          <p:val>
+                                            <p:fltVal val="0"/>
+                                          </p:val>
+                                        </p:tav>
+                                      </p:tavLst>
+                                    </p:anim>
+                                    <p:anim calcmode="lin" valueType="num">
+                                      <p:cBhvr>
+                                        <p:cTn id="22" dur="500"/>
+                                        <p:tgtEl>
+                                          <p:spTgt spid="20"/>
+                                        </p:tgtEl>
+                                        <p:attrNameLst>
+                                          <p:attrName>ppt_h</p:attrName>
+                                        </p:attrNameLst>
+                                      </p:cBhvr>
+                                      <p:tavLst>
+                                        <p:tav tm="0">
+                                          <p:val>
+                                            <p:strVal val="ppt_h"/>
+                                          </p:val>
+                                        </p:tav>
+                                        <p:tav tm="100000">
+                                          <p:val>
+                                            <p:fltVal val="0"/>
+                                          </p:val>
+                                        </p:tav>
+                                      </p:tavLst>
+                                    </p:anim>
+                                    <p:animEffect transition="out" filter="fade">
+                                      <p:cBhvr>
+                                        <p:cTn id="23" dur="500"/>
+                                        <p:tgtEl>
+                                          <p:spTgt spid="20"/>
+                                        </p:tgtEl>
+                                      </p:cBhvr>
+                                    </p:animEffect>
+                                    <p:set>
+                                      <p:cBhvr>
+                                        <p:cTn id="24" dur="1" fill="hold">
+                                          <p:stCondLst>
+                                            <p:cond delay="499"/>
+                                          </p:stCondLst>
+                                        </p:cTn>
+                                        <p:tgtEl>
+                                          <p:spTgt spid="20"/>
+                                        </p:tgtEl>
+                                        <p:attrNameLst>
+                                          <p:attrName>style.visibility</p:attrName>
+                                        </p:attrNameLst>
+                                      </p:cBhvr>
+                                      <p:to>
+                                        <p:strVal val="hidden"/>
+                                      </p:to>
+                                    </p:set>
+                                  </p:childTnLst>
+                                </p:cTn>
+                              </p:par>
+                              <p:par>
+                                <p:cTn id="25" presetID="53" presetClass="exit" presetSubtype="32" fill="hold" grpId="0" nodeType="withEffect">
+                                  <p:stCondLst>
+                                    <p:cond delay="0"/>
+                                  </p:stCondLst>
+                                  <p:childTnLst>
+                                    <p:anim calcmode="lin" valueType="num">
+                                      <p:cBhvr>
+                                        <p:cTn id="26" dur="500"/>
+                                        <p:tgtEl>
+                                          <p:spTgt spid="21"/>
+                                        </p:tgtEl>
+                                        <p:attrNameLst>
+                                          <p:attrName>ppt_w</p:attrName>
+                                        </p:attrNameLst>
+                                      </p:cBhvr>
+                                      <p:tavLst>
+                                        <p:tav tm="0">
+                                          <p:val>
+                                            <p:strVal val="ppt_w"/>
+                                          </p:val>
+                                        </p:tav>
+                                        <p:tav tm="100000">
+                                          <p:val>
+                                            <p:fltVal val="0"/>
+                                          </p:val>
+                                        </p:tav>
+                                      </p:tavLst>
+                                    </p:anim>
+                                    <p:anim calcmode="lin" valueType="num">
+                                      <p:cBhvr>
+                                        <p:cTn id="27" dur="500"/>
+                                        <p:tgtEl>
+                                          <p:spTgt spid="21"/>
+                                        </p:tgtEl>
+                                        <p:attrNameLst>
+                                          <p:attrName>ppt_h</p:attrName>
+                                        </p:attrNameLst>
+                                      </p:cBhvr>
+                                      <p:tavLst>
+                                        <p:tav tm="0">
+                                          <p:val>
+                                            <p:strVal val="ppt_h"/>
+                                          </p:val>
+                                        </p:tav>
+                                        <p:tav tm="100000">
+                                          <p:val>
+                                            <p:fltVal val="0"/>
+                                          </p:val>
+                                        </p:tav>
+                                      </p:tavLst>
+                                    </p:anim>
+                                    <p:animEffect transition="out" filter="fade">
+                                      <p:cBhvr>
+                                        <p:cTn id="28" dur="500"/>
+                                        <p:tgtEl>
+                                          <p:spTgt spid="21"/>
+                                        </p:tgtEl>
+                                      </p:cBhvr>
+                                    </p:animEffect>
+                                    <p:set>
+                                      <p:cBhvr>
+                                        <p:cTn id="29" dur="1" fill="hold">
+                                          <p:stCondLst>
+                                            <p:cond delay="499"/>
+                                          </p:stCondLst>
+                                        </p:cTn>
+                                        <p:tgtEl>
+                                          <p:spTgt spid="21"/>
+                                        </p:tgtEl>
+                                        <p:attrNameLst>
+                                          <p:attrName>style.visibility</p:attrName>
+                                        </p:attrNameLst>
+                                      </p:cBhvr>
+                                      <p:to>
+                                        <p:strVal val="hidden"/>
+                                      </p:to>
+                                    </p:set>
+                                  </p:childTnLst>
+                                </p:cTn>
+                              </p:par>
+                              <p:par>
+                                <p:cTn id="30" presetID="53" presetClass="exit" presetSubtype="32" fill="hold" nodeType="withEffect">
+                                  <p:stCondLst>
+                                    <p:cond delay="0"/>
+                                  </p:stCondLst>
+                                  <p:childTnLst>
+                                    <p:anim calcmode="lin" valueType="num">
+                                      <p:cBhvr>
+                                        <p:cTn id="31" dur="500"/>
+                                        <p:tgtEl>
+                                          <p:spTgt spid="22"/>
+                                        </p:tgtEl>
+                                        <p:attrNameLst>
+                                          <p:attrName>ppt_w</p:attrName>
+                                        </p:attrNameLst>
+                                      </p:cBhvr>
+                                      <p:tavLst>
+                                        <p:tav tm="0">
+                                          <p:val>
+                                            <p:strVal val="ppt_w"/>
+                                          </p:val>
+                                        </p:tav>
+                                        <p:tav tm="100000">
+                                          <p:val>
+                                            <p:fltVal val="0"/>
+                                          </p:val>
+                                        </p:tav>
+                                      </p:tavLst>
+                                    </p:anim>
+                                    <p:anim calcmode="lin" valueType="num">
+                                      <p:cBhvr>
+                                        <p:cTn id="32" dur="500"/>
+                                        <p:tgtEl>
+                                          <p:spTgt spid="22"/>
+                                        </p:tgtEl>
+                                        <p:attrNameLst>
+                                          <p:attrName>ppt_h</p:attrName>
+                                        </p:attrNameLst>
+                                      </p:cBhvr>
+                                      <p:tavLst>
+                                        <p:tav tm="0">
+                                          <p:val>
+                                            <p:strVal val="ppt_h"/>
+                                          </p:val>
+                                        </p:tav>
+                                        <p:tav tm="100000">
+                                          <p:val>
+                                            <p:fltVal val="0"/>
+                                          </p:val>
+                                        </p:tav>
+                                      </p:tavLst>
+                                    </p:anim>
+                                    <p:animEffect transition="out" filter="fade">
+                                      <p:cBhvr>
+                                        <p:cTn id="33" dur="500"/>
+                                        <p:tgtEl>
+                                          <p:spTgt spid="22"/>
+                                        </p:tgtEl>
+                                      </p:cBhvr>
+                                    </p:animEffect>
+                                    <p:set>
+                                      <p:cBhvr>
+                                        <p:cTn id="34" dur="1" fill="hold">
+                                          <p:stCondLst>
+                                            <p:cond delay="499"/>
+                                          </p:stCondLst>
+                                        </p:cTn>
+                                        <p:tgtEl>
+                                          <p:spTgt spid="22"/>
+                                        </p:tgtEl>
+                                        <p:attrNameLst>
+                                          <p:attrName>style.visibility</p:attrName>
+                                        </p:attrNameLst>
+                                      </p:cBhvr>
+                                      <p:to>
+                                        <p:strVal val="hidden"/>
+                                      </p:to>
+                                    </p:set>
+                                  </p:childTnLst>
+                                </p:cTn>
+                              </p:par>
+                              <p:par>
+                                <p:cTn id="35" presetID="53" presetClass="exit" presetSubtype="32" fill="hold" nodeType="withEffect">
+                                  <p:stCondLst>
+                                    <p:cond delay="0"/>
+                                  </p:stCondLst>
+                                  <p:childTnLst>
+                                    <p:anim calcmode="lin" valueType="num">
+                                      <p:cBhvr>
+                                        <p:cTn id="36" dur="500"/>
+                                        <p:tgtEl>
+                                          <p:spTgt spid="23"/>
+                                        </p:tgtEl>
+                                        <p:attrNameLst>
+                                          <p:attrName>ppt_w</p:attrName>
+                                        </p:attrNameLst>
+                                      </p:cBhvr>
+                                      <p:tavLst>
+                                        <p:tav tm="0">
+                                          <p:val>
+                                            <p:strVal val="ppt_w"/>
+                                          </p:val>
+                                        </p:tav>
+                                        <p:tav tm="100000">
+                                          <p:val>
+                                            <p:fltVal val="0"/>
+                                          </p:val>
+                                        </p:tav>
+                                      </p:tavLst>
+                                    </p:anim>
+                                    <p:anim calcmode="lin" valueType="num">
+                                      <p:cBhvr>
+                                        <p:cTn id="37" dur="500"/>
+                                        <p:tgtEl>
+                                          <p:spTgt spid="23"/>
+                                        </p:tgtEl>
+                                        <p:attrNameLst>
+                                          <p:attrName>ppt_h</p:attrName>
+                                        </p:attrNameLst>
+                                      </p:cBhvr>
+                                      <p:tavLst>
+                                        <p:tav tm="0">
+                                          <p:val>
+                                            <p:strVal val="ppt_h"/>
+                                          </p:val>
+                                        </p:tav>
+                                        <p:tav tm="100000">
+                                          <p:val>
+                                            <p:fltVal val="0"/>
+                                          </p:val>
+                                        </p:tav>
+                                      </p:tavLst>
+                                    </p:anim>
+                                    <p:animEffect transition="out" filter="fade">
+                                      <p:cBhvr>
+                                        <p:cTn id="38" dur="500"/>
+                                        <p:tgtEl>
+                                          <p:spTgt spid="23"/>
+                                        </p:tgtEl>
+                                      </p:cBhvr>
+                                    </p:animEffect>
+                                    <p:set>
+                                      <p:cBhvr>
+                                        <p:cTn id="39" dur="1" fill="hold">
+                                          <p:stCondLst>
+                                            <p:cond delay="499"/>
+                                          </p:stCondLst>
+                                        </p:cTn>
+                                        <p:tgtEl>
+                                          <p:spTgt spid="23"/>
+                                        </p:tgtEl>
+                                        <p:attrNameLst>
+                                          <p:attrName>style.visibility</p:attrName>
+                                        </p:attrNameLst>
+                                      </p:cBhvr>
+                                      <p:to>
+                                        <p:strVal val="hidden"/>
+                                      </p:to>
+                                    </p:set>
+                                  </p:childTnLst>
+                                </p:cTn>
+                              </p:par>
+                              <p:par>
+                                <p:cTn id="40" presetID="53" presetClass="exit" presetSubtype="32" fill="hold" nodeType="withEffect">
+                                  <p:stCondLst>
+                                    <p:cond delay="0"/>
+                                  </p:stCondLst>
+                                  <p:childTnLst>
+                                    <p:anim calcmode="lin" valueType="num">
+                                      <p:cBhvr>
+                                        <p:cTn id="41" dur="500"/>
+                                        <p:tgtEl>
+                                          <p:spTgt spid="24"/>
+                                        </p:tgtEl>
+                                        <p:attrNameLst>
+                                          <p:attrName>ppt_w</p:attrName>
+                                        </p:attrNameLst>
+                                      </p:cBhvr>
+                                      <p:tavLst>
+                                        <p:tav tm="0">
+                                          <p:val>
+                                            <p:strVal val="ppt_w"/>
+                                          </p:val>
+                                        </p:tav>
+                                        <p:tav tm="100000">
+                                          <p:val>
+                                            <p:fltVal val="0"/>
+                                          </p:val>
+                                        </p:tav>
+                                      </p:tavLst>
+                                    </p:anim>
+                                    <p:anim calcmode="lin" valueType="num">
+                                      <p:cBhvr>
+                                        <p:cTn id="42" dur="500"/>
+                                        <p:tgtEl>
+                                          <p:spTgt spid="24"/>
+                                        </p:tgtEl>
+                                        <p:attrNameLst>
+                                          <p:attrName>ppt_h</p:attrName>
+                                        </p:attrNameLst>
+                                      </p:cBhvr>
+                                      <p:tavLst>
+                                        <p:tav tm="0">
+                                          <p:val>
+                                            <p:strVal val="ppt_h"/>
+                                          </p:val>
+                                        </p:tav>
+                                        <p:tav tm="100000">
+                                          <p:val>
+                                            <p:fltVal val="0"/>
+                                          </p:val>
+                                        </p:tav>
+                                      </p:tavLst>
+                                    </p:anim>
+                                    <p:animEffect transition="out" filter="fade">
+                                      <p:cBhvr>
+                                        <p:cTn id="43" dur="500"/>
+                                        <p:tgtEl>
+                                          <p:spTgt spid="24"/>
+                                        </p:tgtEl>
+                                      </p:cBhvr>
+                                    </p:animEffect>
+                                    <p:set>
+                                      <p:cBhvr>
+                                        <p:cTn id="44" dur="1" fill="hold">
+                                          <p:stCondLst>
+                                            <p:cond delay="499"/>
+                                          </p:stCondLst>
+                                        </p:cTn>
+                                        <p:tgtEl>
+                                          <p:spTgt spid="24"/>
+                                        </p:tgtEl>
+                                        <p:attrNameLst>
+                                          <p:attrName>style.visibility</p:attrName>
+                                        </p:attrNameLst>
+                                      </p:cBhvr>
+                                      <p:to>
+                                        <p:strVal val="hidden"/>
+                                      </p:to>
+                                    </p:set>
+                                  </p:childTnLst>
+                                </p:cTn>
+                              </p:par>
+                              <p:par>
+                                <p:cTn id="45" presetID="53" presetClass="exit" presetSubtype="32" fill="hold" nodeType="withEffect">
+                                  <p:stCondLst>
+                                    <p:cond delay="0"/>
+                                  </p:stCondLst>
+                                  <p:childTnLst>
+                                    <p:anim calcmode="lin" valueType="num">
+                                      <p:cBhvr>
+                                        <p:cTn id="46" dur="500"/>
+                                        <p:tgtEl>
+                                          <p:spTgt spid="25"/>
+                                        </p:tgtEl>
+                                        <p:attrNameLst>
+                                          <p:attrName>ppt_w</p:attrName>
+                                        </p:attrNameLst>
+                                      </p:cBhvr>
+                                      <p:tavLst>
+                                        <p:tav tm="0">
+                                          <p:val>
+                                            <p:strVal val="ppt_w"/>
+                                          </p:val>
+                                        </p:tav>
+                                        <p:tav tm="100000">
+                                          <p:val>
+                                            <p:fltVal val="0"/>
+                                          </p:val>
+                                        </p:tav>
+                                      </p:tavLst>
+                                    </p:anim>
+                                    <p:anim calcmode="lin" valueType="num">
+                                      <p:cBhvr>
+                                        <p:cTn id="47" dur="500"/>
+                                        <p:tgtEl>
+                                          <p:spTgt spid="25"/>
+                                        </p:tgtEl>
+                                        <p:attrNameLst>
+                                          <p:attrName>ppt_h</p:attrName>
+                                        </p:attrNameLst>
+                                      </p:cBhvr>
+                                      <p:tavLst>
+                                        <p:tav tm="0">
+                                          <p:val>
+                                            <p:strVal val="ppt_h"/>
+                                          </p:val>
+                                        </p:tav>
+                                        <p:tav tm="100000">
+                                          <p:val>
+                                            <p:fltVal val="0"/>
+                                          </p:val>
+                                        </p:tav>
+                                      </p:tavLst>
+                                    </p:anim>
+                                    <p:animEffect transition="out" filter="fade">
+                                      <p:cBhvr>
+                                        <p:cTn id="48" dur="500"/>
+                                        <p:tgtEl>
+                                          <p:spTgt spid="25"/>
+                                        </p:tgtEl>
+                                      </p:cBhvr>
+                                    </p:animEffect>
+                                    <p:set>
+                                      <p:cBhvr>
+                                        <p:cTn id="49" dur="1" fill="hold">
+                                          <p:stCondLst>
+                                            <p:cond delay="499"/>
+                                          </p:stCondLst>
+                                        </p:cTn>
+                                        <p:tgtEl>
+                                          <p:spTgt spid="25"/>
+                                        </p:tgtEl>
+                                        <p:attrNameLst>
+                                          <p:attrName>style.visibility</p:attrName>
+                                        </p:attrNameLst>
+                                      </p:cBhvr>
+                                      <p:to>
+                                        <p:strVal val="hidden"/>
+                                      </p:to>
+                                    </p:set>
+                                  </p:childTnLst>
+                                </p:cTn>
+                              </p:par>
+                              <p:par>
+                                <p:cTn id="50" presetID="53" presetClass="exit" presetSubtype="32" fill="hold" nodeType="withEffect">
+                                  <p:stCondLst>
+                                    <p:cond delay="0"/>
+                                  </p:stCondLst>
+                                  <p:childTnLst>
+                                    <p:anim calcmode="lin" valueType="num">
+                                      <p:cBhvr>
+                                        <p:cTn id="51" dur="500"/>
+                                        <p:tgtEl>
+                                          <p:spTgt spid="26"/>
+                                        </p:tgtEl>
+                                        <p:attrNameLst>
+                                          <p:attrName>ppt_w</p:attrName>
+                                        </p:attrNameLst>
+                                      </p:cBhvr>
+                                      <p:tavLst>
+                                        <p:tav tm="0">
+                                          <p:val>
+                                            <p:strVal val="ppt_w"/>
+                                          </p:val>
+                                        </p:tav>
+                                        <p:tav tm="100000">
+                                          <p:val>
+                                            <p:fltVal val="0"/>
+                                          </p:val>
+                                        </p:tav>
+                                      </p:tavLst>
+                                    </p:anim>
+                                    <p:anim calcmode="lin" valueType="num">
+                                      <p:cBhvr>
+                                        <p:cTn id="52" dur="500"/>
+                                        <p:tgtEl>
+                                          <p:spTgt spid="26"/>
+                                        </p:tgtEl>
+                                        <p:attrNameLst>
+                                          <p:attrName>ppt_h</p:attrName>
+                                        </p:attrNameLst>
+                                      </p:cBhvr>
+                                      <p:tavLst>
+                                        <p:tav tm="0">
+                                          <p:val>
+                                            <p:strVal val="ppt_h"/>
+                                          </p:val>
+                                        </p:tav>
+                                        <p:tav tm="100000">
+                                          <p:val>
+                                            <p:fltVal val="0"/>
+                                          </p:val>
+                                        </p:tav>
+                                      </p:tavLst>
+                                    </p:anim>
+                                    <p:animEffect transition="out" filter="fade">
+                                      <p:cBhvr>
+                                        <p:cTn id="53" dur="500"/>
+                                        <p:tgtEl>
+                                          <p:spTgt spid="26"/>
+                                        </p:tgtEl>
+                                      </p:cBhvr>
+                                    </p:animEffect>
+                                    <p:set>
+                                      <p:cBhvr>
+                                        <p:cTn id="54" dur="1" fill="hold">
+                                          <p:stCondLst>
+                                            <p:cond delay="499"/>
+                                          </p:stCondLst>
+                                        </p:cTn>
+                                        <p:tgtEl>
+                                          <p:spTgt spid="26"/>
+                                        </p:tgtEl>
+                                        <p:attrNameLst>
+                                          <p:attrName>style.visibility</p:attrName>
+                                        </p:attrNameLst>
+                                      </p:cBhvr>
+                                      <p:to>
+                                        <p:strVal val="hidden"/>
+                                      </p:to>
+                                    </p:set>
+                                  </p:childTnLst>
+                                </p:cTn>
+                              </p:par>
+                              <p:par>
+                                <p:cTn id="55" presetID="53" presetClass="exit" presetSubtype="32" fill="hold" grpId="0" nodeType="withEffect">
+                                  <p:stCondLst>
+                                    <p:cond delay="0"/>
+                                  </p:stCondLst>
+                                  <p:childTnLst>
+                                    <p:anim calcmode="lin" valueType="num">
+                                      <p:cBhvr>
+                                        <p:cTn id="56" dur="500"/>
+                                        <p:tgtEl>
+                                          <p:spTgt spid="27"/>
+                                        </p:tgtEl>
+                                        <p:attrNameLst>
+                                          <p:attrName>ppt_w</p:attrName>
+                                        </p:attrNameLst>
+                                      </p:cBhvr>
+                                      <p:tavLst>
+                                        <p:tav tm="0">
+                                          <p:val>
+                                            <p:strVal val="ppt_w"/>
+                                          </p:val>
+                                        </p:tav>
+                                        <p:tav tm="100000">
+                                          <p:val>
+                                            <p:fltVal val="0"/>
+                                          </p:val>
+                                        </p:tav>
+                                      </p:tavLst>
+                                    </p:anim>
+                                    <p:anim calcmode="lin" valueType="num">
+                                      <p:cBhvr>
+                                        <p:cTn id="57" dur="500"/>
+                                        <p:tgtEl>
+                                          <p:spTgt spid="27"/>
+                                        </p:tgtEl>
+                                        <p:attrNameLst>
+                                          <p:attrName>ppt_h</p:attrName>
+                                        </p:attrNameLst>
+                                      </p:cBhvr>
+                                      <p:tavLst>
+                                        <p:tav tm="0">
+                                          <p:val>
+                                            <p:strVal val="ppt_h"/>
+                                          </p:val>
+                                        </p:tav>
+                                        <p:tav tm="100000">
+                                          <p:val>
+                                            <p:fltVal val="0"/>
+                                          </p:val>
+                                        </p:tav>
+                                      </p:tavLst>
+                                    </p:anim>
+                                    <p:animEffect transition="out" filter="fade">
+                                      <p:cBhvr>
+                                        <p:cTn id="58" dur="500"/>
+                                        <p:tgtEl>
+                                          <p:spTgt spid="27"/>
+                                        </p:tgtEl>
+                                      </p:cBhvr>
+                                    </p:animEffect>
+                                    <p:set>
+                                      <p:cBhvr>
+                                        <p:cTn id="59" dur="1" fill="hold">
+                                          <p:stCondLst>
+                                            <p:cond delay="499"/>
+                                          </p:stCondLst>
+                                        </p:cTn>
+                                        <p:tgtEl>
+                                          <p:spTgt spid="27"/>
+                                        </p:tgtEl>
+                                        <p:attrNameLst>
+                                          <p:attrName>style.visibility</p:attrName>
+                                        </p:attrNameLst>
+                                      </p:cBhvr>
+                                      <p:to>
+                                        <p:strVal val="hidden"/>
+                                      </p:to>
+                                    </p:set>
+                                  </p:childTnLst>
+                                </p:cTn>
+                              </p:par>
+                              <p:par>
+                                <p:cTn id="60" presetID="53" presetClass="exit" presetSubtype="32" fill="hold" grpId="0" nodeType="withEffect">
+                                  <p:stCondLst>
+                                    <p:cond delay="0"/>
+                                  </p:stCondLst>
+                                  <p:childTnLst>
+                                    <p:anim calcmode="lin" valueType="num">
+                                      <p:cBhvr>
+                                        <p:cTn id="61" dur="500"/>
+                                        <p:tgtEl>
+                                          <p:spTgt spid="28"/>
+                                        </p:tgtEl>
+                                        <p:attrNameLst>
+                                          <p:attrName>ppt_w</p:attrName>
+                                        </p:attrNameLst>
+                                      </p:cBhvr>
+                                      <p:tavLst>
+                                        <p:tav tm="0">
+                                          <p:val>
+                                            <p:strVal val="ppt_w"/>
+                                          </p:val>
+                                        </p:tav>
+                                        <p:tav tm="100000">
+                                          <p:val>
+                                            <p:fltVal val="0"/>
+                                          </p:val>
+                                        </p:tav>
+                                      </p:tavLst>
+                                    </p:anim>
+                                    <p:anim calcmode="lin" valueType="num">
+                                      <p:cBhvr>
+                                        <p:cTn id="62" dur="500"/>
+                                        <p:tgtEl>
+                                          <p:spTgt spid="28"/>
+                                        </p:tgtEl>
+                                        <p:attrNameLst>
+                                          <p:attrName>ppt_h</p:attrName>
+                                        </p:attrNameLst>
+                                      </p:cBhvr>
+                                      <p:tavLst>
+                                        <p:tav tm="0">
+                                          <p:val>
+                                            <p:strVal val="ppt_h"/>
+                                          </p:val>
+                                        </p:tav>
+                                        <p:tav tm="100000">
+                                          <p:val>
+                                            <p:fltVal val="0"/>
+                                          </p:val>
+                                        </p:tav>
+                                      </p:tavLst>
+                                    </p:anim>
+                                    <p:animEffect transition="out" filter="fade">
+                                      <p:cBhvr>
+                                        <p:cTn id="63" dur="500"/>
+                                        <p:tgtEl>
+                                          <p:spTgt spid="28"/>
+                                        </p:tgtEl>
+                                      </p:cBhvr>
+                                    </p:animEffect>
+                                    <p:set>
+                                      <p:cBhvr>
+                                        <p:cTn id="64" dur="1" fill="hold">
+                                          <p:stCondLst>
+                                            <p:cond delay="499"/>
+                                          </p:stCondLst>
+                                        </p:cTn>
+                                        <p:tgtEl>
+                                          <p:spTgt spid="28"/>
+                                        </p:tgtEl>
+                                        <p:attrNameLst>
+                                          <p:attrName>style.visibility</p:attrName>
+                                        </p:attrNameLst>
+                                      </p:cBhvr>
+                                      <p:to>
+                                        <p:strVal val="hidden"/>
+                                      </p:to>
+                                    </p:set>
+                                  </p:childTnLst>
+                                </p:cTn>
+                              </p:par>
+                            </p:childTnLst>
+                          </p:cTn>
+                        </p:par>
+                        <p:par>
+                          <p:cTn id="65" fill="hold">
+                            <p:stCondLst>
+                              <p:cond delay="500"/>
+                            </p:stCondLst>
+                            <p:childTnLst>
+                              <p:par>
+                                <p:cTn id="66" presetID="53" presetClass="entr" presetSubtype="16" fill="hold" nodeType="afterEffect">
+                                  <p:stCondLst>
+                                    <p:cond delay="0"/>
+                                  </p:stCondLst>
+                                  <p:childTnLst>
+                                    <p:set>
+                                      <p:cBhvr>
+                                        <p:cTn id="67" dur="1" fill="hold">
+                                          <p:stCondLst>
+                                            <p:cond delay="0"/>
+                                          </p:stCondLst>
+                                        </p:cTn>
+                                        <p:tgtEl>
+                                          <p:spTgt spid="5"/>
+                                        </p:tgtEl>
+                                        <p:attrNameLst>
+                                          <p:attrName>style.visibility</p:attrName>
+                                        </p:attrNameLst>
+                                      </p:cBhvr>
+                                      <p:to>
+                                        <p:strVal val="visible"/>
+                                      </p:to>
+                                    </p:set>
+                                    <p:anim calcmode="lin" valueType="num">
+                                      <p:cBhvr>
+                                        <p:cTn id="68" dur="500" fill="hold"/>
+                                        <p:tgtEl>
+                                          <p:spTgt spid="5"/>
+                                        </p:tgtEl>
+                                        <p:attrNameLst>
+                                          <p:attrName>ppt_w</p:attrName>
+                                        </p:attrNameLst>
+                                      </p:cBhvr>
+                                      <p:tavLst>
+                                        <p:tav tm="0">
+                                          <p:val>
+                                            <p:fltVal val="0"/>
+                                          </p:val>
+                                        </p:tav>
+                                        <p:tav tm="100000">
+                                          <p:val>
+                                            <p:strVal val="#ppt_w"/>
+                                          </p:val>
+                                        </p:tav>
+                                      </p:tavLst>
+                                    </p:anim>
+                                    <p:anim calcmode="lin" valueType="num">
+                                      <p:cBhvr>
+                                        <p:cTn id="69" dur="500" fill="hold"/>
+                                        <p:tgtEl>
+                                          <p:spTgt spid="5"/>
+                                        </p:tgtEl>
+                                        <p:attrNameLst>
+                                          <p:attrName>ppt_h</p:attrName>
+                                        </p:attrNameLst>
+                                      </p:cBhvr>
+                                      <p:tavLst>
+                                        <p:tav tm="0">
+                                          <p:val>
+                                            <p:fltVal val="0"/>
+                                          </p:val>
+                                        </p:tav>
+                                        <p:tav tm="100000">
+                                          <p:val>
+                                            <p:strVal val="#ppt_h"/>
+                                          </p:val>
+                                        </p:tav>
+                                      </p:tavLst>
+                                    </p:anim>
+                                    <p:animEffect transition="in" filter="fade">
+                                      <p:cBhvr>
+                                        <p:cTn id="70" dur="500"/>
+                                        <p:tgtEl>
+                                          <p:spTgt spid="5"/>
+                                        </p:tgtEl>
+                                      </p:cBhvr>
+                                    </p:animEffect>
+                                  </p:childTnLst>
+                                </p:cTn>
+                              </p:par>
+                            </p:childTnLst>
+                          </p:cTn>
+                        </p:par>
+                      </p:childTnLst>
+                    </p:cTn>
+                  </p:par>
+                </p:childTnLst>
+              </p:cTn>
+              <p:prevCondLst>
+                <p:cond evt="onPrev" delay="0">
+                  <p:tgtEl>
+                    <p:sldTgt/>
+                  </p:tgtEl>
+                </p:cond>
+              </p:prevCondLst>
+              <p:nextCondLst>
+                <p:cond evt="onNext" delay="0">
+                  <p:tgtEl>
+                    <p:sldTgt/>
+                  </p:tgtEl>
+                </p:cond>
+              </p:nextCondLst>
+            </p:seq>
+          </p:childTnLst>
+        </p:cTn>
+      </p:par>
+    </p:tnLst>
+    <p:bldLst>
+      <p:bldP spid="17" grpId="0" animBg="1"/>
+      <p:bldP spid="18" grpId="0" animBg="1"/>
+      <p:bldP spid="19" grpId="0" animBg="1"/>
+      <p:bldP spid="20" grpId="0" animBg="1"/>
+      <p:bldP spid="21" grpId="0" animBg="1"/>
+      <p:bldP spid="27" grpId="0" animBg="1"/>
+      <p:bldP spid="28" grpId="0" animBg="1"/>
+    </p:bldLst>
+  </p:timing>
 </p:sld>
 </file>
 
@@ -4034,29 +7750,508 @@
       </p:sp>
       <p:sp>
         <p:nvSpPr>
-          <p:cNvPr id="3" name="Content Placeholder 2">
+          <p:cNvPr id="4" name="Rectangle 3">
             <a:extLst>
               <a:ext uri="{FF2B5EF4-FFF2-40B4-BE49-F238E27FC236}">
-                <a16:creationId xmlns:a16="http://schemas.microsoft.com/office/drawing/2014/main" id="{2E3F7838-384E-43D2-9098-417877AF7D81}"/>
+                <a16:creationId xmlns:a16="http://schemas.microsoft.com/office/drawing/2014/main" id="{4FCC39B2-17AA-449F-9EE8-6F8F1CB6A928}"/>
               </a:ext>
             </a:extLst>
           </p:cNvPr>
-          <p:cNvSpPr>
-            <a:spLocks noGrp="1"/>
-          </p:cNvSpPr>
-          <p:nvPr>
-            <p:ph idx="1"/>
-          </p:nvPr>
-        </p:nvSpPr>
-        <p:spPr/>
-        <p:txBody>
-          <a:bodyPr/>
+          <p:cNvSpPr/>
+          <p:nvPr/>
+        </p:nvSpPr>
+        <p:spPr>
+          <a:xfrm>
+            <a:off x="82867" y="2009775"/>
+            <a:ext cx="2028826" cy="1152525"/>
+          </a:xfrm>
+          <a:prstGeom prst="rect">
+            <a:avLst/>
+          </a:prstGeom>
+        </p:spPr>
+        <p:style>
+          <a:lnRef idx="2">
+            <a:schemeClr val="accent1">
+              <a:shade val="50000"/>
+            </a:schemeClr>
+          </a:lnRef>
+          <a:fillRef idx="1">
+            <a:schemeClr val="accent1"/>
+          </a:fillRef>
+          <a:effectRef idx="0">
+            <a:schemeClr val="accent1"/>
+          </a:effectRef>
+          <a:fontRef idx="minor">
+            <a:schemeClr val="lt1"/>
+          </a:fontRef>
+        </p:style>
+        <p:txBody>
+          <a:bodyPr rtlCol="0" anchor="ctr"/>
           <a:lstStyle/>
           <a:p>
-            <a:endParaRPr lang="en-US"/>
-          </a:p>
-        </p:txBody>
-      </p:sp>
+            <a:pPr algn="ctr"/>
+            <a:r>
+              <a:rPr lang="en-US" dirty="0"/>
+              <a:t>Male and female specific GWAS effect sizes and SE</a:t>
+            </a:r>
+          </a:p>
+        </p:txBody>
+      </p:sp>
+      <p:sp>
+        <p:nvSpPr>
+          <p:cNvPr id="5" name="Rectangle 4">
+            <a:extLst>
+              <a:ext uri="{FF2B5EF4-FFF2-40B4-BE49-F238E27FC236}">
+                <a16:creationId xmlns:a16="http://schemas.microsoft.com/office/drawing/2014/main" id="{6B3A7005-E511-450E-9DA7-30DE7176E41E}"/>
+              </a:ext>
+            </a:extLst>
+          </p:cNvPr>
+          <p:cNvSpPr/>
+          <p:nvPr/>
+        </p:nvSpPr>
+        <p:spPr>
+          <a:xfrm>
+            <a:off x="3114675" y="3376612"/>
+            <a:ext cx="1285875" cy="819150"/>
+          </a:xfrm>
+          <a:prstGeom prst="rect">
+            <a:avLst/>
+          </a:prstGeom>
+        </p:spPr>
+        <p:style>
+          <a:lnRef idx="2">
+            <a:schemeClr val="accent1">
+              <a:shade val="50000"/>
+            </a:schemeClr>
+          </a:lnRef>
+          <a:fillRef idx="1">
+            <a:schemeClr val="accent1"/>
+          </a:fillRef>
+          <a:effectRef idx="0">
+            <a:schemeClr val="accent1"/>
+          </a:effectRef>
+          <a:fontRef idx="minor">
+            <a:schemeClr val="lt1"/>
+          </a:fontRef>
+        </p:style>
+        <p:txBody>
+          <a:bodyPr rtlCol="0" anchor="ctr"/>
+          <a:lstStyle/>
+          <a:p>
+            <a:pPr algn="ctr"/>
+            <a:r>
+              <a:rPr lang="en-US" dirty="0"/>
+              <a:t>mash</a:t>
+            </a:r>
+          </a:p>
+        </p:txBody>
+      </p:sp>
+      <p:sp>
+        <p:nvSpPr>
+          <p:cNvPr id="6" name="Rectangle 5">
+            <a:extLst>
+              <a:ext uri="{FF2B5EF4-FFF2-40B4-BE49-F238E27FC236}">
+                <a16:creationId xmlns:a16="http://schemas.microsoft.com/office/drawing/2014/main" id="{D89AF6AD-114F-4C96-8DD4-F8BFB569E36D}"/>
+              </a:ext>
+            </a:extLst>
+          </p:cNvPr>
+          <p:cNvSpPr/>
+          <p:nvPr/>
+        </p:nvSpPr>
+        <p:spPr>
+          <a:xfrm>
+            <a:off x="4905374" y="3109912"/>
+            <a:ext cx="1609725" cy="1352550"/>
+          </a:xfrm>
+          <a:prstGeom prst="rect">
+            <a:avLst/>
+          </a:prstGeom>
+        </p:spPr>
+        <p:style>
+          <a:lnRef idx="2">
+            <a:schemeClr val="accent1">
+              <a:shade val="50000"/>
+            </a:schemeClr>
+          </a:lnRef>
+          <a:fillRef idx="1">
+            <a:schemeClr val="accent1"/>
+          </a:fillRef>
+          <a:effectRef idx="0">
+            <a:schemeClr val="accent1"/>
+          </a:effectRef>
+          <a:fontRef idx="minor">
+            <a:schemeClr val="lt1"/>
+          </a:fontRef>
+        </p:style>
+        <p:txBody>
+          <a:bodyPr rtlCol="0" anchor="ctr"/>
+          <a:lstStyle/>
+          <a:p>
+            <a:pPr algn="ctr"/>
+            <a:r>
+              <a:rPr lang="en-US" dirty="0"/>
+              <a:t>Random subset, select SNP from each LD block (1703)</a:t>
+            </a:r>
+          </a:p>
+        </p:txBody>
+      </p:sp>
+      <p:sp>
+        <p:nvSpPr>
+          <p:cNvPr id="7" name="Rectangle 6">
+            <a:extLst>
+              <a:ext uri="{FF2B5EF4-FFF2-40B4-BE49-F238E27FC236}">
+                <a16:creationId xmlns:a16="http://schemas.microsoft.com/office/drawing/2014/main" id="{22244237-3600-4DA4-B619-E9A6ADF91018}"/>
+              </a:ext>
+            </a:extLst>
+          </p:cNvPr>
+          <p:cNvSpPr/>
+          <p:nvPr/>
+        </p:nvSpPr>
+        <p:spPr>
+          <a:xfrm>
+            <a:off x="968693" y="4486275"/>
+            <a:ext cx="1838325" cy="1450757"/>
+          </a:xfrm>
+          <a:prstGeom prst="rect">
+            <a:avLst/>
+          </a:prstGeom>
+        </p:spPr>
+        <p:style>
+          <a:lnRef idx="2">
+            <a:schemeClr val="accent1">
+              <a:shade val="50000"/>
+            </a:schemeClr>
+          </a:lnRef>
+          <a:fillRef idx="1">
+            <a:schemeClr val="accent1"/>
+          </a:fillRef>
+          <a:effectRef idx="0">
+            <a:schemeClr val="accent1"/>
+          </a:effectRef>
+          <a:fontRef idx="minor">
+            <a:schemeClr val="lt1"/>
+          </a:fontRef>
+        </p:style>
+        <p:txBody>
+          <a:bodyPr rtlCol="0" anchor="ctr"/>
+          <a:lstStyle/>
+          <a:p>
+            <a:pPr algn="ctr"/>
+            <a:r>
+              <a:rPr lang="en-US" dirty="0"/>
+              <a:t>Input hypothesis matrices, remove data-driven covariance matrices</a:t>
+            </a:r>
+          </a:p>
+        </p:txBody>
+      </p:sp>
+      <p:sp>
+        <p:nvSpPr>
+          <p:cNvPr id="8" name="Rectangle 7">
+            <a:extLst>
+              <a:ext uri="{FF2B5EF4-FFF2-40B4-BE49-F238E27FC236}">
+                <a16:creationId xmlns:a16="http://schemas.microsoft.com/office/drawing/2014/main" id="{4E7B73C2-BD1E-4CC3-B110-DB25C40F9B47}"/>
+              </a:ext>
+            </a:extLst>
+          </p:cNvPr>
+          <p:cNvSpPr/>
+          <p:nvPr/>
+        </p:nvSpPr>
+        <p:spPr>
+          <a:xfrm>
+            <a:off x="7234237" y="3219449"/>
+            <a:ext cx="1495425" cy="1133475"/>
+          </a:xfrm>
+          <a:prstGeom prst="rect">
+            <a:avLst/>
+          </a:prstGeom>
+        </p:spPr>
+        <p:style>
+          <a:lnRef idx="2">
+            <a:schemeClr val="accent1">
+              <a:shade val="50000"/>
+            </a:schemeClr>
+          </a:lnRef>
+          <a:fillRef idx="1">
+            <a:schemeClr val="accent1"/>
+          </a:fillRef>
+          <a:effectRef idx="0">
+            <a:schemeClr val="accent1"/>
+          </a:effectRef>
+          <a:fontRef idx="minor">
+            <a:schemeClr val="lt1"/>
+          </a:fontRef>
+        </p:style>
+        <p:txBody>
+          <a:bodyPr rtlCol="0" anchor="ctr"/>
+          <a:lstStyle/>
+          <a:p>
+            <a:pPr algn="ctr"/>
+            <a:r>
+              <a:rPr lang="en-US" dirty="0"/>
+              <a:t>Fit mash model, obtain mixture weights</a:t>
+            </a:r>
+          </a:p>
+        </p:txBody>
+      </p:sp>
+      <p:sp>
+        <p:nvSpPr>
+          <p:cNvPr id="9" name="Rectangle 8">
+            <a:extLst>
+              <a:ext uri="{FF2B5EF4-FFF2-40B4-BE49-F238E27FC236}">
+                <a16:creationId xmlns:a16="http://schemas.microsoft.com/office/drawing/2014/main" id="{D8AB5395-9768-4CED-BDD2-1C77AE9FC0C8}"/>
+              </a:ext>
+            </a:extLst>
+          </p:cNvPr>
+          <p:cNvSpPr/>
+          <p:nvPr/>
+        </p:nvSpPr>
+        <p:spPr>
+          <a:xfrm>
+            <a:off x="9448800" y="3162300"/>
+            <a:ext cx="1495425" cy="1247775"/>
+          </a:xfrm>
+          <a:prstGeom prst="rect">
+            <a:avLst/>
+          </a:prstGeom>
+        </p:spPr>
+        <p:style>
+          <a:lnRef idx="2">
+            <a:schemeClr val="accent1">
+              <a:shade val="50000"/>
+            </a:schemeClr>
+          </a:lnRef>
+          <a:fillRef idx="1">
+            <a:schemeClr val="accent1"/>
+          </a:fillRef>
+          <a:effectRef idx="0">
+            <a:schemeClr val="accent1"/>
+          </a:effectRef>
+          <a:fontRef idx="minor">
+            <a:schemeClr val="lt1"/>
+          </a:fontRef>
+        </p:style>
+        <p:txBody>
+          <a:bodyPr rtlCol="0" anchor="ctr"/>
+          <a:lstStyle/>
+          <a:p>
+            <a:pPr algn="ctr"/>
+            <a:r>
+              <a:rPr lang="en-US" dirty="0"/>
+              <a:t>Repeat 100x, obtain average weight and SE</a:t>
+            </a:r>
+          </a:p>
+        </p:txBody>
+      </p:sp>
+      <p:cxnSp>
+        <p:nvCxnSpPr>
+          <p:cNvPr id="11" name="Straight Arrow Connector 10">
+            <a:extLst>
+              <a:ext uri="{FF2B5EF4-FFF2-40B4-BE49-F238E27FC236}">
+                <a16:creationId xmlns:a16="http://schemas.microsoft.com/office/drawing/2014/main" id="{94380335-00EC-48C1-9BBF-7218C6B49239}"/>
+              </a:ext>
+            </a:extLst>
+          </p:cNvPr>
+          <p:cNvCxnSpPr>
+            <a:stCxn id="4" idx="3"/>
+            <a:endCxn id="5" idx="1"/>
+          </p:cNvCxnSpPr>
+          <p:nvPr/>
+        </p:nvCxnSpPr>
+        <p:spPr>
+          <a:xfrm>
+            <a:off x="2111693" y="2586038"/>
+            <a:ext cx="1002982" cy="1200149"/>
+          </a:xfrm>
+          <a:prstGeom prst="straightConnector1">
+            <a:avLst/>
+          </a:prstGeom>
+          <a:ln w="28575">
+            <a:tailEnd type="triangle"/>
+          </a:ln>
+        </p:spPr>
+        <p:style>
+          <a:lnRef idx="1">
+            <a:schemeClr val="accent1"/>
+          </a:lnRef>
+          <a:fillRef idx="0">
+            <a:schemeClr val="accent1"/>
+          </a:fillRef>
+          <a:effectRef idx="0">
+            <a:schemeClr val="accent1"/>
+          </a:effectRef>
+          <a:fontRef idx="minor">
+            <a:schemeClr val="tx1"/>
+          </a:fontRef>
+        </p:style>
+      </p:cxnSp>
+      <p:cxnSp>
+        <p:nvCxnSpPr>
+          <p:cNvPr id="13" name="Straight Arrow Connector 12">
+            <a:extLst>
+              <a:ext uri="{FF2B5EF4-FFF2-40B4-BE49-F238E27FC236}">
+                <a16:creationId xmlns:a16="http://schemas.microsoft.com/office/drawing/2014/main" id="{AAE2F0DC-2C12-4832-B735-9747AA381E13}"/>
+              </a:ext>
+            </a:extLst>
+          </p:cNvPr>
+          <p:cNvCxnSpPr>
+            <a:stCxn id="7" idx="3"/>
+            <a:endCxn id="5" idx="2"/>
+          </p:cNvCxnSpPr>
+          <p:nvPr/>
+        </p:nvCxnSpPr>
+        <p:spPr>
+          <a:xfrm flipV="1">
+            <a:off x="2807018" y="4195762"/>
+            <a:ext cx="950595" cy="1015892"/>
+          </a:xfrm>
+          <a:prstGeom prst="straightConnector1">
+            <a:avLst/>
+          </a:prstGeom>
+          <a:ln w="28575">
+            <a:tailEnd type="triangle"/>
+          </a:ln>
+        </p:spPr>
+        <p:style>
+          <a:lnRef idx="1">
+            <a:schemeClr val="accent1"/>
+          </a:lnRef>
+          <a:fillRef idx="0">
+            <a:schemeClr val="accent1"/>
+          </a:fillRef>
+          <a:effectRef idx="0">
+            <a:schemeClr val="accent1"/>
+          </a:effectRef>
+          <a:fontRef idx="minor">
+            <a:schemeClr val="tx1"/>
+          </a:fontRef>
+        </p:style>
+      </p:cxnSp>
+      <p:cxnSp>
+        <p:nvCxnSpPr>
+          <p:cNvPr id="15" name="Straight Arrow Connector 14">
+            <a:extLst>
+              <a:ext uri="{FF2B5EF4-FFF2-40B4-BE49-F238E27FC236}">
+                <a16:creationId xmlns:a16="http://schemas.microsoft.com/office/drawing/2014/main" id="{52B50E14-84CA-48E1-9A22-0577E3582798}"/>
+              </a:ext>
+            </a:extLst>
+          </p:cNvPr>
+          <p:cNvCxnSpPr>
+            <a:stCxn id="5" idx="3"/>
+            <a:endCxn id="6" idx="1"/>
+          </p:cNvCxnSpPr>
+          <p:nvPr/>
+        </p:nvCxnSpPr>
+        <p:spPr>
+          <a:xfrm>
+            <a:off x="4400550" y="3786187"/>
+            <a:ext cx="504824" cy="0"/>
+          </a:xfrm>
+          <a:prstGeom prst="straightConnector1">
+            <a:avLst/>
+          </a:prstGeom>
+          <a:ln w="28575">
+            <a:tailEnd type="triangle"/>
+          </a:ln>
+        </p:spPr>
+        <p:style>
+          <a:lnRef idx="1">
+            <a:schemeClr val="accent1"/>
+          </a:lnRef>
+          <a:fillRef idx="0">
+            <a:schemeClr val="accent1"/>
+          </a:fillRef>
+          <a:effectRef idx="0">
+            <a:schemeClr val="accent1"/>
+          </a:effectRef>
+          <a:fontRef idx="minor">
+            <a:schemeClr val="tx1"/>
+          </a:fontRef>
+        </p:style>
+      </p:cxnSp>
+      <p:cxnSp>
+        <p:nvCxnSpPr>
+          <p:cNvPr id="17" name="Straight Arrow Connector 16">
+            <a:extLst>
+              <a:ext uri="{FF2B5EF4-FFF2-40B4-BE49-F238E27FC236}">
+                <a16:creationId xmlns:a16="http://schemas.microsoft.com/office/drawing/2014/main" id="{358CB747-5C8B-40B3-8B31-393F81F6E0FF}"/>
+              </a:ext>
+            </a:extLst>
+          </p:cNvPr>
+          <p:cNvCxnSpPr>
+            <a:stCxn id="6" idx="3"/>
+            <a:endCxn id="8" idx="1"/>
+          </p:cNvCxnSpPr>
+          <p:nvPr/>
+        </p:nvCxnSpPr>
+        <p:spPr>
+          <a:xfrm>
+            <a:off x="6515099" y="3786187"/>
+            <a:ext cx="719138" cy="0"/>
+          </a:xfrm>
+          <a:prstGeom prst="straightConnector1">
+            <a:avLst/>
+          </a:prstGeom>
+          <a:ln w="28575">
+            <a:tailEnd type="triangle"/>
+          </a:ln>
+        </p:spPr>
+        <p:style>
+          <a:lnRef idx="1">
+            <a:schemeClr val="accent1"/>
+          </a:lnRef>
+          <a:fillRef idx="0">
+            <a:schemeClr val="accent1"/>
+          </a:fillRef>
+          <a:effectRef idx="0">
+            <a:schemeClr val="accent1"/>
+          </a:effectRef>
+          <a:fontRef idx="minor">
+            <a:schemeClr val="tx1"/>
+          </a:fontRef>
+        </p:style>
+      </p:cxnSp>
+      <p:cxnSp>
+        <p:nvCxnSpPr>
+          <p:cNvPr id="19" name="Straight Arrow Connector 18">
+            <a:extLst>
+              <a:ext uri="{FF2B5EF4-FFF2-40B4-BE49-F238E27FC236}">
+                <a16:creationId xmlns:a16="http://schemas.microsoft.com/office/drawing/2014/main" id="{4A106576-74C5-4BC6-B261-E484335B07E6}"/>
+              </a:ext>
+            </a:extLst>
+          </p:cNvPr>
+          <p:cNvCxnSpPr>
+            <a:stCxn id="8" idx="3"/>
+            <a:endCxn id="9" idx="1"/>
+          </p:cNvCxnSpPr>
+          <p:nvPr/>
+        </p:nvCxnSpPr>
+        <p:spPr>
+          <a:xfrm>
+            <a:off x="8729662" y="3786187"/>
+            <a:ext cx="719138" cy="1"/>
+          </a:xfrm>
+          <a:prstGeom prst="straightConnector1">
+            <a:avLst/>
+          </a:prstGeom>
+          <a:ln w="28575">
+            <a:tailEnd type="triangle"/>
+          </a:ln>
+        </p:spPr>
+        <p:style>
+          <a:lnRef idx="1">
+            <a:schemeClr val="accent1"/>
+          </a:lnRef>
+          <a:fillRef idx="0">
+            <a:schemeClr val="accent1"/>
+          </a:fillRef>
+          <a:effectRef idx="0">
+            <a:schemeClr val="accent1"/>
+          </a:effectRef>
+          <a:fontRef idx="minor">
+            <a:schemeClr val="tx1"/>
+          </a:fontRef>
+        </p:style>
+      </p:cxnSp>
     </p:spTree>
     <p:extLst>
       <p:ext uri="{BB962C8B-B14F-4D97-AF65-F5344CB8AC3E}">
@@ -4092,7 +8287,7 @@
           <p:cNvPr id="2" name="Title 1">
             <a:extLst>
               <a:ext uri="{FF2B5EF4-FFF2-40B4-BE49-F238E27FC236}">
-                <a16:creationId xmlns:a16="http://schemas.microsoft.com/office/drawing/2014/main" id="{45919152-5B30-4752-A153-48A15CCA9F6C}"/>
+                <a16:creationId xmlns:a16="http://schemas.microsoft.com/office/drawing/2014/main" id="{395B2C5E-D457-4E91-B5BD-96F68DB6135C}"/>
               </a:ext>
             </a:extLst>
           </p:cNvPr>
@@ -4103,32 +8298,2489 @@
             <p:ph type="title"/>
           </p:nvPr>
         </p:nvSpPr>
-        <p:spPr/>
-        <p:txBody>
-          <a:bodyPr/>
+        <p:spPr>
+          <a:xfrm>
+            <a:off x="497840" y="1978243"/>
+            <a:ext cx="10058400" cy="1450757"/>
+          </a:xfrm>
+        </p:spPr>
+        <p:txBody>
+          <a:bodyPr>
+            <a:normAutofit fontScale="90000"/>
+          </a:bodyPr>
           <a:lstStyle/>
           <a:p>
             <a:r>
               <a:rPr lang="en-US" dirty="0"/>
               <a:t>Appendix B </a:t>
             </a:r>
-            <a:r>
-              <a:rPr lang="en-US"/>
-              <a:t>– PGS </a:t>
-            </a:r>
-            <a:r>
-              <a:rPr lang="en-US" dirty="0"/>
-              <a:t>Pipeline</a:t>
-            </a:r>
-          </a:p>
-        </p:txBody>
-      </p:sp>
-      <p:sp>
-        <p:nvSpPr>
-          <p:cNvPr id="3" name="Content Placeholder 2">
+            <a:br>
+              <a:rPr lang="en-US" dirty="0"/>
+            </a:br>
+            <a:r>
+              <a:rPr lang="en-US" dirty="0"/>
+              <a:t>mash </a:t>
+            </a:r>
+            <a:br>
+              <a:rPr lang="en-US" dirty="0"/>
+            </a:br>
+            <a:r>
+              <a:rPr lang="en-US" dirty="0"/>
+              <a:t>nontrivial </a:t>
+            </a:r>
+            <a:br>
+              <a:rPr lang="en-US" dirty="0"/>
+            </a:br>
+            <a:r>
+              <a:rPr lang="en-US" dirty="0"/>
+              <a:t>weights</a:t>
+            </a:r>
+          </a:p>
+        </p:txBody>
+      </p:sp>
+      <p:pic>
+        <p:nvPicPr>
+          <p:cNvPr id="4" name="Picture 3">
             <a:extLst>
               <a:ext uri="{FF2B5EF4-FFF2-40B4-BE49-F238E27FC236}">
-                <a16:creationId xmlns:a16="http://schemas.microsoft.com/office/drawing/2014/main" id="{2E3F7838-384E-43D2-9098-417877AF7D81}"/>
+                <a16:creationId xmlns:a16="http://schemas.microsoft.com/office/drawing/2014/main" id="{875F49F4-A2D9-42D5-8B6C-EFF2C3731BB7}"/>
+              </a:ext>
+            </a:extLst>
+          </p:cNvPr>
+          <p:cNvPicPr>
+            <a:picLocks noChangeAspect="1"/>
+          </p:cNvPicPr>
+          <p:nvPr/>
+        </p:nvPicPr>
+        <p:blipFill>
+          <a:blip r:embed="rId2"/>
+          <a:stretch>
+            <a:fillRect/>
+          </a:stretch>
+        </p:blipFill>
+        <p:spPr>
+          <a:xfrm>
+            <a:off x="3251259" y="286603"/>
+            <a:ext cx="8839141" cy="5879152"/>
+          </a:xfrm>
+          <a:prstGeom prst="rect">
+            <a:avLst/>
+          </a:prstGeom>
+        </p:spPr>
+      </p:pic>
+    </p:spTree>
+    <p:extLst>
+      <p:ext uri="{BB962C8B-B14F-4D97-AF65-F5344CB8AC3E}">
+        <p14:creationId xmlns:p14="http://schemas.microsoft.com/office/powerpoint/2010/main" val="2517266032"/>
+      </p:ext>
+    </p:extLst>
+  </p:cSld>
+  <p:clrMapOvr>
+    <a:masterClrMapping/>
+  </p:clrMapOvr>
+</p:sld>
+</file>
+
+<file path=ppt/slides/slide13.xml><?xml version="1.0" encoding="utf-8"?>
+<p:sld xmlns:a="http://schemas.openxmlformats.org/drawingml/2006/main" xmlns:r="http://schemas.openxmlformats.org/officeDocument/2006/relationships" xmlns:p="http://schemas.openxmlformats.org/presentationml/2006/main">
+  <p:cSld>
+    <p:spTree>
+      <p:nvGrpSpPr>
+        <p:cNvPr id="1" name=""/>
+        <p:cNvGrpSpPr/>
+        <p:nvPr/>
+      </p:nvGrpSpPr>
+      <p:grpSpPr>
+        <a:xfrm>
+          <a:off x="0" y="0"/>
+          <a:ext cx="0" cy="0"/>
+          <a:chOff x="0" y="0"/>
+          <a:chExt cx="0" cy="0"/>
+        </a:xfrm>
+      </p:grpSpPr>
+      <p:sp>
+        <p:nvSpPr>
+          <p:cNvPr id="2" name="Rectangle 1">
+            <a:extLst>
+              <a:ext uri="{FF2B5EF4-FFF2-40B4-BE49-F238E27FC236}">
+                <a16:creationId xmlns:a16="http://schemas.microsoft.com/office/drawing/2014/main" id="{5CFFF51A-BE02-47BA-A394-3C827D9C2477}"/>
+              </a:ext>
+            </a:extLst>
+          </p:cNvPr>
+          <p:cNvSpPr/>
+          <p:nvPr/>
+        </p:nvSpPr>
+        <p:spPr>
+          <a:xfrm>
+            <a:off x="2247900" y="1225633"/>
+            <a:ext cx="1341120" cy="883920"/>
+          </a:xfrm>
+          <a:prstGeom prst="rect">
+            <a:avLst/>
+          </a:prstGeom>
+        </p:spPr>
+        <p:style>
+          <a:lnRef idx="2">
+            <a:schemeClr val="accent1">
+              <a:shade val="50000"/>
+            </a:schemeClr>
+          </a:lnRef>
+          <a:fillRef idx="1">
+            <a:schemeClr val="accent1"/>
+          </a:fillRef>
+          <a:effectRef idx="0">
+            <a:schemeClr val="accent1"/>
+          </a:effectRef>
+          <a:fontRef idx="minor">
+            <a:schemeClr val="lt1"/>
+          </a:fontRef>
+        </p:style>
+        <p:txBody>
+          <a:bodyPr rtlCol="0" anchor="ctr"/>
+          <a:lstStyle/>
+          <a:p>
+            <a:pPr algn="ctr"/>
+            <a:r>
+              <a:rPr lang="en-US" dirty="0"/>
+              <a:t>Sample IDs</a:t>
+            </a:r>
+          </a:p>
+        </p:txBody>
+      </p:sp>
+      <p:sp>
+        <p:nvSpPr>
+          <p:cNvPr id="3" name="Rectangle 2">
+            <a:extLst>
+              <a:ext uri="{FF2B5EF4-FFF2-40B4-BE49-F238E27FC236}">
+                <a16:creationId xmlns:a16="http://schemas.microsoft.com/office/drawing/2014/main" id="{B747C630-9E04-4681-AE8D-9ACBF3F4BF5F}"/>
+              </a:ext>
+            </a:extLst>
+          </p:cNvPr>
+          <p:cNvSpPr/>
+          <p:nvPr/>
+        </p:nvSpPr>
+        <p:spPr>
+          <a:xfrm>
+            <a:off x="3936920" y="1225633"/>
+            <a:ext cx="1737360" cy="883920"/>
+          </a:xfrm>
+          <a:prstGeom prst="rect">
+            <a:avLst/>
+          </a:prstGeom>
+        </p:spPr>
+        <p:style>
+          <a:lnRef idx="2">
+            <a:schemeClr val="accent1">
+              <a:shade val="50000"/>
+            </a:schemeClr>
+          </a:lnRef>
+          <a:fillRef idx="1">
+            <a:schemeClr val="accent1"/>
+          </a:fillRef>
+          <a:effectRef idx="0">
+            <a:schemeClr val="accent1"/>
+          </a:effectRef>
+          <a:fontRef idx="minor">
+            <a:schemeClr val="lt1"/>
+          </a:fontRef>
+        </p:style>
+        <p:txBody>
+          <a:bodyPr rtlCol="0" anchor="ctr"/>
+          <a:lstStyle/>
+          <a:p>
+            <a:pPr algn="ctr"/>
+            <a:r>
+              <a:rPr lang="en-US" dirty="0"/>
+              <a:t>Random sample 25k male, 25k female</a:t>
+            </a:r>
+          </a:p>
+        </p:txBody>
+      </p:sp>
+      <p:sp>
+        <p:nvSpPr>
+          <p:cNvPr id="4" name="Rectangle 3">
+            <a:extLst>
+              <a:ext uri="{FF2B5EF4-FFF2-40B4-BE49-F238E27FC236}">
+                <a16:creationId xmlns:a16="http://schemas.microsoft.com/office/drawing/2014/main" id="{CB52CD58-B637-4926-9443-493737304EA7}"/>
+              </a:ext>
+            </a:extLst>
+          </p:cNvPr>
+          <p:cNvSpPr/>
+          <p:nvPr/>
+        </p:nvSpPr>
+        <p:spPr>
+          <a:xfrm>
+            <a:off x="6041230" y="1223013"/>
+            <a:ext cx="1362075" cy="883920"/>
+          </a:xfrm>
+          <a:prstGeom prst="rect">
+            <a:avLst/>
+          </a:prstGeom>
+        </p:spPr>
+        <p:style>
+          <a:lnRef idx="2">
+            <a:schemeClr val="accent1">
+              <a:shade val="50000"/>
+            </a:schemeClr>
+          </a:lnRef>
+          <a:fillRef idx="1">
+            <a:schemeClr val="accent1"/>
+          </a:fillRef>
+          <a:effectRef idx="0">
+            <a:schemeClr val="accent1"/>
+          </a:effectRef>
+          <a:fontRef idx="minor">
+            <a:schemeClr val="lt1"/>
+          </a:fontRef>
+        </p:style>
+        <p:txBody>
+          <a:bodyPr rtlCol="0" anchor="ctr"/>
+          <a:lstStyle/>
+          <a:p>
+            <a:pPr algn="ctr"/>
+            <a:r>
+              <a:rPr lang="en-US" dirty="0"/>
+              <a:t>Test sample IDs</a:t>
+            </a:r>
+          </a:p>
+        </p:txBody>
+      </p:sp>
+      <p:sp>
+        <p:nvSpPr>
+          <p:cNvPr id="5" name="Rectangle 4">
+            <a:extLst>
+              <a:ext uri="{FF2B5EF4-FFF2-40B4-BE49-F238E27FC236}">
+                <a16:creationId xmlns:a16="http://schemas.microsoft.com/office/drawing/2014/main" id="{4DB59993-FEFC-4988-A64A-76805028E411}"/>
+              </a:ext>
+            </a:extLst>
+          </p:cNvPr>
+          <p:cNvSpPr/>
+          <p:nvPr/>
+        </p:nvSpPr>
+        <p:spPr>
+          <a:xfrm>
+            <a:off x="91440" y="3957637"/>
+            <a:ext cx="1737360" cy="790575"/>
+          </a:xfrm>
+          <a:prstGeom prst="rect">
+            <a:avLst/>
+          </a:prstGeom>
+        </p:spPr>
+        <p:style>
+          <a:lnRef idx="2">
+            <a:schemeClr val="accent1">
+              <a:shade val="50000"/>
+            </a:schemeClr>
+          </a:lnRef>
+          <a:fillRef idx="1">
+            <a:schemeClr val="accent1"/>
+          </a:fillRef>
+          <a:effectRef idx="0">
+            <a:schemeClr val="accent1"/>
+          </a:effectRef>
+          <a:fontRef idx="minor">
+            <a:schemeClr val="lt1"/>
+          </a:fontRef>
+        </p:style>
+        <p:txBody>
+          <a:bodyPr rtlCol="0" anchor="ctr"/>
+          <a:lstStyle/>
+          <a:p>
+            <a:pPr algn="ctr"/>
+            <a:r>
+              <a:rPr lang="en-US" dirty="0"/>
+              <a:t>Remove test sample, then conduct GWAS</a:t>
+            </a:r>
+          </a:p>
+        </p:txBody>
+      </p:sp>
+      <p:sp>
+        <p:nvSpPr>
+          <p:cNvPr id="6" name="Title 1">
+            <a:extLst>
+              <a:ext uri="{FF2B5EF4-FFF2-40B4-BE49-F238E27FC236}">
+                <a16:creationId xmlns:a16="http://schemas.microsoft.com/office/drawing/2014/main" id="{2EA63AEE-1F0D-4AAF-9D0A-426677B627B3}"/>
+              </a:ext>
+            </a:extLst>
+          </p:cNvPr>
+          <p:cNvSpPr txBox="1">
+            <a:spLocks/>
+          </p:cNvSpPr>
+          <p:nvPr/>
+        </p:nvSpPr>
+        <p:spPr>
+          <a:xfrm>
+            <a:off x="1097280" y="286604"/>
+            <a:ext cx="10058400" cy="790576"/>
+          </a:xfrm>
+          <a:prstGeom prst="rect">
+            <a:avLst/>
+          </a:prstGeom>
+        </p:spPr>
+        <p:txBody>
+          <a:bodyPr/>
+          <a:lstStyle>
+            <a:lvl1pPr algn="l" defTabSz="914400" rtl="0" eaLnBrk="1" latinLnBrk="0" hangingPunct="1">
+              <a:lnSpc>
+                <a:spcPct val="85000"/>
+              </a:lnSpc>
+              <a:spcBef>
+                <a:spcPct val="0"/>
+              </a:spcBef>
+              <a:buNone/>
+              <a:defRPr sz="4800" kern="1200" spc="-50" baseline="0">
+                <a:solidFill>
+                  <a:schemeClr val="tx1">
+                    <a:lumMod val="75000"/>
+                    <a:lumOff val="25000"/>
+                  </a:schemeClr>
+                </a:solidFill>
+                <a:latin typeface="+mj-lt"/>
+                <a:ea typeface="+mj-ea"/>
+                <a:cs typeface="+mj-cs"/>
+              </a:defRPr>
+            </a:lvl1pPr>
+          </a:lstStyle>
+          <a:p>
+            <a:r>
+              <a:rPr lang="en-US" dirty="0"/>
+              <a:t>Appendix C – PGS Pipeline part 1</a:t>
+            </a:r>
+          </a:p>
+        </p:txBody>
+      </p:sp>
+      <p:sp>
+        <p:nvSpPr>
+          <p:cNvPr id="7" name="Rectangle 6">
+            <a:extLst>
+              <a:ext uri="{FF2B5EF4-FFF2-40B4-BE49-F238E27FC236}">
+                <a16:creationId xmlns:a16="http://schemas.microsoft.com/office/drawing/2014/main" id="{B4A4178A-2B06-413F-A97C-B3E6209EF9E4}"/>
+              </a:ext>
+            </a:extLst>
+          </p:cNvPr>
+          <p:cNvSpPr/>
+          <p:nvPr/>
+        </p:nvSpPr>
+        <p:spPr>
+          <a:xfrm>
+            <a:off x="2247900" y="2690813"/>
+            <a:ext cx="1202055" cy="790574"/>
+          </a:xfrm>
+          <a:prstGeom prst="rect">
+            <a:avLst/>
+          </a:prstGeom>
+        </p:spPr>
+        <p:style>
+          <a:lnRef idx="2">
+            <a:schemeClr val="accent1">
+              <a:shade val="50000"/>
+            </a:schemeClr>
+          </a:lnRef>
+          <a:fillRef idx="1">
+            <a:schemeClr val="accent1"/>
+          </a:fillRef>
+          <a:effectRef idx="0">
+            <a:schemeClr val="accent1"/>
+          </a:effectRef>
+          <a:fontRef idx="minor">
+            <a:schemeClr val="lt1"/>
+          </a:fontRef>
+        </p:style>
+        <p:txBody>
+          <a:bodyPr rtlCol="0" anchor="ctr"/>
+          <a:lstStyle/>
+          <a:p>
+            <a:pPr algn="ctr"/>
+            <a:r>
+              <a:rPr lang="en-US" dirty="0"/>
+              <a:t>GWAS</a:t>
+            </a:r>
+          </a:p>
+          <a:p>
+            <a:pPr algn="ctr"/>
+            <a:r>
+              <a:rPr lang="en-US" dirty="0"/>
+              <a:t>Both-Sex</a:t>
+            </a:r>
+          </a:p>
+        </p:txBody>
+      </p:sp>
+      <p:sp>
+        <p:nvSpPr>
+          <p:cNvPr id="8" name="Rectangle 7">
+            <a:extLst>
+              <a:ext uri="{FF2B5EF4-FFF2-40B4-BE49-F238E27FC236}">
+                <a16:creationId xmlns:a16="http://schemas.microsoft.com/office/drawing/2014/main" id="{BD7A5DE8-11EA-49E1-984B-C0579431F34E}"/>
+              </a:ext>
+            </a:extLst>
+          </p:cNvPr>
+          <p:cNvSpPr/>
+          <p:nvPr/>
+        </p:nvSpPr>
+        <p:spPr>
+          <a:xfrm>
+            <a:off x="2247900" y="3957637"/>
+            <a:ext cx="1202055" cy="790575"/>
+          </a:xfrm>
+          <a:prstGeom prst="rect">
+            <a:avLst/>
+          </a:prstGeom>
+        </p:spPr>
+        <p:style>
+          <a:lnRef idx="2">
+            <a:schemeClr val="accent1">
+              <a:shade val="50000"/>
+            </a:schemeClr>
+          </a:lnRef>
+          <a:fillRef idx="1">
+            <a:schemeClr val="accent1"/>
+          </a:fillRef>
+          <a:effectRef idx="0">
+            <a:schemeClr val="accent1"/>
+          </a:effectRef>
+          <a:fontRef idx="minor">
+            <a:schemeClr val="lt1"/>
+          </a:fontRef>
+        </p:style>
+        <p:txBody>
+          <a:bodyPr rtlCol="0" anchor="ctr"/>
+          <a:lstStyle/>
+          <a:p>
+            <a:pPr algn="ctr"/>
+            <a:r>
+              <a:rPr lang="en-US" dirty="0"/>
+              <a:t>GWAS</a:t>
+            </a:r>
+          </a:p>
+          <a:p>
+            <a:pPr algn="ctr"/>
+            <a:r>
+              <a:rPr lang="en-US" dirty="0"/>
+              <a:t>Male-specific</a:t>
+            </a:r>
+          </a:p>
+        </p:txBody>
+      </p:sp>
+      <p:sp>
+        <p:nvSpPr>
+          <p:cNvPr id="9" name="Rectangle 8">
+            <a:extLst>
+              <a:ext uri="{FF2B5EF4-FFF2-40B4-BE49-F238E27FC236}">
+                <a16:creationId xmlns:a16="http://schemas.microsoft.com/office/drawing/2014/main" id="{48665FD0-06FC-4B0B-BC50-396667B4BBC2}"/>
+              </a:ext>
+            </a:extLst>
+          </p:cNvPr>
+          <p:cNvSpPr/>
+          <p:nvPr/>
+        </p:nvSpPr>
+        <p:spPr>
+          <a:xfrm>
+            <a:off x="2247900" y="5273992"/>
+            <a:ext cx="1202055" cy="790575"/>
+          </a:xfrm>
+          <a:prstGeom prst="rect">
+            <a:avLst/>
+          </a:prstGeom>
+        </p:spPr>
+        <p:style>
+          <a:lnRef idx="2">
+            <a:schemeClr val="accent1">
+              <a:shade val="50000"/>
+            </a:schemeClr>
+          </a:lnRef>
+          <a:fillRef idx="1">
+            <a:schemeClr val="accent1"/>
+          </a:fillRef>
+          <a:effectRef idx="0">
+            <a:schemeClr val="accent1"/>
+          </a:effectRef>
+          <a:fontRef idx="minor">
+            <a:schemeClr val="lt1"/>
+          </a:fontRef>
+        </p:style>
+        <p:txBody>
+          <a:bodyPr rtlCol="0" anchor="ctr"/>
+          <a:lstStyle/>
+          <a:p>
+            <a:pPr algn="ctr"/>
+            <a:r>
+              <a:rPr lang="en-US" dirty="0"/>
+              <a:t>GWAS</a:t>
+            </a:r>
+          </a:p>
+          <a:p>
+            <a:pPr algn="ctr"/>
+            <a:r>
+              <a:rPr lang="en-US" dirty="0"/>
+              <a:t>Female-specific</a:t>
+            </a:r>
+          </a:p>
+        </p:txBody>
+      </p:sp>
+      <p:sp>
+        <p:nvSpPr>
+          <p:cNvPr id="10" name="Rectangle 9">
+            <a:extLst>
+              <a:ext uri="{FF2B5EF4-FFF2-40B4-BE49-F238E27FC236}">
+                <a16:creationId xmlns:a16="http://schemas.microsoft.com/office/drawing/2014/main" id="{63A4A543-8759-47AF-89A0-D48E325FF74B}"/>
+              </a:ext>
+            </a:extLst>
+          </p:cNvPr>
+          <p:cNvSpPr/>
+          <p:nvPr/>
+        </p:nvSpPr>
+        <p:spPr>
+          <a:xfrm>
+            <a:off x="4088130" y="2611121"/>
+            <a:ext cx="2543175" cy="1219200"/>
+          </a:xfrm>
+          <a:prstGeom prst="rect">
+            <a:avLst/>
+          </a:prstGeom>
+        </p:spPr>
+        <p:style>
+          <a:lnRef idx="2">
+            <a:schemeClr val="accent1">
+              <a:shade val="50000"/>
+            </a:schemeClr>
+          </a:lnRef>
+          <a:fillRef idx="1">
+            <a:schemeClr val="accent1"/>
+          </a:fillRef>
+          <a:effectRef idx="0">
+            <a:schemeClr val="accent1"/>
+          </a:effectRef>
+          <a:fontRef idx="minor">
+            <a:schemeClr val="lt1"/>
+          </a:fontRef>
+        </p:style>
+        <p:txBody>
+          <a:bodyPr rtlCol="0" anchor="ctr"/>
+          <a:lstStyle/>
+          <a:p>
+            <a:pPr algn="ctr"/>
+            <a:r>
+              <a:rPr lang="en-US" dirty="0"/>
+              <a:t>Clump</a:t>
+            </a:r>
+          </a:p>
+          <a:p>
+            <a:pPr algn="ctr"/>
+            <a:r>
+              <a:rPr lang="en-US" dirty="0"/>
+              <a:t>Remove SNPs with R^2 higher than 0.1 or within 250kb of index SNP</a:t>
+            </a:r>
+          </a:p>
+        </p:txBody>
+      </p:sp>
+      <p:sp>
+        <p:nvSpPr>
+          <p:cNvPr id="11" name="Rectangle 10">
+            <a:extLst>
+              <a:ext uri="{FF2B5EF4-FFF2-40B4-BE49-F238E27FC236}">
+                <a16:creationId xmlns:a16="http://schemas.microsoft.com/office/drawing/2014/main" id="{01495ACE-2BA1-4216-8C1D-54142A0D3402}"/>
+              </a:ext>
+            </a:extLst>
+          </p:cNvPr>
+          <p:cNvSpPr/>
+          <p:nvPr/>
+        </p:nvSpPr>
+        <p:spPr>
+          <a:xfrm>
+            <a:off x="7153275" y="2389665"/>
+            <a:ext cx="1485900" cy="1662112"/>
+          </a:xfrm>
+          <a:prstGeom prst="rect">
+            <a:avLst/>
+          </a:prstGeom>
+        </p:spPr>
+        <p:style>
+          <a:lnRef idx="2">
+            <a:schemeClr val="accent1">
+              <a:shade val="50000"/>
+            </a:schemeClr>
+          </a:lnRef>
+          <a:fillRef idx="1">
+            <a:schemeClr val="accent1"/>
+          </a:fillRef>
+          <a:effectRef idx="0">
+            <a:schemeClr val="accent1"/>
+          </a:effectRef>
+          <a:fontRef idx="minor">
+            <a:schemeClr val="lt1"/>
+          </a:fontRef>
+        </p:style>
+        <p:txBody>
+          <a:bodyPr rtlCol="0" anchor="ctr"/>
+          <a:lstStyle/>
+          <a:p>
+            <a:pPr algn="ctr"/>
+            <a:r>
+              <a:rPr lang="en-US" dirty="0"/>
+              <a:t>PGS</a:t>
+            </a:r>
+          </a:p>
+          <a:p>
+            <a:r>
+              <a:rPr lang="en-US" dirty="0"/>
+              <a:t>P-value thresholds: 1, 0.01, 1e-5, 1e-8</a:t>
+            </a:r>
+          </a:p>
+        </p:txBody>
+      </p:sp>
+      <p:sp>
+        <p:nvSpPr>
+          <p:cNvPr id="12" name="Rectangle 11">
+            <a:extLst>
+              <a:ext uri="{FF2B5EF4-FFF2-40B4-BE49-F238E27FC236}">
+                <a16:creationId xmlns:a16="http://schemas.microsoft.com/office/drawing/2014/main" id="{C4A2C69C-6B56-41FB-BEA6-6DC97F984E09}"/>
+              </a:ext>
+            </a:extLst>
+          </p:cNvPr>
+          <p:cNvSpPr/>
+          <p:nvPr/>
+        </p:nvSpPr>
+        <p:spPr>
+          <a:xfrm>
+            <a:off x="9817417" y="2054859"/>
+            <a:ext cx="2278380" cy="2390141"/>
+          </a:xfrm>
+          <a:prstGeom prst="rect">
+            <a:avLst/>
+          </a:prstGeom>
+        </p:spPr>
+        <p:style>
+          <a:lnRef idx="2">
+            <a:schemeClr val="accent1">
+              <a:shade val="50000"/>
+            </a:schemeClr>
+          </a:lnRef>
+          <a:fillRef idx="1">
+            <a:schemeClr val="accent1"/>
+          </a:fillRef>
+          <a:effectRef idx="0">
+            <a:schemeClr val="accent1"/>
+          </a:effectRef>
+          <a:fontRef idx="minor">
+            <a:schemeClr val="lt1"/>
+          </a:fontRef>
+        </p:style>
+        <p:txBody>
+          <a:bodyPr rtlCol="0" anchor="ctr"/>
+          <a:lstStyle/>
+          <a:p>
+            <a:pPr algn="ctr"/>
+            <a:r>
+              <a:rPr lang="en-US" dirty="0"/>
+              <a:t>Models</a:t>
+            </a:r>
+          </a:p>
+          <a:p>
+            <a:pPr marL="285750" indent="-285750">
+              <a:buFontTx/>
+              <a:buChar char="-"/>
+            </a:pPr>
+            <a:r>
+              <a:rPr lang="en-US" dirty="0"/>
+              <a:t>Additive both-sex</a:t>
+            </a:r>
+          </a:p>
+          <a:p>
+            <a:pPr marL="285750" indent="-285750">
+              <a:buFontTx/>
+              <a:buChar char="-"/>
+            </a:pPr>
+            <a:r>
+              <a:rPr lang="en-US" dirty="0"/>
+              <a:t>Additive male-specific</a:t>
+            </a:r>
+          </a:p>
+          <a:p>
+            <a:pPr marL="285750" indent="-285750">
+              <a:buFontTx/>
+              <a:buChar char="-"/>
+            </a:pPr>
+            <a:r>
+              <a:rPr lang="en-US" dirty="0"/>
+              <a:t>Additive female-specific</a:t>
+            </a:r>
+          </a:p>
+          <a:p>
+            <a:pPr marL="285750" indent="-285750">
+              <a:buFontTx/>
+              <a:buChar char="-"/>
+            </a:pPr>
+            <a:r>
+              <a:rPr lang="en-US" dirty="0"/>
+              <a:t>Mash male</a:t>
+            </a:r>
+          </a:p>
+          <a:p>
+            <a:pPr marL="285750" indent="-285750">
+              <a:buFontTx/>
+              <a:buChar char="-"/>
+            </a:pPr>
+            <a:r>
+              <a:rPr lang="en-US" dirty="0"/>
+              <a:t>Mash female</a:t>
+            </a:r>
+          </a:p>
+        </p:txBody>
+      </p:sp>
+      <p:sp>
+        <p:nvSpPr>
+          <p:cNvPr id="13" name="Rectangle 12">
+            <a:extLst>
+              <a:ext uri="{FF2B5EF4-FFF2-40B4-BE49-F238E27FC236}">
+                <a16:creationId xmlns:a16="http://schemas.microsoft.com/office/drawing/2014/main" id="{6AA9ABF2-B348-4158-8ED6-E90788EEE2A6}"/>
+              </a:ext>
+            </a:extLst>
+          </p:cNvPr>
+          <p:cNvSpPr/>
+          <p:nvPr/>
+        </p:nvSpPr>
+        <p:spPr>
+          <a:xfrm>
+            <a:off x="4234815" y="5273992"/>
+            <a:ext cx="1556385" cy="790575"/>
+          </a:xfrm>
+          <a:prstGeom prst="rect">
+            <a:avLst/>
+          </a:prstGeom>
+        </p:spPr>
+        <p:style>
+          <a:lnRef idx="2">
+            <a:schemeClr val="accent2">
+              <a:shade val="50000"/>
+            </a:schemeClr>
+          </a:lnRef>
+          <a:fillRef idx="1">
+            <a:schemeClr val="accent2"/>
+          </a:fillRef>
+          <a:effectRef idx="0">
+            <a:schemeClr val="accent2"/>
+          </a:effectRef>
+          <a:fontRef idx="minor">
+            <a:schemeClr val="lt1"/>
+          </a:fontRef>
+        </p:style>
+        <p:txBody>
+          <a:bodyPr rtlCol="0" anchor="ctr"/>
+          <a:lstStyle/>
+          <a:p>
+            <a:pPr algn="ctr"/>
+            <a:r>
+              <a:rPr lang="en-US" dirty="0"/>
+              <a:t>Mash mixture proportions (100x)</a:t>
+            </a:r>
+          </a:p>
+        </p:txBody>
+      </p:sp>
+      <p:sp>
+        <p:nvSpPr>
+          <p:cNvPr id="14" name="Rectangle 13">
+            <a:extLst>
+              <a:ext uri="{FF2B5EF4-FFF2-40B4-BE49-F238E27FC236}">
+                <a16:creationId xmlns:a16="http://schemas.microsoft.com/office/drawing/2014/main" id="{21114ACB-273D-4173-9B51-6B1CA120DEF5}"/>
+              </a:ext>
+            </a:extLst>
+          </p:cNvPr>
+          <p:cNvSpPr/>
+          <p:nvPr/>
+        </p:nvSpPr>
+        <p:spPr>
+          <a:xfrm>
+            <a:off x="6438902" y="5102541"/>
+            <a:ext cx="2657476" cy="1133475"/>
+          </a:xfrm>
+          <a:prstGeom prst="rect">
+            <a:avLst/>
+          </a:prstGeom>
+        </p:spPr>
+        <p:style>
+          <a:lnRef idx="2">
+            <a:schemeClr val="accent2">
+              <a:shade val="50000"/>
+            </a:schemeClr>
+          </a:lnRef>
+          <a:fillRef idx="1">
+            <a:schemeClr val="accent2"/>
+          </a:fillRef>
+          <a:effectRef idx="0">
+            <a:schemeClr val="accent2"/>
+          </a:effectRef>
+          <a:fontRef idx="minor">
+            <a:schemeClr val="lt1"/>
+          </a:fontRef>
+        </p:style>
+        <p:txBody>
+          <a:bodyPr rtlCol="0" anchor="ctr"/>
+          <a:lstStyle/>
+          <a:p>
+            <a:pPr algn="ctr"/>
+            <a:r>
+              <a:rPr lang="en-US" dirty="0"/>
+              <a:t>Mash posteriors:</a:t>
+            </a:r>
+          </a:p>
+          <a:p>
+            <a:pPr algn="ctr"/>
+            <a:r>
+              <a:rPr lang="en-US" dirty="0"/>
+              <a:t>Convert </a:t>
+            </a:r>
+            <a:r>
+              <a:rPr lang="en-US" dirty="0" err="1"/>
+              <a:t>lfsr</a:t>
+            </a:r>
+            <a:r>
+              <a:rPr lang="en-US" dirty="0"/>
+              <a:t> to pseudo-p-values by matching order with GWAS p-values</a:t>
+            </a:r>
+          </a:p>
+        </p:txBody>
+      </p:sp>
+      <p:cxnSp>
+        <p:nvCxnSpPr>
+          <p:cNvPr id="16" name="Straight Arrow Connector 15">
+            <a:extLst>
+              <a:ext uri="{FF2B5EF4-FFF2-40B4-BE49-F238E27FC236}">
+                <a16:creationId xmlns:a16="http://schemas.microsoft.com/office/drawing/2014/main" id="{D5B966FB-E58A-4B2E-8BC2-577FB02683FA}"/>
+              </a:ext>
+            </a:extLst>
+          </p:cNvPr>
+          <p:cNvCxnSpPr>
+            <a:stCxn id="5" idx="3"/>
+            <a:endCxn id="8" idx="1"/>
+          </p:cNvCxnSpPr>
+          <p:nvPr/>
+        </p:nvCxnSpPr>
+        <p:spPr>
+          <a:xfrm>
+            <a:off x="1828800" y="4352925"/>
+            <a:ext cx="419100" cy="0"/>
+          </a:xfrm>
+          <a:prstGeom prst="straightConnector1">
+            <a:avLst/>
+          </a:prstGeom>
+          <a:ln w="28575">
+            <a:tailEnd type="triangle"/>
+          </a:ln>
+        </p:spPr>
+        <p:style>
+          <a:lnRef idx="1">
+            <a:schemeClr val="accent1"/>
+          </a:lnRef>
+          <a:fillRef idx="0">
+            <a:schemeClr val="accent1"/>
+          </a:fillRef>
+          <a:effectRef idx="0">
+            <a:schemeClr val="accent1"/>
+          </a:effectRef>
+          <a:fontRef idx="minor">
+            <a:schemeClr val="tx1"/>
+          </a:fontRef>
+        </p:style>
+      </p:cxnSp>
+      <p:cxnSp>
+        <p:nvCxnSpPr>
+          <p:cNvPr id="18" name="Straight Arrow Connector 17">
+            <a:extLst>
+              <a:ext uri="{FF2B5EF4-FFF2-40B4-BE49-F238E27FC236}">
+                <a16:creationId xmlns:a16="http://schemas.microsoft.com/office/drawing/2014/main" id="{4A566B5E-580E-46BA-96D3-EE3776293015}"/>
+              </a:ext>
+            </a:extLst>
+          </p:cNvPr>
+          <p:cNvCxnSpPr>
+            <a:stCxn id="5" idx="3"/>
+            <a:endCxn id="7" idx="1"/>
+          </p:cNvCxnSpPr>
+          <p:nvPr/>
+        </p:nvCxnSpPr>
+        <p:spPr>
+          <a:xfrm flipV="1">
+            <a:off x="1828800" y="3086100"/>
+            <a:ext cx="419100" cy="1266825"/>
+          </a:xfrm>
+          <a:prstGeom prst="straightConnector1">
+            <a:avLst/>
+          </a:prstGeom>
+          <a:ln w="28575">
+            <a:tailEnd type="triangle"/>
+          </a:ln>
+        </p:spPr>
+        <p:style>
+          <a:lnRef idx="1">
+            <a:schemeClr val="accent1"/>
+          </a:lnRef>
+          <a:fillRef idx="0">
+            <a:schemeClr val="accent1"/>
+          </a:fillRef>
+          <a:effectRef idx="0">
+            <a:schemeClr val="accent1"/>
+          </a:effectRef>
+          <a:fontRef idx="minor">
+            <a:schemeClr val="tx1"/>
+          </a:fontRef>
+        </p:style>
+      </p:cxnSp>
+      <p:cxnSp>
+        <p:nvCxnSpPr>
+          <p:cNvPr id="20" name="Straight Arrow Connector 19">
+            <a:extLst>
+              <a:ext uri="{FF2B5EF4-FFF2-40B4-BE49-F238E27FC236}">
+                <a16:creationId xmlns:a16="http://schemas.microsoft.com/office/drawing/2014/main" id="{F8D54C41-B6F5-4A38-9F8A-ECF4187C4968}"/>
+              </a:ext>
+            </a:extLst>
+          </p:cNvPr>
+          <p:cNvCxnSpPr>
+            <a:stCxn id="5" idx="3"/>
+            <a:endCxn id="9" idx="1"/>
+          </p:cNvCxnSpPr>
+          <p:nvPr/>
+        </p:nvCxnSpPr>
+        <p:spPr>
+          <a:xfrm>
+            <a:off x="1828800" y="4352925"/>
+            <a:ext cx="419100" cy="1316355"/>
+          </a:xfrm>
+          <a:prstGeom prst="straightConnector1">
+            <a:avLst/>
+          </a:prstGeom>
+          <a:ln w="28575">
+            <a:tailEnd type="triangle"/>
+          </a:ln>
+        </p:spPr>
+        <p:style>
+          <a:lnRef idx="1">
+            <a:schemeClr val="accent1"/>
+          </a:lnRef>
+          <a:fillRef idx="0">
+            <a:schemeClr val="accent1"/>
+          </a:fillRef>
+          <a:effectRef idx="0">
+            <a:schemeClr val="accent1"/>
+          </a:effectRef>
+          <a:fontRef idx="minor">
+            <a:schemeClr val="tx1"/>
+          </a:fontRef>
+        </p:style>
+      </p:cxnSp>
+      <p:cxnSp>
+        <p:nvCxnSpPr>
+          <p:cNvPr id="22" name="Straight Arrow Connector 21">
+            <a:extLst>
+              <a:ext uri="{FF2B5EF4-FFF2-40B4-BE49-F238E27FC236}">
+                <a16:creationId xmlns:a16="http://schemas.microsoft.com/office/drawing/2014/main" id="{5086B5C8-EC32-4093-91F8-35596774ACDF}"/>
+              </a:ext>
+            </a:extLst>
+          </p:cNvPr>
+          <p:cNvCxnSpPr>
+            <a:stCxn id="7" idx="3"/>
+            <a:endCxn id="10" idx="1"/>
+          </p:cNvCxnSpPr>
+          <p:nvPr/>
+        </p:nvCxnSpPr>
+        <p:spPr>
+          <a:xfrm>
+            <a:off x="3449955" y="3086100"/>
+            <a:ext cx="638175" cy="134621"/>
+          </a:xfrm>
+          <a:prstGeom prst="straightConnector1">
+            <a:avLst/>
+          </a:prstGeom>
+          <a:ln w="28575">
+            <a:tailEnd type="triangle"/>
+          </a:ln>
+        </p:spPr>
+        <p:style>
+          <a:lnRef idx="1">
+            <a:schemeClr val="accent1"/>
+          </a:lnRef>
+          <a:fillRef idx="0">
+            <a:schemeClr val="accent1"/>
+          </a:fillRef>
+          <a:effectRef idx="0">
+            <a:schemeClr val="accent1"/>
+          </a:effectRef>
+          <a:fontRef idx="minor">
+            <a:schemeClr val="tx1"/>
+          </a:fontRef>
+        </p:style>
+      </p:cxnSp>
+      <p:cxnSp>
+        <p:nvCxnSpPr>
+          <p:cNvPr id="24" name="Straight Arrow Connector 23">
+            <a:extLst>
+              <a:ext uri="{FF2B5EF4-FFF2-40B4-BE49-F238E27FC236}">
+                <a16:creationId xmlns:a16="http://schemas.microsoft.com/office/drawing/2014/main" id="{A95D5781-87D7-4A53-98EB-9DAA0CA1FE34}"/>
+              </a:ext>
+            </a:extLst>
+          </p:cNvPr>
+          <p:cNvCxnSpPr>
+            <a:cxnSpLocks/>
+            <a:stCxn id="8" idx="3"/>
+            <a:endCxn id="10" idx="1"/>
+          </p:cNvCxnSpPr>
+          <p:nvPr/>
+        </p:nvCxnSpPr>
+        <p:spPr>
+          <a:xfrm flipV="1">
+            <a:off x="3449955" y="3220721"/>
+            <a:ext cx="638175" cy="1132204"/>
+          </a:xfrm>
+          <a:prstGeom prst="straightConnector1">
+            <a:avLst/>
+          </a:prstGeom>
+          <a:ln w="28575">
+            <a:tailEnd type="triangle"/>
+          </a:ln>
+        </p:spPr>
+        <p:style>
+          <a:lnRef idx="1">
+            <a:schemeClr val="accent1"/>
+          </a:lnRef>
+          <a:fillRef idx="0">
+            <a:schemeClr val="accent1"/>
+          </a:fillRef>
+          <a:effectRef idx="0">
+            <a:schemeClr val="accent1"/>
+          </a:effectRef>
+          <a:fontRef idx="minor">
+            <a:schemeClr val="tx1"/>
+          </a:fontRef>
+        </p:style>
+      </p:cxnSp>
+      <p:cxnSp>
+        <p:nvCxnSpPr>
+          <p:cNvPr id="26" name="Straight Arrow Connector 25">
+            <a:extLst>
+              <a:ext uri="{FF2B5EF4-FFF2-40B4-BE49-F238E27FC236}">
+                <a16:creationId xmlns:a16="http://schemas.microsoft.com/office/drawing/2014/main" id="{BC40D620-D38D-40FF-8DB7-25310A7B945F}"/>
+              </a:ext>
+            </a:extLst>
+          </p:cNvPr>
+          <p:cNvCxnSpPr>
+            <a:stCxn id="9" idx="3"/>
+            <a:endCxn id="10" idx="1"/>
+          </p:cNvCxnSpPr>
+          <p:nvPr/>
+        </p:nvCxnSpPr>
+        <p:spPr>
+          <a:xfrm flipV="1">
+            <a:off x="3449955" y="3220721"/>
+            <a:ext cx="638175" cy="2448559"/>
+          </a:xfrm>
+          <a:prstGeom prst="straightConnector1">
+            <a:avLst/>
+          </a:prstGeom>
+          <a:ln w="28575">
+            <a:tailEnd type="triangle"/>
+          </a:ln>
+        </p:spPr>
+        <p:style>
+          <a:lnRef idx="1">
+            <a:schemeClr val="accent1"/>
+          </a:lnRef>
+          <a:fillRef idx="0">
+            <a:schemeClr val="accent1"/>
+          </a:fillRef>
+          <a:effectRef idx="0">
+            <a:schemeClr val="accent1"/>
+          </a:effectRef>
+          <a:fontRef idx="minor">
+            <a:schemeClr val="tx1"/>
+          </a:fontRef>
+        </p:style>
+      </p:cxnSp>
+      <p:cxnSp>
+        <p:nvCxnSpPr>
+          <p:cNvPr id="28" name="Straight Arrow Connector 27">
+            <a:extLst>
+              <a:ext uri="{FF2B5EF4-FFF2-40B4-BE49-F238E27FC236}">
+                <a16:creationId xmlns:a16="http://schemas.microsoft.com/office/drawing/2014/main" id="{2AA9D109-C256-406F-B54D-FE30E794CF0B}"/>
+              </a:ext>
+            </a:extLst>
+          </p:cNvPr>
+          <p:cNvCxnSpPr>
+            <a:stCxn id="10" idx="3"/>
+          </p:cNvCxnSpPr>
+          <p:nvPr/>
+        </p:nvCxnSpPr>
+        <p:spPr>
+          <a:xfrm flipV="1">
+            <a:off x="6631305" y="2495233"/>
+            <a:ext cx="521970" cy="725488"/>
+          </a:xfrm>
+          <a:prstGeom prst="straightConnector1">
+            <a:avLst/>
+          </a:prstGeom>
+          <a:ln w="28575">
+            <a:tailEnd type="triangle"/>
+          </a:ln>
+        </p:spPr>
+        <p:style>
+          <a:lnRef idx="1">
+            <a:schemeClr val="accent1"/>
+          </a:lnRef>
+          <a:fillRef idx="0">
+            <a:schemeClr val="accent1"/>
+          </a:fillRef>
+          <a:effectRef idx="0">
+            <a:schemeClr val="accent1"/>
+          </a:effectRef>
+          <a:fontRef idx="minor">
+            <a:schemeClr val="tx1"/>
+          </a:fontRef>
+        </p:style>
+      </p:cxnSp>
+      <p:cxnSp>
+        <p:nvCxnSpPr>
+          <p:cNvPr id="30" name="Straight Arrow Connector 29">
+            <a:extLst>
+              <a:ext uri="{FF2B5EF4-FFF2-40B4-BE49-F238E27FC236}">
+                <a16:creationId xmlns:a16="http://schemas.microsoft.com/office/drawing/2014/main" id="{386A2BA8-E087-4A70-AE48-77FC216AA7A0}"/>
+              </a:ext>
+            </a:extLst>
+          </p:cNvPr>
+          <p:cNvCxnSpPr>
+            <a:stCxn id="10" idx="3"/>
+          </p:cNvCxnSpPr>
+          <p:nvPr/>
+        </p:nvCxnSpPr>
+        <p:spPr>
+          <a:xfrm flipV="1">
+            <a:off x="6631305" y="2903329"/>
+            <a:ext cx="521970" cy="317392"/>
+          </a:xfrm>
+          <a:prstGeom prst="straightConnector1">
+            <a:avLst/>
+          </a:prstGeom>
+          <a:ln w="28575">
+            <a:tailEnd type="triangle"/>
+          </a:ln>
+        </p:spPr>
+        <p:style>
+          <a:lnRef idx="1">
+            <a:schemeClr val="accent1"/>
+          </a:lnRef>
+          <a:fillRef idx="0">
+            <a:schemeClr val="accent1"/>
+          </a:fillRef>
+          <a:effectRef idx="0">
+            <a:schemeClr val="accent1"/>
+          </a:effectRef>
+          <a:fontRef idx="minor">
+            <a:schemeClr val="tx1"/>
+          </a:fontRef>
+        </p:style>
+      </p:cxnSp>
+      <p:cxnSp>
+        <p:nvCxnSpPr>
+          <p:cNvPr id="32" name="Straight Arrow Connector 31">
+            <a:extLst>
+              <a:ext uri="{FF2B5EF4-FFF2-40B4-BE49-F238E27FC236}">
+                <a16:creationId xmlns:a16="http://schemas.microsoft.com/office/drawing/2014/main" id="{A64B188C-3AE2-44ED-A3BD-718A803C3FFC}"/>
+              </a:ext>
+            </a:extLst>
+          </p:cNvPr>
+          <p:cNvCxnSpPr>
+            <a:stCxn id="10" idx="3"/>
+            <a:endCxn id="11" idx="1"/>
+          </p:cNvCxnSpPr>
+          <p:nvPr/>
+        </p:nvCxnSpPr>
+        <p:spPr>
+          <a:xfrm>
+            <a:off x="6631305" y="3220721"/>
+            <a:ext cx="521970" cy="0"/>
+          </a:xfrm>
+          <a:prstGeom prst="straightConnector1">
+            <a:avLst/>
+          </a:prstGeom>
+          <a:ln w="28575">
+            <a:tailEnd type="triangle"/>
+          </a:ln>
+        </p:spPr>
+        <p:style>
+          <a:lnRef idx="1">
+            <a:schemeClr val="accent1"/>
+          </a:lnRef>
+          <a:fillRef idx="0">
+            <a:schemeClr val="accent1"/>
+          </a:fillRef>
+          <a:effectRef idx="0">
+            <a:schemeClr val="accent1"/>
+          </a:effectRef>
+          <a:fontRef idx="minor">
+            <a:schemeClr val="tx1"/>
+          </a:fontRef>
+        </p:style>
+      </p:cxnSp>
+      <p:cxnSp>
+        <p:nvCxnSpPr>
+          <p:cNvPr id="36" name="Straight Arrow Connector 35">
+            <a:extLst>
+              <a:ext uri="{FF2B5EF4-FFF2-40B4-BE49-F238E27FC236}">
+                <a16:creationId xmlns:a16="http://schemas.microsoft.com/office/drawing/2014/main" id="{FD8BCE5F-1516-4A26-BE7B-C1CE1C962D69}"/>
+              </a:ext>
+            </a:extLst>
+          </p:cNvPr>
+          <p:cNvCxnSpPr>
+            <a:cxnSpLocks/>
+            <a:stCxn id="11" idx="3"/>
+          </p:cNvCxnSpPr>
+          <p:nvPr/>
+        </p:nvCxnSpPr>
+        <p:spPr>
+          <a:xfrm>
+            <a:off x="8639175" y="3220721"/>
+            <a:ext cx="1178242" cy="0"/>
+          </a:xfrm>
+          <a:prstGeom prst="straightConnector1">
+            <a:avLst/>
+          </a:prstGeom>
+          <a:ln w="28575">
+            <a:tailEnd type="triangle"/>
+          </a:ln>
+        </p:spPr>
+        <p:style>
+          <a:lnRef idx="1">
+            <a:schemeClr val="accent1"/>
+          </a:lnRef>
+          <a:fillRef idx="0">
+            <a:schemeClr val="accent1"/>
+          </a:fillRef>
+          <a:effectRef idx="0">
+            <a:schemeClr val="accent1"/>
+          </a:effectRef>
+          <a:fontRef idx="minor">
+            <a:schemeClr val="tx1"/>
+          </a:fontRef>
+        </p:style>
+      </p:cxnSp>
+      <p:cxnSp>
+        <p:nvCxnSpPr>
+          <p:cNvPr id="38" name="Straight Arrow Connector 37">
+            <a:extLst>
+              <a:ext uri="{FF2B5EF4-FFF2-40B4-BE49-F238E27FC236}">
+                <a16:creationId xmlns:a16="http://schemas.microsoft.com/office/drawing/2014/main" id="{0F5B365E-3B3D-483C-8A18-1CD81EE1BC55}"/>
+              </a:ext>
+            </a:extLst>
+          </p:cNvPr>
+          <p:cNvCxnSpPr>
+            <a:cxnSpLocks/>
+          </p:cNvCxnSpPr>
+          <p:nvPr/>
+        </p:nvCxnSpPr>
+        <p:spPr>
+          <a:xfrm>
+            <a:off x="8639175" y="3362325"/>
+            <a:ext cx="1178242" cy="0"/>
+          </a:xfrm>
+          <a:prstGeom prst="straightConnector1">
+            <a:avLst/>
+          </a:prstGeom>
+          <a:ln w="28575">
+            <a:tailEnd type="triangle"/>
+          </a:ln>
+        </p:spPr>
+        <p:style>
+          <a:lnRef idx="1">
+            <a:schemeClr val="accent1"/>
+          </a:lnRef>
+          <a:fillRef idx="0">
+            <a:schemeClr val="accent1"/>
+          </a:fillRef>
+          <a:effectRef idx="0">
+            <a:schemeClr val="accent1"/>
+          </a:effectRef>
+          <a:fontRef idx="minor">
+            <a:schemeClr val="tx1"/>
+          </a:fontRef>
+        </p:style>
+      </p:cxnSp>
+      <p:cxnSp>
+        <p:nvCxnSpPr>
+          <p:cNvPr id="40" name="Straight Arrow Connector 39">
+            <a:extLst>
+              <a:ext uri="{FF2B5EF4-FFF2-40B4-BE49-F238E27FC236}">
+                <a16:creationId xmlns:a16="http://schemas.microsoft.com/office/drawing/2014/main" id="{0968F2D7-345B-4651-8F6A-1B68E9C82921}"/>
+              </a:ext>
+            </a:extLst>
+          </p:cNvPr>
+          <p:cNvCxnSpPr>
+            <a:cxnSpLocks/>
+          </p:cNvCxnSpPr>
+          <p:nvPr/>
+        </p:nvCxnSpPr>
+        <p:spPr>
+          <a:xfrm>
+            <a:off x="8639175" y="3719512"/>
+            <a:ext cx="1178242" cy="0"/>
+          </a:xfrm>
+          <a:prstGeom prst="straightConnector1">
+            <a:avLst/>
+          </a:prstGeom>
+          <a:ln w="28575">
+            <a:tailEnd type="triangle"/>
+          </a:ln>
+        </p:spPr>
+        <p:style>
+          <a:lnRef idx="1">
+            <a:schemeClr val="accent1"/>
+          </a:lnRef>
+          <a:fillRef idx="0">
+            <a:schemeClr val="accent1"/>
+          </a:fillRef>
+          <a:effectRef idx="0">
+            <a:schemeClr val="accent1"/>
+          </a:effectRef>
+          <a:fontRef idx="minor">
+            <a:schemeClr val="tx1"/>
+          </a:fontRef>
+        </p:style>
+      </p:cxnSp>
+      <p:cxnSp>
+        <p:nvCxnSpPr>
+          <p:cNvPr id="48" name="Straight Arrow Connector 47">
+            <a:extLst>
+              <a:ext uri="{FF2B5EF4-FFF2-40B4-BE49-F238E27FC236}">
+                <a16:creationId xmlns:a16="http://schemas.microsoft.com/office/drawing/2014/main" id="{2B5DC34F-81D4-44A3-8F2C-FA413542CDAF}"/>
+              </a:ext>
+            </a:extLst>
+          </p:cNvPr>
+          <p:cNvCxnSpPr>
+            <a:stCxn id="8" idx="3"/>
+            <a:endCxn id="13" idx="1"/>
+          </p:cNvCxnSpPr>
+          <p:nvPr/>
+        </p:nvCxnSpPr>
+        <p:spPr>
+          <a:xfrm>
+            <a:off x="3449955" y="4352925"/>
+            <a:ext cx="784860" cy="1316355"/>
+          </a:xfrm>
+          <a:prstGeom prst="straightConnector1">
+            <a:avLst/>
+          </a:prstGeom>
+          <a:ln w="28575">
+            <a:tailEnd type="triangle"/>
+          </a:ln>
+        </p:spPr>
+        <p:style>
+          <a:lnRef idx="1">
+            <a:schemeClr val="accent2"/>
+          </a:lnRef>
+          <a:fillRef idx="0">
+            <a:schemeClr val="accent2"/>
+          </a:fillRef>
+          <a:effectRef idx="0">
+            <a:schemeClr val="accent2"/>
+          </a:effectRef>
+          <a:fontRef idx="minor">
+            <a:schemeClr val="tx1"/>
+          </a:fontRef>
+        </p:style>
+      </p:cxnSp>
+      <p:cxnSp>
+        <p:nvCxnSpPr>
+          <p:cNvPr id="50" name="Straight Arrow Connector 49">
+            <a:extLst>
+              <a:ext uri="{FF2B5EF4-FFF2-40B4-BE49-F238E27FC236}">
+                <a16:creationId xmlns:a16="http://schemas.microsoft.com/office/drawing/2014/main" id="{430267DB-8F5B-40CF-B2D4-C33780F4DD21}"/>
+              </a:ext>
+            </a:extLst>
+          </p:cNvPr>
+          <p:cNvCxnSpPr>
+            <a:stCxn id="9" idx="3"/>
+            <a:endCxn id="13" idx="1"/>
+          </p:cNvCxnSpPr>
+          <p:nvPr/>
+        </p:nvCxnSpPr>
+        <p:spPr>
+          <a:xfrm>
+            <a:off x="3449955" y="5669280"/>
+            <a:ext cx="784860" cy="0"/>
+          </a:xfrm>
+          <a:prstGeom prst="straightConnector1">
+            <a:avLst/>
+          </a:prstGeom>
+          <a:ln w="28575">
+            <a:tailEnd type="triangle"/>
+          </a:ln>
+        </p:spPr>
+        <p:style>
+          <a:lnRef idx="1">
+            <a:schemeClr val="accent2"/>
+          </a:lnRef>
+          <a:fillRef idx="0">
+            <a:schemeClr val="accent2"/>
+          </a:fillRef>
+          <a:effectRef idx="0">
+            <a:schemeClr val="accent2"/>
+          </a:effectRef>
+          <a:fontRef idx="minor">
+            <a:schemeClr val="tx1"/>
+          </a:fontRef>
+        </p:style>
+      </p:cxnSp>
+      <p:cxnSp>
+        <p:nvCxnSpPr>
+          <p:cNvPr id="52" name="Straight Arrow Connector 51">
+            <a:extLst>
+              <a:ext uri="{FF2B5EF4-FFF2-40B4-BE49-F238E27FC236}">
+                <a16:creationId xmlns:a16="http://schemas.microsoft.com/office/drawing/2014/main" id="{393C8E69-739C-485C-90C0-3911C557EB7B}"/>
+              </a:ext>
+            </a:extLst>
+          </p:cNvPr>
+          <p:cNvCxnSpPr>
+            <a:stCxn id="13" idx="3"/>
+            <a:endCxn id="14" idx="1"/>
+          </p:cNvCxnSpPr>
+          <p:nvPr/>
+        </p:nvCxnSpPr>
+        <p:spPr>
+          <a:xfrm flipV="1">
+            <a:off x="5791200" y="5669279"/>
+            <a:ext cx="647702" cy="1"/>
+          </a:xfrm>
+          <a:prstGeom prst="straightConnector1">
+            <a:avLst/>
+          </a:prstGeom>
+          <a:ln w="28575">
+            <a:tailEnd type="triangle"/>
+          </a:ln>
+        </p:spPr>
+        <p:style>
+          <a:lnRef idx="1">
+            <a:schemeClr val="accent2"/>
+          </a:lnRef>
+          <a:fillRef idx="0">
+            <a:schemeClr val="accent2"/>
+          </a:fillRef>
+          <a:effectRef idx="0">
+            <a:schemeClr val="accent2"/>
+          </a:effectRef>
+          <a:fontRef idx="minor">
+            <a:schemeClr val="tx1"/>
+          </a:fontRef>
+        </p:style>
+      </p:cxnSp>
+      <p:cxnSp>
+        <p:nvCxnSpPr>
+          <p:cNvPr id="54" name="Straight Arrow Connector 53">
+            <a:extLst>
+              <a:ext uri="{FF2B5EF4-FFF2-40B4-BE49-F238E27FC236}">
+                <a16:creationId xmlns:a16="http://schemas.microsoft.com/office/drawing/2014/main" id="{A42A4EFB-8AAC-4692-AC21-4A9A827B7C9C}"/>
+              </a:ext>
+            </a:extLst>
+          </p:cNvPr>
+          <p:cNvCxnSpPr>
+            <a:stCxn id="14" idx="0"/>
+            <a:endCxn id="10" idx="2"/>
+          </p:cNvCxnSpPr>
+          <p:nvPr/>
+        </p:nvCxnSpPr>
+        <p:spPr>
+          <a:xfrm flipH="1" flipV="1">
+            <a:off x="5359718" y="3830321"/>
+            <a:ext cx="2407922" cy="1272220"/>
+          </a:xfrm>
+          <a:prstGeom prst="straightConnector1">
+            <a:avLst/>
+          </a:prstGeom>
+          <a:ln w="28575">
+            <a:tailEnd type="triangle"/>
+          </a:ln>
+        </p:spPr>
+        <p:style>
+          <a:lnRef idx="1">
+            <a:schemeClr val="accent2"/>
+          </a:lnRef>
+          <a:fillRef idx="0">
+            <a:schemeClr val="accent2"/>
+          </a:fillRef>
+          <a:effectRef idx="0">
+            <a:schemeClr val="accent2"/>
+          </a:effectRef>
+          <a:fontRef idx="minor">
+            <a:schemeClr val="tx1"/>
+          </a:fontRef>
+        </p:style>
+      </p:cxnSp>
+      <p:cxnSp>
+        <p:nvCxnSpPr>
+          <p:cNvPr id="56" name="Straight Arrow Connector 55">
+            <a:extLst>
+              <a:ext uri="{FF2B5EF4-FFF2-40B4-BE49-F238E27FC236}">
+                <a16:creationId xmlns:a16="http://schemas.microsoft.com/office/drawing/2014/main" id="{36685DF8-2D07-44BB-9AA4-DD5524BF4C20}"/>
+              </a:ext>
+            </a:extLst>
+          </p:cNvPr>
+          <p:cNvCxnSpPr>
+            <a:stCxn id="10" idx="3"/>
+          </p:cNvCxnSpPr>
+          <p:nvPr/>
+        </p:nvCxnSpPr>
+        <p:spPr>
+          <a:xfrm>
+            <a:off x="6631305" y="3220721"/>
+            <a:ext cx="521970" cy="260666"/>
+          </a:xfrm>
+          <a:prstGeom prst="straightConnector1">
+            <a:avLst/>
+          </a:prstGeom>
+          <a:ln w="28575">
+            <a:tailEnd type="triangle"/>
+          </a:ln>
+        </p:spPr>
+        <p:style>
+          <a:lnRef idx="1">
+            <a:schemeClr val="accent2"/>
+          </a:lnRef>
+          <a:fillRef idx="0">
+            <a:schemeClr val="accent2"/>
+          </a:fillRef>
+          <a:effectRef idx="0">
+            <a:schemeClr val="accent2"/>
+          </a:effectRef>
+          <a:fontRef idx="minor">
+            <a:schemeClr val="tx1"/>
+          </a:fontRef>
+        </p:style>
+      </p:cxnSp>
+      <p:cxnSp>
+        <p:nvCxnSpPr>
+          <p:cNvPr id="58" name="Straight Arrow Connector 57">
+            <a:extLst>
+              <a:ext uri="{FF2B5EF4-FFF2-40B4-BE49-F238E27FC236}">
+                <a16:creationId xmlns:a16="http://schemas.microsoft.com/office/drawing/2014/main" id="{AC70B8F8-F12F-4212-893C-F1DF0045D27F}"/>
+              </a:ext>
+            </a:extLst>
+          </p:cNvPr>
+          <p:cNvCxnSpPr>
+            <a:stCxn id="10" idx="3"/>
+          </p:cNvCxnSpPr>
+          <p:nvPr/>
+        </p:nvCxnSpPr>
+        <p:spPr>
+          <a:xfrm>
+            <a:off x="6631305" y="3220721"/>
+            <a:ext cx="521970" cy="638284"/>
+          </a:xfrm>
+          <a:prstGeom prst="straightConnector1">
+            <a:avLst/>
+          </a:prstGeom>
+          <a:ln w="28575">
+            <a:tailEnd type="triangle"/>
+          </a:ln>
+        </p:spPr>
+        <p:style>
+          <a:lnRef idx="1">
+            <a:schemeClr val="accent2"/>
+          </a:lnRef>
+          <a:fillRef idx="0">
+            <a:schemeClr val="accent2"/>
+          </a:fillRef>
+          <a:effectRef idx="0">
+            <a:schemeClr val="accent2"/>
+          </a:effectRef>
+          <a:fontRef idx="minor">
+            <a:schemeClr val="tx1"/>
+          </a:fontRef>
+        </p:style>
+      </p:cxnSp>
+      <p:sp>
+        <p:nvSpPr>
+          <p:cNvPr id="59" name="TextBox 58">
+            <a:extLst>
+              <a:ext uri="{FF2B5EF4-FFF2-40B4-BE49-F238E27FC236}">
+                <a16:creationId xmlns:a16="http://schemas.microsoft.com/office/drawing/2014/main" id="{8A6B04A3-0219-4511-BED4-2040F8E873E9}"/>
+              </a:ext>
+            </a:extLst>
+          </p:cNvPr>
+          <p:cNvSpPr txBox="1"/>
+          <p:nvPr/>
+        </p:nvSpPr>
+        <p:spPr>
+          <a:xfrm>
+            <a:off x="8588692" y="2672496"/>
+            <a:ext cx="1228725" cy="461665"/>
+          </a:xfrm>
+          <a:prstGeom prst="rect">
+            <a:avLst/>
+          </a:prstGeom>
+          <a:noFill/>
+        </p:spPr>
+        <p:txBody>
+          <a:bodyPr wrap="square" rtlCol="0">
+            <a:spAutoFit/>
+          </a:bodyPr>
+          <a:lstStyle/>
+          <a:p>
+            <a:r>
+              <a:rPr lang="en-US" sz="1200" dirty="0"/>
+              <a:t>4 thresholds * 5 models = 20 PGS</a:t>
+            </a:r>
+          </a:p>
+        </p:txBody>
+      </p:sp>
+      <p:cxnSp>
+        <p:nvCxnSpPr>
+          <p:cNvPr id="65" name="Straight Arrow Connector 64">
+            <a:extLst>
+              <a:ext uri="{FF2B5EF4-FFF2-40B4-BE49-F238E27FC236}">
+                <a16:creationId xmlns:a16="http://schemas.microsoft.com/office/drawing/2014/main" id="{4FAB427F-E579-427E-9CE9-F7A6949D7B71}"/>
+              </a:ext>
+            </a:extLst>
+          </p:cNvPr>
+          <p:cNvCxnSpPr>
+            <a:stCxn id="2" idx="3"/>
+            <a:endCxn id="3" idx="1"/>
+          </p:cNvCxnSpPr>
+          <p:nvPr/>
+        </p:nvCxnSpPr>
+        <p:spPr>
+          <a:xfrm>
+            <a:off x="3589020" y="1667593"/>
+            <a:ext cx="347900" cy="0"/>
+          </a:xfrm>
+          <a:prstGeom prst="straightConnector1">
+            <a:avLst/>
+          </a:prstGeom>
+          <a:ln w="28575">
+            <a:tailEnd type="triangle"/>
+          </a:ln>
+        </p:spPr>
+        <p:style>
+          <a:lnRef idx="1">
+            <a:schemeClr val="accent1"/>
+          </a:lnRef>
+          <a:fillRef idx="0">
+            <a:schemeClr val="accent1"/>
+          </a:fillRef>
+          <a:effectRef idx="0">
+            <a:schemeClr val="accent1"/>
+          </a:effectRef>
+          <a:fontRef idx="minor">
+            <a:schemeClr val="tx1"/>
+          </a:fontRef>
+        </p:style>
+      </p:cxnSp>
+      <p:cxnSp>
+        <p:nvCxnSpPr>
+          <p:cNvPr id="67" name="Straight Arrow Connector 66">
+            <a:extLst>
+              <a:ext uri="{FF2B5EF4-FFF2-40B4-BE49-F238E27FC236}">
+                <a16:creationId xmlns:a16="http://schemas.microsoft.com/office/drawing/2014/main" id="{BB5ABDF3-602E-4AF7-8434-8A10039509AC}"/>
+              </a:ext>
+            </a:extLst>
+          </p:cNvPr>
+          <p:cNvCxnSpPr>
+            <a:stCxn id="3" idx="3"/>
+            <a:endCxn id="4" idx="1"/>
+          </p:cNvCxnSpPr>
+          <p:nvPr/>
+        </p:nvCxnSpPr>
+        <p:spPr>
+          <a:xfrm flipV="1">
+            <a:off x="5674280" y="1664973"/>
+            <a:ext cx="366950" cy="2620"/>
+          </a:xfrm>
+          <a:prstGeom prst="straightConnector1">
+            <a:avLst/>
+          </a:prstGeom>
+          <a:ln w="28575">
+            <a:tailEnd type="triangle"/>
+          </a:ln>
+        </p:spPr>
+        <p:style>
+          <a:lnRef idx="1">
+            <a:schemeClr val="accent1"/>
+          </a:lnRef>
+          <a:fillRef idx="0">
+            <a:schemeClr val="accent1"/>
+          </a:fillRef>
+          <a:effectRef idx="0">
+            <a:schemeClr val="accent1"/>
+          </a:effectRef>
+          <a:fontRef idx="minor">
+            <a:schemeClr val="tx1"/>
+          </a:fontRef>
+        </p:style>
+      </p:cxnSp>
+      <p:sp>
+        <p:nvSpPr>
+          <p:cNvPr id="69" name="TextBox 68">
+            <a:extLst>
+              <a:ext uri="{FF2B5EF4-FFF2-40B4-BE49-F238E27FC236}">
+                <a16:creationId xmlns:a16="http://schemas.microsoft.com/office/drawing/2014/main" id="{4AE04C28-5BE0-4B0D-94D1-77C9FAF1855B}"/>
+              </a:ext>
+            </a:extLst>
+          </p:cNvPr>
+          <p:cNvSpPr txBox="1"/>
+          <p:nvPr/>
+        </p:nvSpPr>
+        <p:spPr>
+          <a:xfrm>
+            <a:off x="318850" y="1295641"/>
+            <a:ext cx="1509950" cy="369332"/>
+          </a:xfrm>
+          <a:prstGeom prst="rect">
+            <a:avLst/>
+          </a:prstGeom>
+          <a:noFill/>
+        </p:spPr>
+        <p:txBody>
+          <a:bodyPr wrap="square" rtlCol="0">
+            <a:spAutoFit/>
+          </a:bodyPr>
+          <a:lstStyle/>
+          <a:p>
+            <a:r>
+              <a:rPr lang="en-US" dirty="0"/>
+              <a:t>Sample Set</a:t>
+            </a:r>
+          </a:p>
+        </p:txBody>
+      </p:sp>
+      <p:sp>
+        <p:nvSpPr>
+          <p:cNvPr id="70" name="TextBox 69">
+            <a:extLst>
+              <a:ext uri="{FF2B5EF4-FFF2-40B4-BE49-F238E27FC236}">
+                <a16:creationId xmlns:a16="http://schemas.microsoft.com/office/drawing/2014/main" id="{98662696-E544-4DCA-989E-032B69813172}"/>
+              </a:ext>
+            </a:extLst>
+          </p:cNvPr>
+          <p:cNvSpPr txBox="1"/>
+          <p:nvPr/>
+        </p:nvSpPr>
+        <p:spPr>
+          <a:xfrm>
+            <a:off x="342305" y="2626639"/>
+            <a:ext cx="1509950" cy="369332"/>
+          </a:xfrm>
+          <a:prstGeom prst="rect">
+            <a:avLst/>
+          </a:prstGeom>
+          <a:noFill/>
+        </p:spPr>
+        <p:txBody>
+          <a:bodyPr wrap="square" rtlCol="0">
+            <a:spAutoFit/>
+          </a:bodyPr>
+          <a:lstStyle/>
+          <a:p>
+            <a:r>
+              <a:rPr lang="en-US" dirty="0"/>
+              <a:t>Training Set</a:t>
+            </a:r>
+          </a:p>
+        </p:txBody>
+      </p:sp>
+    </p:spTree>
+    <p:extLst>
+      <p:ext uri="{BB962C8B-B14F-4D97-AF65-F5344CB8AC3E}">
+        <p14:creationId xmlns:p14="http://schemas.microsoft.com/office/powerpoint/2010/main" val="1058215792"/>
+      </p:ext>
+    </p:extLst>
+  </p:cSld>
+  <p:clrMapOvr>
+    <a:masterClrMapping/>
+  </p:clrMapOvr>
+</p:sld>
+</file>
+
+<file path=ppt/slides/slide14.xml><?xml version="1.0" encoding="utf-8"?>
+<p:sld xmlns:a="http://schemas.openxmlformats.org/drawingml/2006/main" xmlns:r="http://schemas.openxmlformats.org/officeDocument/2006/relationships" xmlns:p="http://schemas.openxmlformats.org/presentationml/2006/main">
+  <p:cSld>
+    <p:spTree>
+      <p:nvGrpSpPr>
+        <p:cNvPr id="1" name=""/>
+        <p:cNvGrpSpPr/>
+        <p:nvPr/>
+      </p:nvGrpSpPr>
+      <p:grpSpPr>
+        <a:xfrm>
+          <a:off x="0" y="0"/>
+          <a:ext cx="0" cy="0"/>
+          <a:chOff x="0" y="0"/>
+          <a:chExt cx="0" cy="0"/>
+        </a:xfrm>
+      </p:grpSpPr>
+      <p:sp>
+        <p:nvSpPr>
+          <p:cNvPr id="2" name="Title 1">
+            <a:extLst>
+              <a:ext uri="{FF2B5EF4-FFF2-40B4-BE49-F238E27FC236}">
+                <a16:creationId xmlns:a16="http://schemas.microsoft.com/office/drawing/2014/main" id="{44DBC3D0-397F-4FB9-963C-D9AA164A908B}"/>
+              </a:ext>
+            </a:extLst>
+          </p:cNvPr>
+          <p:cNvSpPr txBox="1">
+            <a:spLocks/>
+          </p:cNvSpPr>
+          <p:nvPr/>
+        </p:nvSpPr>
+        <p:spPr>
+          <a:xfrm>
+            <a:off x="1097280" y="286604"/>
+            <a:ext cx="10058400" cy="790576"/>
+          </a:xfrm>
+          <a:prstGeom prst="rect">
+            <a:avLst/>
+          </a:prstGeom>
+        </p:spPr>
+        <p:txBody>
+          <a:bodyPr/>
+          <a:lstStyle>
+            <a:lvl1pPr algn="l" defTabSz="914400" rtl="0" eaLnBrk="1" latinLnBrk="0" hangingPunct="1">
+              <a:lnSpc>
+                <a:spcPct val="85000"/>
+              </a:lnSpc>
+              <a:spcBef>
+                <a:spcPct val="0"/>
+              </a:spcBef>
+              <a:buNone/>
+              <a:defRPr sz="4800" kern="1200" spc="-50" baseline="0">
+                <a:solidFill>
+                  <a:schemeClr val="tx1">
+                    <a:lumMod val="75000"/>
+                    <a:lumOff val="25000"/>
+                  </a:schemeClr>
+                </a:solidFill>
+                <a:latin typeface="+mj-lt"/>
+                <a:ea typeface="+mj-ea"/>
+                <a:cs typeface="+mj-cs"/>
+              </a:defRPr>
+            </a:lvl1pPr>
+          </a:lstStyle>
+          <a:p>
+            <a:r>
+              <a:rPr lang="en-US" dirty="0"/>
+              <a:t>Appendix C – PGS Pipeline part 2</a:t>
+            </a:r>
+          </a:p>
+        </p:txBody>
+      </p:sp>
+      <p:sp>
+        <p:nvSpPr>
+          <p:cNvPr id="3" name="Rectangle 2">
+            <a:extLst>
+              <a:ext uri="{FF2B5EF4-FFF2-40B4-BE49-F238E27FC236}">
+                <a16:creationId xmlns:a16="http://schemas.microsoft.com/office/drawing/2014/main" id="{981129A3-F81F-40AC-BA35-6C25D56FDD5F}"/>
+              </a:ext>
+            </a:extLst>
+          </p:cNvPr>
+          <p:cNvSpPr/>
+          <p:nvPr/>
+        </p:nvSpPr>
+        <p:spPr>
+          <a:xfrm>
+            <a:off x="590549" y="2412206"/>
+            <a:ext cx="1476375" cy="790576"/>
+          </a:xfrm>
+          <a:prstGeom prst="rect">
+            <a:avLst/>
+          </a:prstGeom>
+        </p:spPr>
+        <p:style>
+          <a:lnRef idx="2">
+            <a:schemeClr val="accent1">
+              <a:shade val="50000"/>
+            </a:schemeClr>
+          </a:lnRef>
+          <a:fillRef idx="1">
+            <a:schemeClr val="accent1"/>
+          </a:fillRef>
+          <a:effectRef idx="0">
+            <a:schemeClr val="accent1"/>
+          </a:effectRef>
+          <a:fontRef idx="minor">
+            <a:schemeClr val="lt1"/>
+          </a:fontRef>
+        </p:style>
+        <p:txBody>
+          <a:bodyPr rtlCol="0" anchor="ctr"/>
+          <a:lstStyle/>
+          <a:p>
+            <a:pPr algn="ctr"/>
+            <a:r>
+              <a:rPr lang="en-US" dirty="0"/>
+              <a:t>Phenotype + Covariate file</a:t>
+            </a:r>
+          </a:p>
+        </p:txBody>
+      </p:sp>
+      <p:sp>
+        <p:nvSpPr>
+          <p:cNvPr id="4" name="Rectangle 3">
+            <a:extLst>
+              <a:ext uri="{FF2B5EF4-FFF2-40B4-BE49-F238E27FC236}">
+                <a16:creationId xmlns:a16="http://schemas.microsoft.com/office/drawing/2014/main" id="{6D587555-C2E7-46D8-A12B-119F2DF9EDE2}"/>
+              </a:ext>
+            </a:extLst>
+          </p:cNvPr>
+          <p:cNvSpPr/>
+          <p:nvPr/>
+        </p:nvSpPr>
+        <p:spPr>
+          <a:xfrm>
+            <a:off x="2633662" y="2431255"/>
+            <a:ext cx="1638300" cy="790576"/>
+          </a:xfrm>
+          <a:prstGeom prst="rect">
+            <a:avLst/>
+          </a:prstGeom>
+        </p:spPr>
+        <p:style>
+          <a:lnRef idx="2">
+            <a:schemeClr val="accent1">
+              <a:shade val="50000"/>
+            </a:schemeClr>
+          </a:lnRef>
+          <a:fillRef idx="1">
+            <a:schemeClr val="accent1"/>
+          </a:fillRef>
+          <a:effectRef idx="0">
+            <a:schemeClr val="accent1"/>
+          </a:effectRef>
+          <a:fontRef idx="minor">
+            <a:schemeClr val="lt1"/>
+          </a:fontRef>
+        </p:style>
+        <p:txBody>
+          <a:bodyPr rtlCol="0" anchor="ctr"/>
+          <a:lstStyle/>
+          <a:p>
+            <a:pPr algn="ctr"/>
+            <a:r>
+              <a:rPr lang="en-US" dirty="0"/>
+              <a:t>Keep only test IDs</a:t>
+            </a:r>
+          </a:p>
+        </p:txBody>
+      </p:sp>
+      <p:sp>
+        <p:nvSpPr>
+          <p:cNvPr id="5" name="Rectangle 4">
+            <a:extLst>
+              <a:ext uri="{FF2B5EF4-FFF2-40B4-BE49-F238E27FC236}">
+                <a16:creationId xmlns:a16="http://schemas.microsoft.com/office/drawing/2014/main" id="{1042EE88-D6B4-45C2-AAE9-7FD2C546B841}"/>
+              </a:ext>
+            </a:extLst>
+          </p:cNvPr>
+          <p:cNvSpPr/>
+          <p:nvPr/>
+        </p:nvSpPr>
+        <p:spPr>
+          <a:xfrm>
+            <a:off x="4972049" y="1526381"/>
+            <a:ext cx="2400300" cy="790576"/>
+          </a:xfrm>
+          <a:prstGeom prst="rect">
+            <a:avLst/>
+          </a:prstGeom>
+        </p:spPr>
+        <p:style>
+          <a:lnRef idx="2">
+            <a:schemeClr val="accent1">
+              <a:shade val="50000"/>
+            </a:schemeClr>
+          </a:lnRef>
+          <a:fillRef idx="1">
+            <a:schemeClr val="accent1"/>
+          </a:fillRef>
+          <a:effectRef idx="0">
+            <a:schemeClr val="accent1"/>
+          </a:effectRef>
+          <a:fontRef idx="minor">
+            <a:schemeClr val="lt1"/>
+          </a:fontRef>
+        </p:style>
+        <p:txBody>
+          <a:bodyPr rtlCol="0" anchor="ctr"/>
+          <a:lstStyle/>
+          <a:p>
+            <a:pPr algn="ctr"/>
+            <a:r>
+              <a:rPr lang="en-US" dirty="0"/>
+              <a:t>Null Model</a:t>
+            </a:r>
+          </a:p>
+          <a:p>
+            <a:pPr algn="ctr"/>
+            <a:r>
+              <a:rPr lang="en-US" dirty="0"/>
+              <a:t>Phenotype ~ covariates</a:t>
+            </a:r>
+          </a:p>
+        </p:txBody>
+      </p:sp>
+      <p:sp>
+        <p:nvSpPr>
+          <p:cNvPr id="6" name="Rectangle 5">
+            <a:extLst>
+              <a:ext uri="{FF2B5EF4-FFF2-40B4-BE49-F238E27FC236}">
+                <a16:creationId xmlns:a16="http://schemas.microsoft.com/office/drawing/2014/main" id="{3518BAEC-1AF0-4253-953A-CE30A391FF0C}"/>
+              </a:ext>
+            </a:extLst>
+          </p:cNvPr>
+          <p:cNvSpPr/>
+          <p:nvPr/>
+        </p:nvSpPr>
+        <p:spPr>
+          <a:xfrm>
+            <a:off x="4972049" y="3226594"/>
+            <a:ext cx="2400300" cy="862012"/>
+          </a:xfrm>
+          <a:prstGeom prst="rect">
+            <a:avLst/>
+          </a:prstGeom>
+        </p:spPr>
+        <p:style>
+          <a:lnRef idx="2">
+            <a:schemeClr val="accent1">
+              <a:shade val="50000"/>
+            </a:schemeClr>
+          </a:lnRef>
+          <a:fillRef idx="1">
+            <a:schemeClr val="accent1"/>
+          </a:fillRef>
+          <a:effectRef idx="0">
+            <a:schemeClr val="accent1"/>
+          </a:effectRef>
+          <a:fontRef idx="minor">
+            <a:schemeClr val="lt1"/>
+          </a:fontRef>
+        </p:style>
+        <p:txBody>
+          <a:bodyPr rtlCol="0" anchor="ctr"/>
+          <a:lstStyle/>
+          <a:p>
+            <a:pPr algn="ctr"/>
+            <a:r>
+              <a:rPr lang="en-US" dirty="0"/>
+              <a:t>PGS Model</a:t>
+            </a:r>
+          </a:p>
+          <a:p>
+            <a:pPr algn="ctr"/>
+            <a:r>
+              <a:rPr lang="en-US" dirty="0"/>
+              <a:t>Phenotype ~ covariates + PGS</a:t>
+            </a:r>
+          </a:p>
+        </p:txBody>
+      </p:sp>
+      <p:sp>
+        <p:nvSpPr>
+          <p:cNvPr id="7" name="Rectangle 6">
+            <a:extLst>
+              <a:ext uri="{FF2B5EF4-FFF2-40B4-BE49-F238E27FC236}">
+                <a16:creationId xmlns:a16="http://schemas.microsoft.com/office/drawing/2014/main" id="{EE6A29AB-71D4-4A75-8990-071B671F86A8}"/>
+              </a:ext>
+            </a:extLst>
+          </p:cNvPr>
+          <p:cNvSpPr/>
+          <p:nvPr/>
+        </p:nvSpPr>
+        <p:spPr>
+          <a:xfrm>
+            <a:off x="8372474" y="2316957"/>
+            <a:ext cx="2943225" cy="981074"/>
+          </a:xfrm>
+          <a:prstGeom prst="rect">
+            <a:avLst/>
+          </a:prstGeom>
+        </p:spPr>
+        <p:style>
+          <a:lnRef idx="2">
+            <a:schemeClr val="accent1">
+              <a:shade val="50000"/>
+            </a:schemeClr>
+          </a:lnRef>
+          <a:fillRef idx="1">
+            <a:schemeClr val="accent1"/>
+          </a:fillRef>
+          <a:effectRef idx="0">
+            <a:schemeClr val="accent1"/>
+          </a:effectRef>
+          <a:fontRef idx="minor">
+            <a:schemeClr val="lt1"/>
+          </a:fontRef>
+        </p:style>
+        <p:txBody>
+          <a:bodyPr rtlCol="0" anchor="ctr"/>
+          <a:lstStyle/>
+          <a:p>
+            <a:pPr algn="ctr"/>
+            <a:r>
+              <a:rPr lang="en-US" dirty="0"/>
+              <a:t>Obtain R^2</a:t>
+            </a:r>
+          </a:p>
+          <a:p>
+            <a:pPr algn="ctr"/>
+            <a:r>
+              <a:rPr lang="en-US" dirty="0"/>
+              <a:t>Incremental R^2 = R^2 – null R^2</a:t>
+            </a:r>
+          </a:p>
+        </p:txBody>
+      </p:sp>
+      <p:cxnSp>
+        <p:nvCxnSpPr>
+          <p:cNvPr id="9" name="Straight Arrow Connector 8">
+            <a:extLst>
+              <a:ext uri="{FF2B5EF4-FFF2-40B4-BE49-F238E27FC236}">
+                <a16:creationId xmlns:a16="http://schemas.microsoft.com/office/drawing/2014/main" id="{D7E09887-4988-4762-BA04-CBBFCEB99896}"/>
+              </a:ext>
+            </a:extLst>
+          </p:cNvPr>
+          <p:cNvCxnSpPr>
+            <a:stCxn id="3" idx="3"/>
+            <a:endCxn id="4" idx="1"/>
+          </p:cNvCxnSpPr>
+          <p:nvPr/>
+        </p:nvCxnSpPr>
+        <p:spPr>
+          <a:xfrm>
+            <a:off x="2066924" y="2807494"/>
+            <a:ext cx="566738" cy="19049"/>
+          </a:xfrm>
+          <a:prstGeom prst="straightConnector1">
+            <a:avLst/>
+          </a:prstGeom>
+          <a:ln w="28575">
+            <a:tailEnd type="triangle"/>
+          </a:ln>
+        </p:spPr>
+        <p:style>
+          <a:lnRef idx="1">
+            <a:schemeClr val="accent1"/>
+          </a:lnRef>
+          <a:fillRef idx="0">
+            <a:schemeClr val="accent1"/>
+          </a:fillRef>
+          <a:effectRef idx="0">
+            <a:schemeClr val="accent1"/>
+          </a:effectRef>
+          <a:fontRef idx="minor">
+            <a:schemeClr val="tx1"/>
+          </a:fontRef>
+        </p:style>
+      </p:cxnSp>
+      <p:cxnSp>
+        <p:nvCxnSpPr>
+          <p:cNvPr id="11" name="Straight Arrow Connector 10">
+            <a:extLst>
+              <a:ext uri="{FF2B5EF4-FFF2-40B4-BE49-F238E27FC236}">
+                <a16:creationId xmlns:a16="http://schemas.microsoft.com/office/drawing/2014/main" id="{320E77C0-0777-428E-A124-9C6633D2B410}"/>
+              </a:ext>
+            </a:extLst>
+          </p:cNvPr>
+          <p:cNvCxnSpPr>
+            <a:stCxn id="4" idx="3"/>
+            <a:endCxn id="5" idx="1"/>
+          </p:cNvCxnSpPr>
+          <p:nvPr/>
+        </p:nvCxnSpPr>
+        <p:spPr>
+          <a:xfrm flipV="1">
+            <a:off x="4271962" y="1921669"/>
+            <a:ext cx="700087" cy="904874"/>
+          </a:xfrm>
+          <a:prstGeom prst="straightConnector1">
+            <a:avLst/>
+          </a:prstGeom>
+          <a:ln w="28575">
+            <a:tailEnd type="triangle"/>
+          </a:ln>
+        </p:spPr>
+        <p:style>
+          <a:lnRef idx="1">
+            <a:schemeClr val="accent1"/>
+          </a:lnRef>
+          <a:fillRef idx="0">
+            <a:schemeClr val="accent1"/>
+          </a:fillRef>
+          <a:effectRef idx="0">
+            <a:schemeClr val="accent1"/>
+          </a:effectRef>
+          <a:fontRef idx="minor">
+            <a:schemeClr val="tx1"/>
+          </a:fontRef>
+        </p:style>
+      </p:cxnSp>
+      <p:cxnSp>
+        <p:nvCxnSpPr>
+          <p:cNvPr id="13" name="Straight Arrow Connector 12">
+            <a:extLst>
+              <a:ext uri="{FF2B5EF4-FFF2-40B4-BE49-F238E27FC236}">
+                <a16:creationId xmlns:a16="http://schemas.microsoft.com/office/drawing/2014/main" id="{EB3302E4-4328-486F-9B36-69649F4405DB}"/>
+              </a:ext>
+            </a:extLst>
+          </p:cNvPr>
+          <p:cNvCxnSpPr>
+            <a:stCxn id="4" idx="3"/>
+            <a:endCxn id="6" idx="1"/>
+          </p:cNvCxnSpPr>
+          <p:nvPr/>
+        </p:nvCxnSpPr>
+        <p:spPr>
+          <a:xfrm>
+            <a:off x="4271962" y="2826543"/>
+            <a:ext cx="700087" cy="831057"/>
+          </a:xfrm>
+          <a:prstGeom prst="straightConnector1">
+            <a:avLst/>
+          </a:prstGeom>
+          <a:ln w="28575">
+            <a:tailEnd type="triangle"/>
+          </a:ln>
+        </p:spPr>
+        <p:style>
+          <a:lnRef idx="1">
+            <a:schemeClr val="accent1"/>
+          </a:lnRef>
+          <a:fillRef idx="0">
+            <a:schemeClr val="accent1"/>
+          </a:fillRef>
+          <a:effectRef idx="0">
+            <a:schemeClr val="accent1"/>
+          </a:effectRef>
+          <a:fontRef idx="minor">
+            <a:schemeClr val="tx1"/>
+          </a:fontRef>
+        </p:style>
+      </p:cxnSp>
+      <p:cxnSp>
+        <p:nvCxnSpPr>
+          <p:cNvPr id="15" name="Straight Arrow Connector 14">
+            <a:extLst>
+              <a:ext uri="{FF2B5EF4-FFF2-40B4-BE49-F238E27FC236}">
+                <a16:creationId xmlns:a16="http://schemas.microsoft.com/office/drawing/2014/main" id="{F4BB43A2-F761-40D9-99DD-7F8D568FE58C}"/>
+              </a:ext>
+            </a:extLst>
+          </p:cNvPr>
+          <p:cNvCxnSpPr>
+            <a:stCxn id="5" idx="3"/>
+            <a:endCxn id="7" idx="1"/>
+          </p:cNvCxnSpPr>
+          <p:nvPr/>
+        </p:nvCxnSpPr>
+        <p:spPr>
+          <a:xfrm>
+            <a:off x="7372349" y="1921669"/>
+            <a:ext cx="1000125" cy="885825"/>
+          </a:xfrm>
+          <a:prstGeom prst="straightConnector1">
+            <a:avLst/>
+          </a:prstGeom>
+          <a:ln w="28575">
+            <a:tailEnd type="triangle"/>
+          </a:ln>
+        </p:spPr>
+        <p:style>
+          <a:lnRef idx="1">
+            <a:schemeClr val="accent1"/>
+          </a:lnRef>
+          <a:fillRef idx="0">
+            <a:schemeClr val="accent1"/>
+          </a:fillRef>
+          <a:effectRef idx="0">
+            <a:schemeClr val="accent1"/>
+          </a:effectRef>
+          <a:fontRef idx="minor">
+            <a:schemeClr val="tx1"/>
+          </a:fontRef>
+        </p:style>
+      </p:cxnSp>
+      <p:cxnSp>
+        <p:nvCxnSpPr>
+          <p:cNvPr id="17" name="Straight Arrow Connector 16">
+            <a:extLst>
+              <a:ext uri="{FF2B5EF4-FFF2-40B4-BE49-F238E27FC236}">
+                <a16:creationId xmlns:a16="http://schemas.microsoft.com/office/drawing/2014/main" id="{424DD4A0-3ADC-40E4-AD06-2D04883DB80B}"/>
+              </a:ext>
+            </a:extLst>
+          </p:cNvPr>
+          <p:cNvCxnSpPr>
+            <a:cxnSpLocks/>
+            <a:stCxn id="6" idx="3"/>
+            <a:endCxn id="7" idx="1"/>
+          </p:cNvCxnSpPr>
+          <p:nvPr/>
+        </p:nvCxnSpPr>
+        <p:spPr>
+          <a:xfrm flipV="1">
+            <a:off x="7372349" y="2807494"/>
+            <a:ext cx="1000125" cy="850106"/>
+          </a:xfrm>
+          <a:prstGeom prst="straightConnector1">
+            <a:avLst/>
+          </a:prstGeom>
+          <a:ln w="28575">
+            <a:tailEnd type="triangle"/>
+          </a:ln>
+        </p:spPr>
+        <p:style>
+          <a:lnRef idx="1">
+            <a:schemeClr val="accent1"/>
+          </a:lnRef>
+          <a:fillRef idx="0">
+            <a:schemeClr val="accent1"/>
+          </a:fillRef>
+          <a:effectRef idx="0">
+            <a:schemeClr val="accent1"/>
+          </a:effectRef>
+          <a:fontRef idx="minor">
+            <a:schemeClr val="tx1"/>
+          </a:fontRef>
+        </p:style>
+      </p:cxnSp>
+      <p:sp>
+        <p:nvSpPr>
+          <p:cNvPr id="20" name="Rectangle 19">
+            <a:extLst>
+              <a:ext uri="{FF2B5EF4-FFF2-40B4-BE49-F238E27FC236}">
+                <a16:creationId xmlns:a16="http://schemas.microsoft.com/office/drawing/2014/main" id="{125782BF-D3B1-4963-9756-256F590BB73A}"/>
+              </a:ext>
+            </a:extLst>
+          </p:cNvPr>
+          <p:cNvSpPr/>
+          <p:nvPr/>
+        </p:nvSpPr>
+        <p:spPr>
+          <a:xfrm>
+            <a:off x="4581523" y="4562474"/>
+            <a:ext cx="3181351" cy="1352550"/>
+          </a:xfrm>
+          <a:prstGeom prst="rect">
+            <a:avLst/>
+          </a:prstGeom>
+        </p:spPr>
+        <p:style>
+          <a:lnRef idx="2">
+            <a:schemeClr val="accent1">
+              <a:shade val="50000"/>
+            </a:schemeClr>
+          </a:lnRef>
+          <a:fillRef idx="1">
+            <a:schemeClr val="accent1"/>
+          </a:fillRef>
+          <a:effectRef idx="0">
+            <a:schemeClr val="accent1"/>
+          </a:effectRef>
+          <a:fontRef idx="minor">
+            <a:schemeClr val="lt1"/>
+          </a:fontRef>
+        </p:style>
+        <p:txBody>
+          <a:bodyPr rtlCol="0" anchor="ctr"/>
+          <a:lstStyle/>
+          <a:p>
+            <a:pPr algn="ctr"/>
+            <a:r>
+              <a:rPr lang="en-US" dirty="0"/>
+              <a:t>Additive </a:t>
+            </a:r>
+          </a:p>
+          <a:p>
+            <a:pPr algn="ctr"/>
+            <a:r>
+              <a:rPr lang="en-US" dirty="0"/>
+              <a:t>Sex-specific, naïve</a:t>
+            </a:r>
+          </a:p>
+          <a:p>
+            <a:pPr algn="ctr"/>
+            <a:r>
+              <a:rPr lang="en-US" dirty="0"/>
+              <a:t>Sex-specific, covariance aware</a:t>
+            </a:r>
+          </a:p>
+        </p:txBody>
+      </p:sp>
+      <p:cxnSp>
+        <p:nvCxnSpPr>
+          <p:cNvPr id="22" name="Straight Connector 21">
+            <a:extLst>
+              <a:ext uri="{FF2B5EF4-FFF2-40B4-BE49-F238E27FC236}">
+                <a16:creationId xmlns:a16="http://schemas.microsoft.com/office/drawing/2014/main" id="{7B820F78-2EE3-4C13-B8A7-867E39552566}"/>
+              </a:ext>
+            </a:extLst>
+          </p:cNvPr>
+          <p:cNvCxnSpPr>
+            <a:stCxn id="6" idx="2"/>
+            <a:endCxn id="20" idx="0"/>
+          </p:cNvCxnSpPr>
+          <p:nvPr/>
+        </p:nvCxnSpPr>
+        <p:spPr>
+          <a:xfrm>
+            <a:off x="6172199" y="4088606"/>
+            <a:ext cx="0" cy="473868"/>
+          </a:xfrm>
+          <a:prstGeom prst="line">
+            <a:avLst/>
+          </a:prstGeom>
+          <a:ln w="19050"/>
+        </p:spPr>
+        <p:style>
+          <a:lnRef idx="1">
+            <a:schemeClr val="accent1"/>
+          </a:lnRef>
+          <a:fillRef idx="0">
+            <a:schemeClr val="accent1"/>
+          </a:fillRef>
+          <a:effectRef idx="0">
+            <a:schemeClr val="accent1"/>
+          </a:effectRef>
+          <a:fontRef idx="minor">
+            <a:schemeClr val="tx1"/>
+          </a:fontRef>
+        </p:style>
+      </p:cxnSp>
+    </p:spTree>
+    <p:extLst>
+      <p:ext uri="{BB962C8B-B14F-4D97-AF65-F5344CB8AC3E}">
+        <p14:creationId xmlns:p14="http://schemas.microsoft.com/office/powerpoint/2010/main" val="2823344339"/>
+      </p:ext>
+    </p:extLst>
+  </p:cSld>
+  <p:clrMapOvr>
+    <a:masterClrMapping/>
+  </p:clrMapOvr>
+</p:sld>
+</file>
+
+<file path=ppt/slides/slide15.xml><?xml version="1.0" encoding="utf-8"?>
+<p:sld xmlns:a="http://schemas.openxmlformats.org/drawingml/2006/main" xmlns:r="http://schemas.openxmlformats.org/officeDocument/2006/relationships" xmlns:p="http://schemas.openxmlformats.org/presentationml/2006/main">
+  <p:cSld>
+    <p:spTree>
+      <p:nvGrpSpPr>
+        <p:cNvPr id="1" name=""/>
+        <p:cNvGrpSpPr/>
+        <p:nvPr/>
+      </p:nvGrpSpPr>
+      <p:grpSpPr>
+        <a:xfrm>
+          <a:off x="0" y="0"/>
+          <a:ext cx="0" cy="0"/>
+          <a:chOff x="0" y="0"/>
+          <a:chExt cx="0" cy="0"/>
+        </a:xfrm>
+      </p:grpSpPr>
+      <p:sp>
+        <p:nvSpPr>
+          <p:cNvPr id="2" name="Title 1">
+            <a:extLst>
+              <a:ext uri="{FF2B5EF4-FFF2-40B4-BE49-F238E27FC236}">
+                <a16:creationId xmlns:a16="http://schemas.microsoft.com/office/drawing/2014/main" id="{93740497-733E-42FF-BE5D-1F7DA2640C67}"/>
               </a:ext>
             </a:extLst>
           </p:cNvPr>
@@ -4136,7 +10788,7 @@
             <a:spLocks noGrp="1"/>
           </p:cNvSpPr>
           <p:nvPr>
-            <p:ph idx="1"/>
+            <p:ph type="title"/>
           </p:nvPr>
         </p:nvSpPr>
         <p:spPr/>
@@ -4144,14 +10796,1817 @@
           <a:bodyPr/>
           <a:lstStyle/>
           <a:p>
+            <a:r>
+              <a:rPr lang="en-US" dirty="0"/>
+              <a:t>Appendix D—Amplification of Genetic and Environmental Variance Model</a:t>
+            </a:r>
+          </a:p>
+        </p:txBody>
+      </p:sp>
+      <mc:AlternateContent xmlns:mc="http://schemas.openxmlformats.org/markup-compatibility/2006" xmlns:a14="http://schemas.microsoft.com/office/drawing/2010/main">
+        <mc:Choice Requires="a14">
+          <p:sp>
+            <p:nvSpPr>
+              <p:cNvPr id="3" name="Oval 2">
+                <a:extLst>
+                  <a:ext uri="{FF2B5EF4-FFF2-40B4-BE49-F238E27FC236}">
+                    <a16:creationId xmlns:a16="http://schemas.microsoft.com/office/drawing/2014/main" id="{BEC32C13-EE5D-42D4-8DF5-A351EF7164B4}"/>
+                  </a:ext>
+                </a:extLst>
+              </p:cNvPr>
+              <p:cNvSpPr/>
+              <p:nvPr/>
+            </p:nvSpPr>
+            <p:spPr>
+              <a:xfrm>
+                <a:off x="4535424" y="2432304"/>
+                <a:ext cx="786384" cy="658368"/>
+              </a:xfrm>
+              <a:prstGeom prst="ellipse">
+                <a:avLst/>
+              </a:prstGeom>
+              <a:solidFill>
+                <a:srgbClr val="0070C0"/>
+              </a:solidFill>
+              <a:ln>
+                <a:solidFill>
+                  <a:srgbClr val="0070C0"/>
+                </a:solidFill>
+              </a:ln>
+            </p:spPr>
+            <p:style>
+              <a:lnRef idx="2">
+                <a:schemeClr val="accent1">
+                  <a:shade val="50000"/>
+                </a:schemeClr>
+              </a:lnRef>
+              <a:fillRef idx="1">
+                <a:schemeClr val="accent1"/>
+              </a:fillRef>
+              <a:effectRef idx="0">
+                <a:schemeClr val="accent1"/>
+              </a:effectRef>
+              <a:fontRef idx="minor">
+                <a:schemeClr val="lt1"/>
+              </a:fontRef>
+            </p:style>
+            <p:txBody>
+              <a:bodyPr rtlCol="0" anchor="ctr"/>
+              <a:lstStyle/>
+              <a:p>
+                <a:pPr algn="ctr"/>
+                <a14:m>
+                  <m:oMathPara xmlns:m="http://schemas.openxmlformats.org/officeDocument/2006/math">
+                    <m:oMathParaPr>
+                      <m:jc m:val="centerGroup"/>
+                    </m:oMathParaPr>
+                    <m:oMath xmlns:m="http://schemas.openxmlformats.org/officeDocument/2006/math">
+                      <m:sSub>
+                        <m:sSubPr>
+                          <m:ctrlPr>
+                            <a:rPr lang="en-US" sz="2000" b="0" i="1" smtClean="0">
+                              <a:latin typeface="Cambria Math" panose="02040503050406030204" pitchFamily="18" charset="0"/>
+                            </a:rPr>
+                          </m:ctrlPr>
+                        </m:sSubPr>
+                        <m:e>
+                          <m:r>
+                            <a:rPr lang="en-US" sz="2000" b="0" i="1" smtClean="0">
+                              <a:latin typeface="Cambria Math" panose="02040503050406030204" pitchFamily="18" charset="0"/>
+                            </a:rPr>
+                            <m:t>𝐺</m:t>
+                          </m:r>
+                        </m:e>
+                        <m:sub>
+                          <m:r>
+                            <a:rPr lang="en-US" sz="2000" b="0" i="1" smtClean="0">
+                              <a:latin typeface="Cambria Math" panose="02040503050406030204" pitchFamily="18" charset="0"/>
+                            </a:rPr>
+                            <m:t>𝑓</m:t>
+                          </m:r>
+                        </m:sub>
+                      </m:sSub>
+                    </m:oMath>
+                  </m:oMathPara>
+                </a14:m>
+                <a:endParaRPr lang="en-US" sz="2000" dirty="0"/>
+              </a:p>
+            </p:txBody>
+          </p:sp>
+        </mc:Choice>
+        <mc:Fallback xmlns="">
+          <p:sp>
+            <p:nvSpPr>
+              <p:cNvPr id="3" name="Oval 2">
+                <a:extLst>
+                  <a:ext uri="{FF2B5EF4-FFF2-40B4-BE49-F238E27FC236}">
+                    <a16:creationId xmlns:a16="http://schemas.microsoft.com/office/drawing/2014/main" id="{BEC32C13-EE5D-42D4-8DF5-A351EF7164B4}"/>
+                  </a:ext>
+                </a:extLst>
+              </p:cNvPr>
+              <p:cNvSpPr>
+                <a:spLocks noRot="1" noChangeAspect="1" noMove="1" noResize="1" noEditPoints="1" noAdjustHandles="1" noChangeArrowheads="1" noChangeShapeType="1" noTextEdit="1"/>
+              </p:cNvSpPr>
+              <p:nvPr/>
+            </p:nvSpPr>
+            <p:spPr>
+              <a:xfrm>
+                <a:off x="4535424" y="2432304"/>
+                <a:ext cx="786384" cy="658368"/>
+              </a:xfrm>
+              <a:prstGeom prst="ellipse">
+                <a:avLst/>
+              </a:prstGeom>
+              <a:blipFill>
+                <a:blip r:embed="rId2"/>
+                <a:stretch>
+                  <a:fillRect/>
+                </a:stretch>
+              </a:blipFill>
+              <a:ln>
+                <a:solidFill>
+                  <a:srgbClr val="0070C0"/>
+                </a:solidFill>
+              </a:ln>
+            </p:spPr>
+            <p:txBody>
+              <a:bodyPr/>
+              <a:lstStyle/>
+              <a:p>
+                <a:r>
+                  <a:rPr lang="en-US">
+                    <a:noFill/>
+                  </a:rPr>
+                  <a:t> </a:t>
+                </a:r>
+              </a:p>
+            </p:txBody>
+          </p:sp>
+        </mc:Fallback>
+      </mc:AlternateContent>
+      <mc:AlternateContent xmlns:mc="http://schemas.openxmlformats.org/markup-compatibility/2006" xmlns:a14="http://schemas.microsoft.com/office/drawing/2010/main">
+        <mc:Choice Requires="a14">
+          <p:sp>
+            <p:nvSpPr>
+              <p:cNvPr id="4" name="Oval 3">
+                <a:extLst>
+                  <a:ext uri="{FF2B5EF4-FFF2-40B4-BE49-F238E27FC236}">
+                    <a16:creationId xmlns:a16="http://schemas.microsoft.com/office/drawing/2014/main" id="{257C8825-4A08-440A-86AB-6C8575970F32}"/>
+                  </a:ext>
+                </a:extLst>
+              </p:cNvPr>
+              <p:cNvSpPr/>
+              <p:nvPr/>
+            </p:nvSpPr>
+            <p:spPr>
+              <a:xfrm>
+                <a:off x="4535424" y="4370832"/>
+                <a:ext cx="786384" cy="658368"/>
+              </a:xfrm>
+              <a:prstGeom prst="ellipse">
+                <a:avLst/>
+              </a:prstGeom>
+              <a:solidFill>
+                <a:srgbClr val="0070C0"/>
+              </a:solidFill>
+              <a:ln>
+                <a:solidFill>
+                  <a:srgbClr val="0070C0"/>
+                </a:solidFill>
+              </a:ln>
+            </p:spPr>
+            <p:style>
+              <a:lnRef idx="2">
+                <a:schemeClr val="accent1">
+                  <a:shade val="50000"/>
+                </a:schemeClr>
+              </a:lnRef>
+              <a:fillRef idx="1">
+                <a:schemeClr val="accent1"/>
+              </a:fillRef>
+              <a:effectRef idx="0">
+                <a:schemeClr val="accent1"/>
+              </a:effectRef>
+              <a:fontRef idx="minor">
+                <a:schemeClr val="lt1"/>
+              </a:fontRef>
+            </p:style>
+            <p:txBody>
+              <a:bodyPr rtlCol="0" anchor="ctr"/>
+              <a:lstStyle/>
+              <a:p>
+                <a:pPr algn="ctr"/>
+                <a14:m>
+                  <m:oMathPara xmlns:m="http://schemas.openxmlformats.org/officeDocument/2006/math">
+                    <m:oMathParaPr>
+                      <m:jc m:val="centerGroup"/>
+                    </m:oMathParaPr>
+                    <m:oMath xmlns:m="http://schemas.openxmlformats.org/officeDocument/2006/math">
+                      <m:sSub>
+                        <m:sSubPr>
+                          <m:ctrlPr>
+                            <a:rPr lang="en-US" sz="2000" b="0" i="1" smtClean="0">
+                              <a:latin typeface="Cambria Math" panose="02040503050406030204" pitchFamily="18" charset="0"/>
+                            </a:rPr>
+                          </m:ctrlPr>
+                        </m:sSubPr>
+                        <m:e>
+                          <m:r>
+                            <a:rPr lang="en-US" sz="2000" b="0" i="1" smtClean="0">
+                              <a:latin typeface="Cambria Math" panose="02040503050406030204" pitchFamily="18" charset="0"/>
+                            </a:rPr>
+                            <m:t>𝐸</m:t>
+                          </m:r>
+                        </m:e>
+                        <m:sub>
+                          <m:r>
+                            <a:rPr lang="en-US" sz="2000" b="0" i="1" smtClean="0">
+                              <a:latin typeface="Cambria Math" panose="02040503050406030204" pitchFamily="18" charset="0"/>
+                            </a:rPr>
+                            <m:t>𝑓</m:t>
+                          </m:r>
+                        </m:sub>
+                      </m:sSub>
+                    </m:oMath>
+                  </m:oMathPara>
+                </a14:m>
+                <a:endParaRPr lang="en-US" sz="2000" dirty="0"/>
+              </a:p>
+            </p:txBody>
+          </p:sp>
+        </mc:Choice>
+        <mc:Fallback xmlns="">
+          <p:sp>
+            <p:nvSpPr>
+              <p:cNvPr id="4" name="Oval 3">
+                <a:extLst>
+                  <a:ext uri="{FF2B5EF4-FFF2-40B4-BE49-F238E27FC236}">
+                    <a16:creationId xmlns:a16="http://schemas.microsoft.com/office/drawing/2014/main" id="{257C8825-4A08-440A-86AB-6C8575970F32}"/>
+                  </a:ext>
+                </a:extLst>
+              </p:cNvPr>
+              <p:cNvSpPr>
+                <a:spLocks noRot="1" noChangeAspect="1" noMove="1" noResize="1" noEditPoints="1" noAdjustHandles="1" noChangeArrowheads="1" noChangeShapeType="1" noTextEdit="1"/>
+              </p:cNvSpPr>
+              <p:nvPr/>
+            </p:nvSpPr>
+            <p:spPr>
+              <a:xfrm>
+                <a:off x="4535424" y="4370832"/>
+                <a:ext cx="786384" cy="658368"/>
+              </a:xfrm>
+              <a:prstGeom prst="ellipse">
+                <a:avLst/>
+              </a:prstGeom>
+              <a:blipFill>
+                <a:blip r:embed="rId3"/>
+                <a:stretch>
+                  <a:fillRect/>
+                </a:stretch>
+              </a:blipFill>
+              <a:ln>
+                <a:solidFill>
+                  <a:srgbClr val="0070C0"/>
+                </a:solidFill>
+              </a:ln>
+            </p:spPr>
+            <p:txBody>
+              <a:bodyPr/>
+              <a:lstStyle/>
+              <a:p>
+                <a:r>
+                  <a:rPr lang="en-US">
+                    <a:noFill/>
+                  </a:rPr>
+                  <a:t> </a:t>
+                </a:r>
+              </a:p>
+            </p:txBody>
+          </p:sp>
+        </mc:Fallback>
+      </mc:AlternateContent>
+      <mc:AlternateContent xmlns:mc="http://schemas.openxmlformats.org/markup-compatibility/2006" xmlns:a14="http://schemas.microsoft.com/office/drawing/2010/main">
+        <mc:Choice Requires="a14">
+          <p:sp>
+            <p:nvSpPr>
+              <p:cNvPr id="5" name="Oval 4">
+                <a:extLst>
+                  <a:ext uri="{FF2B5EF4-FFF2-40B4-BE49-F238E27FC236}">
+                    <a16:creationId xmlns:a16="http://schemas.microsoft.com/office/drawing/2014/main" id="{26098B60-EB16-4AE7-B0ED-598685F57D49}"/>
+                  </a:ext>
+                </a:extLst>
+              </p:cNvPr>
+              <p:cNvSpPr/>
+              <p:nvPr/>
+            </p:nvSpPr>
+            <p:spPr>
+              <a:xfrm>
+                <a:off x="2578608" y="3419856"/>
+                <a:ext cx="786384" cy="658368"/>
+              </a:xfrm>
+              <a:prstGeom prst="ellipse">
+                <a:avLst/>
+              </a:prstGeom>
+              <a:solidFill>
+                <a:srgbClr val="0070C0"/>
+              </a:solidFill>
+              <a:ln>
+                <a:solidFill>
+                  <a:srgbClr val="0070C0"/>
+                </a:solidFill>
+              </a:ln>
+            </p:spPr>
+            <p:style>
+              <a:lnRef idx="2">
+                <a:schemeClr val="accent1">
+                  <a:shade val="50000"/>
+                </a:schemeClr>
+              </a:lnRef>
+              <a:fillRef idx="1">
+                <a:schemeClr val="accent1"/>
+              </a:fillRef>
+              <a:effectRef idx="0">
+                <a:schemeClr val="accent1"/>
+              </a:effectRef>
+              <a:fontRef idx="minor">
+                <a:schemeClr val="lt1"/>
+              </a:fontRef>
+            </p:style>
+            <p:txBody>
+              <a:bodyPr rtlCol="0" anchor="ctr"/>
+              <a:lstStyle/>
+              <a:p>
+                <a:pPr algn="ctr"/>
+                <a14:m>
+                  <m:oMathPara xmlns:m="http://schemas.openxmlformats.org/officeDocument/2006/math">
+                    <m:oMathParaPr>
+                      <m:jc m:val="centerGroup"/>
+                    </m:oMathParaPr>
+                    <m:oMath xmlns:m="http://schemas.openxmlformats.org/officeDocument/2006/math">
+                      <m:sSub>
+                        <m:sSubPr>
+                          <m:ctrlPr>
+                            <a:rPr lang="en-US" sz="2000" b="0" i="1" smtClean="0">
+                              <a:latin typeface="Cambria Math" panose="02040503050406030204" pitchFamily="18" charset="0"/>
+                            </a:rPr>
+                          </m:ctrlPr>
+                        </m:sSubPr>
+                        <m:e>
+                          <m:r>
+                            <a:rPr lang="en-US" sz="2000" b="0" i="1" smtClean="0">
+                              <a:latin typeface="Cambria Math" panose="02040503050406030204" pitchFamily="18" charset="0"/>
+                            </a:rPr>
+                            <m:t>𝑌</m:t>
+                          </m:r>
+                        </m:e>
+                        <m:sub>
+                          <m:r>
+                            <a:rPr lang="en-US" sz="2000" b="0" i="1" smtClean="0">
+                              <a:latin typeface="Cambria Math" panose="02040503050406030204" pitchFamily="18" charset="0"/>
+                            </a:rPr>
+                            <m:t>𝑓</m:t>
+                          </m:r>
+                        </m:sub>
+                      </m:sSub>
+                    </m:oMath>
+                  </m:oMathPara>
+                </a14:m>
+                <a:endParaRPr lang="en-US" sz="2000" dirty="0"/>
+              </a:p>
+            </p:txBody>
+          </p:sp>
+        </mc:Choice>
+        <mc:Fallback xmlns="">
+          <p:sp>
+            <p:nvSpPr>
+              <p:cNvPr id="5" name="Oval 4">
+                <a:extLst>
+                  <a:ext uri="{FF2B5EF4-FFF2-40B4-BE49-F238E27FC236}">
+                    <a16:creationId xmlns:a16="http://schemas.microsoft.com/office/drawing/2014/main" id="{26098B60-EB16-4AE7-B0ED-598685F57D49}"/>
+                  </a:ext>
+                </a:extLst>
+              </p:cNvPr>
+              <p:cNvSpPr>
+                <a:spLocks noRot="1" noChangeAspect="1" noMove="1" noResize="1" noEditPoints="1" noAdjustHandles="1" noChangeArrowheads="1" noChangeShapeType="1" noTextEdit="1"/>
+              </p:cNvSpPr>
+              <p:nvPr/>
+            </p:nvSpPr>
+            <p:spPr>
+              <a:xfrm>
+                <a:off x="2578608" y="3419856"/>
+                <a:ext cx="786384" cy="658368"/>
+              </a:xfrm>
+              <a:prstGeom prst="ellipse">
+                <a:avLst/>
+              </a:prstGeom>
+              <a:blipFill>
+                <a:blip r:embed="rId4"/>
+                <a:stretch>
+                  <a:fillRect/>
+                </a:stretch>
+              </a:blipFill>
+              <a:ln>
+                <a:solidFill>
+                  <a:srgbClr val="0070C0"/>
+                </a:solidFill>
+              </a:ln>
+            </p:spPr>
+            <p:txBody>
+              <a:bodyPr/>
+              <a:lstStyle/>
+              <a:p>
+                <a:r>
+                  <a:rPr lang="en-US">
+                    <a:noFill/>
+                  </a:rPr>
+                  <a:t> </a:t>
+                </a:r>
+              </a:p>
+            </p:txBody>
+          </p:sp>
+        </mc:Fallback>
+      </mc:AlternateContent>
+      <mc:AlternateContent xmlns:mc="http://schemas.openxmlformats.org/markup-compatibility/2006" xmlns:a14="http://schemas.microsoft.com/office/drawing/2010/main">
+        <mc:Choice Requires="a14">
+          <p:sp>
+            <p:nvSpPr>
+              <p:cNvPr id="6" name="Oval 5">
+                <a:extLst>
+                  <a:ext uri="{FF2B5EF4-FFF2-40B4-BE49-F238E27FC236}">
+                    <a16:creationId xmlns:a16="http://schemas.microsoft.com/office/drawing/2014/main" id="{F5996905-D493-472B-913C-ACDD88B8A739}"/>
+                  </a:ext>
+                </a:extLst>
+              </p:cNvPr>
+              <p:cNvSpPr/>
+              <p:nvPr/>
+            </p:nvSpPr>
+            <p:spPr>
+              <a:xfrm>
+                <a:off x="6096000" y="3264408"/>
+                <a:ext cx="2194560" cy="969264"/>
+              </a:xfrm>
+              <a:prstGeom prst="ellipse">
+                <a:avLst/>
+              </a:prstGeom>
+              <a:solidFill>
+                <a:srgbClr val="0070C0"/>
+              </a:solidFill>
+              <a:ln>
+                <a:solidFill>
+                  <a:srgbClr val="0070C0"/>
+                </a:solidFill>
+              </a:ln>
+            </p:spPr>
+            <p:style>
+              <a:lnRef idx="2">
+                <a:schemeClr val="accent1">
+                  <a:shade val="50000"/>
+                </a:schemeClr>
+              </a:lnRef>
+              <a:fillRef idx="1">
+                <a:schemeClr val="accent1"/>
+              </a:fillRef>
+              <a:effectRef idx="0">
+                <a:schemeClr val="accent1"/>
+              </a:effectRef>
+              <a:fontRef idx="minor">
+                <a:schemeClr val="lt1"/>
+              </a:fontRef>
+            </p:style>
+            <p:txBody>
+              <a:bodyPr rtlCol="0" anchor="ctr"/>
+              <a:lstStyle/>
+              <a:p>
+                <a:pPr algn="ctr"/>
+                <a14:m>
+                  <m:oMathPara xmlns:m="http://schemas.openxmlformats.org/officeDocument/2006/math">
+                    <m:oMathParaPr>
+                      <m:jc m:val="centerGroup"/>
+                    </m:oMathParaPr>
+                    <m:oMath xmlns:m="http://schemas.openxmlformats.org/officeDocument/2006/math">
+                      <m:r>
+                        <a:rPr lang="en-US" sz="2000" i="1" smtClean="0">
+                          <a:latin typeface="Cambria Math" panose="02040503050406030204" pitchFamily="18" charset="0"/>
+                          <a:ea typeface="Cambria Math" panose="02040503050406030204" pitchFamily="18" charset="0"/>
+                        </a:rPr>
+                        <m:t>×</m:t>
+                      </m:r>
+                      <m:r>
+                        <a:rPr lang="en-US" sz="2000" i="1" smtClean="0">
+                          <a:latin typeface="Cambria Math" panose="02040503050406030204" pitchFamily="18" charset="0"/>
+                          <a:ea typeface="Cambria Math" panose="02040503050406030204" pitchFamily="18" charset="0"/>
+                        </a:rPr>
+                        <m:t>𝛼</m:t>
+                      </m:r>
+                    </m:oMath>
+                  </m:oMathPara>
+                </a14:m>
+                <a:endParaRPr lang="en-US" sz="2000" dirty="0">
+                  <a:ea typeface="Cambria Math" panose="02040503050406030204" pitchFamily="18" charset="0"/>
+                </a:endParaRPr>
+              </a:p>
+              <a:p>
+                <a:pPr algn="ctr"/>
+                <a:r>
+                  <a:rPr lang="en-US" dirty="0"/>
+                  <a:t>(amplification)</a:t>
+                </a:r>
+              </a:p>
+            </p:txBody>
+          </p:sp>
+        </mc:Choice>
+        <mc:Fallback xmlns="">
+          <p:sp>
+            <p:nvSpPr>
+              <p:cNvPr id="6" name="Oval 5">
+                <a:extLst>
+                  <a:ext uri="{FF2B5EF4-FFF2-40B4-BE49-F238E27FC236}">
+                    <a16:creationId xmlns:a16="http://schemas.microsoft.com/office/drawing/2014/main" id="{F5996905-D493-472B-913C-ACDD88B8A739}"/>
+                  </a:ext>
+                </a:extLst>
+              </p:cNvPr>
+              <p:cNvSpPr>
+                <a:spLocks noRot="1" noChangeAspect="1" noMove="1" noResize="1" noEditPoints="1" noAdjustHandles="1" noChangeArrowheads="1" noChangeShapeType="1" noTextEdit="1"/>
+              </p:cNvSpPr>
+              <p:nvPr/>
+            </p:nvSpPr>
+            <p:spPr>
+              <a:xfrm>
+                <a:off x="6096000" y="3264408"/>
+                <a:ext cx="2194560" cy="969264"/>
+              </a:xfrm>
+              <a:prstGeom prst="ellipse">
+                <a:avLst/>
+              </a:prstGeom>
+              <a:blipFill>
+                <a:blip r:embed="rId5"/>
+                <a:stretch>
+                  <a:fillRect/>
+                </a:stretch>
+              </a:blipFill>
+              <a:ln>
+                <a:solidFill>
+                  <a:srgbClr val="0070C0"/>
+                </a:solidFill>
+              </a:ln>
+            </p:spPr>
+            <p:txBody>
+              <a:bodyPr/>
+              <a:lstStyle/>
+              <a:p>
+                <a:r>
+                  <a:rPr lang="en-US">
+                    <a:noFill/>
+                  </a:rPr>
+                  <a:t> </a:t>
+                </a:r>
+              </a:p>
+            </p:txBody>
+          </p:sp>
+        </mc:Fallback>
+      </mc:AlternateContent>
+      <mc:AlternateContent xmlns:mc="http://schemas.openxmlformats.org/markup-compatibility/2006" xmlns:a14="http://schemas.microsoft.com/office/drawing/2010/main">
+        <mc:Choice Requires="a14">
+          <p:sp>
+            <p:nvSpPr>
+              <p:cNvPr id="7" name="Oval 6">
+                <a:extLst>
+                  <a:ext uri="{FF2B5EF4-FFF2-40B4-BE49-F238E27FC236}">
+                    <a16:creationId xmlns:a16="http://schemas.microsoft.com/office/drawing/2014/main" id="{D7F9609A-899D-4DCF-8378-487F4718744F}"/>
+                  </a:ext>
+                </a:extLst>
+              </p:cNvPr>
+              <p:cNvSpPr/>
+              <p:nvPr/>
+            </p:nvSpPr>
+            <p:spPr>
+              <a:xfrm>
+                <a:off x="8827008" y="3419856"/>
+                <a:ext cx="786384" cy="658368"/>
+              </a:xfrm>
+              <a:prstGeom prst="ellipse">
+                <a:avLst/>
+              </a:prstGeom>
+              <a:solidFill>
+                <a:srgbClr val="0070C0"/>
+              </a:solidFill>
+              <a:ln>
+                <a:solidFill>
+                  <a:srgbClr val="0070C0"/>
+                </a:solidFill>
+              </a:ln>
+            </p:spPr>
+            <p:style>
+              <a:lnRef idx="2">
+                <a:schemeClr val="accent1">
+                  <a:shade val="50000"/>
+                </a:schemeClr>
+              </a:lnRef>
+              <a:fillRef idx="1">
+                <a:schemeClr val="accent1"/>
+              </a:fillRef>
+              <a:effectRef idx="0">
+                <a:schemeClr val="accent1"/>
+              </a:effectRef>
+              <a:fontRef idx="minor">
+                <a:schemeClr val="lt1"/>
+              </a:fontRef>
+            </p:style>
+            <p:txBody>
+              <a:bodyPr rtlCol="0" anchor="ctr"/>
+              <a:lstStyle/>
+              <a:p>
+                <a:pPr algn="ctr"/>
+                <a14:m>
+                  <m:oMathPara xmlns:m="http://schemas.openxmlformats.org/officeDocument/2006/math">
+                    <m:oMathParaPr>
+                      <m:jc m:val="centerGroup"/>
+                    </m:oMathParaPr>
+                    <m:oMath xmlns:m="http://schemas.openxmlformats.org/officeDocument/2006/math">
+                      <m:sSub>
+                        <m:sSubPr>
+                          <m:ctrlPr>
+                            <a:rPr lang="en-US" sz="2000" b="0" i="1" smtClean="0">
+                              <a:latin typeface="Cambria Math" panose="02040503050406030204" pitchFamily="18" charset="0"/>
+                            </a:rPr>
+                          </m:ctrlPr>
+                        </m:sSubPr>
+                        <m:e>
+                          <m:r>
+                            <a:rPr lang="en-US" sz="2000" b="0" i="1" smtClean="0">
+                              <a:latin typeface="Cambria Math" panose="02040503050406030204" pitchFamily="18" charset="0"/>
+                            </a:rPr>
+                            <m:t>𝑌</m:t>
+                          </m:r>
+                        </m:e>
+                        <m:sub>
+                          <m:r>
+                            <a:rPr lang="en-US" sz="2000" b="0" i="1" smtClean="0">
+                              <a:latin typeface="Cambria Math" panose="02040503050406030204" pitchFamily="18" charset="0"/>
+                            </a:rPr>
+                            <m:t>𝑚</m:t>
+                          </m:r>
+                        </m:sub>
+                      </m:sSub>
+                    </m:oMath>
+                  </m:oMathPara>
+                </a14:m>
+                <a:endParaRPr lang="en-US" sz="2000" dirty="0"/>
+              </a:p>
+            </p:txBody>
+          </p:sp>
+        </mc:Choice>
+        <mc:Fallback xmlns="">
+          <p:sp>
+            <p:nvSpPr>
+              <p:cNvPr id="7" name="Oval 6">
+                <a:extLst>
+                  <a:ext uri="{FF2B5EF4-FFF2-40B4-BE49-F238E27FC236}">
+                    <a16:creationId xmlns:a16="http://schemas.microsoft.com/office/drawing/2014/main" id="{D7F9609A-899D-4DCF-8378-487F4718744F}"/>
+                  </a:ext>
+                </a:extLst>
+              </p:cNvPr>
+              <p:cNvSpPr>
+                <a:spLocks noRot="1" noChangeAspect="1" noMove="1" noResize="1" noEditPoints="1" noAdjustHandles="1" noChangeArrowheads="1" noChangeShapeType="1" noTextEdit="1"/>
+              </p:cNvSpPr>
+              <p:nvPr/>
+            </p:nvSpPr>
+            <p:spPr>
+              <a:xfrm>
+                <a:off x="8827008" y="3419856"/>
+                <a:ext cx="786384" cy="658368"/>
+              </a:xfrm>
+              <a:prstGeom prst="ellipse">
+                <a:avLst/>
+              </a:prstGeom>
+              <a:blipFill>
+                <a:blip r:embed="rId6"/>
+                <a:stretch>
+                  <a:fillRect/>
+                </a:stretch>
+              </a:blipFill>
+              <a:ln>
+                <a:solidFill>
+                  <a:srgbClr val="0070C0"/>
+                </a:solidFill>
+              </a:ln>
+            </p:spPr>
+            <p:txBody>
+              <a:bodyPr/>
+              <a:lstStyle/>
+              <a:p>
+                <a:r>
+                  <a:rPr lang="en-US">
+                    <a:noFill/>
+                  </a:rPr>
+                  <a:t> </a:t>
+                </a:r>
+              </a:p>
+            </p:txBody>
+          </p:sp>
+        </mc:Fallback>
+      </mc:AlternateContent>
+      <p:pic>
+        <p:nvPicPr>
+          <p:cNvPr id="8" name="Picture 2" descr="Sexual dimorphism - Wikipedia">
+            <a:extLst>
+              <a:ext uri="{FF2B5EF4-FFF2-40B4-BE49-F238E27FC236}">
+                <a16:creationId xmlns:a16="http://schemas.microsoft.com/office/drawing/2014/main" id="{D2D0B358-75E9-4AEE-B2F8-C572FEFB51F6}"/>
+              </a:ext>
+            </a:extLst>
+          </p:cNvPr>
+          <p:cNvPicPr>
+            <a:picLocks noChangeAspect="1" noChangeArrowheads="1"/>
+          </p:cNvPicPr>
+          <p:nvPr/>
+        </p:nvPicPr>
+        <p:blipFill rotWithShape="1">
+          <a:blip r:embed="rId7">
+            <a:extLst>
+              <a:ext uri="{28A0092B-C50C-407E-A947-70E740481C1C}">
+                <a14:useLocalDpi xmlns:a14="http://schemas.microsoft.com/office/drawing/2010/main" val="0"/>
+              </a:ext>
+            </a:extLst>
+          </a:blip>
+          <a:srcRect l="48963" t="17597" r="12439"/>
+          <a:stretch/>
+        </p:blipFill>
+        <p:spPr bwMode="auto">
+          <a:xfrm>
+            <a:off x="289560" y="2357798"/>
+            <a:ext cx="1929384" cy="3089318"/>
+          </a:xfrm>
+          <a:prstGeom prst="rect">
+            <a:avLst/>
+          </a:prstGeom>
+          <a:noFill/>
+          <a:extLst>
+            <a:ext uri="{909E8E84-426E-40DD-AFC4-6F175D3DCCD1}">
+              <a14:hiddenFill xmlns:a14="http://schemas.microsoft.com/office/drawing/2010/main">
+                <a:solidFill>
+                  <a:srgbClr val="FFFFFF"/>
+                </a:solidFill>
+              </a14:hiddenFill>
+            </a:ext>
+          </a:extLst>
+        </p:spPr>
+      </p:pic>
+      <p:pic>
+        <p:nvPicPr>
+          <p:cNvPr id="9" name="Picture 2" descr="Sexual dimorphism - Wikipedia">
+            <a:extLst>
+              <a:ext uri="{FF2B5EF4-FFF2-40B4-BE49-F238E27FC236}">
+                <a16:creationId xmlns:a16="http://schemas.microsoft.com/office/drawing/2014/main" id="{7C921C19-5FA6-45D1-A8C6-48D1C77E497F}"/>
+              </a:ext>
+            </a:extLst>
+          </p:cNvPr>
+          <p:cNvPicPr>
+            <a:picLocks noChangeAspect="1" noChangeArrowheads="1"/>
+          </p:cNvPicPr>
+          <p:nvPr/>
+        </p:nvPicPr>
+        <p:blipFill rotWithShape="1">
+          <a:blip r:embed="rId7">
+            <a:extLst>
+              <a:ext uri="{28A0092B-C50C-407E-A947-70E740481C1C}">
+                <a14:useLocalDpi xmlns:a14="http://schemas.microsoft.com/office/drawing/2010/main" val="0"/>
+              </a:ext>
+            </a:extLst>
+          </a:blip>
+          <a:srcRect l="14451" t="13659" r="50244"/>
+          <a:stretch/>
+        </p:blipFill>
+        <p:spPr bwMode="auto">
+          <a:xfrm>
+            <a:off x="10094976" y="2357798"/>
+            <a:ext cx="1764792" cy="3236976"/>
+          </a:xfrm>
+          <a:prstGeom prst="rect">
+            <a:avLst/>
+          </a:prstGeom>
+          <a:noFill/>
+          <a:extLst>
+            <a:ext uri="{909E8E84-426E-40DD-AFC4-6F175D3DCCD1}">
+              <a14:hiddenFill xmlns:a14="http://schemas.microsoft.com/office/drawing/2010/main">
+                <a:solidFill>
+                  <a:srgbClr val="FFFFFF"/>
+                </a:solidFill>
+              </a14:hiddenFill>
+            </a:ext>
+          </a:extLst>
+        </p:spPr>
+      </p:pic>
+      <p:cxnSp>
+        <p:nvCxnSpPr>
+          <p:cNvPr id="11" name="Straight Arrow Connector 10">
+            <a:extLst>
+              <a:ext uri="{FF2B5EF4-FFF2-40B4-BE49-F238E27FC236}">
+                <a16:creationId xmlns:a16="http://schemas.microsoft.com/office/drawing/2014/main" id="{6B53E769-9CE9-4A02-823E-C6CD932A8ACF}"/>
+              </a:ext>
+            </a:extLst>
+          </p:cNvPr>
+          <p:cNvCxnSpPr>
+            <a:stCxn id="3" idx="2"/>
+            <a:endCxn id="5" idx="7"/>
+          </p:cNvCxnSpPr>
+          <p:nvPr/>
+        </p:nvCxnSpPr>
+        <p:spPr>
+          <a:xfrm flipH="1">
+            <a:off x="3249829" y="2761488"/>
+            <a:ext cx="1285595" cy="754784"/>
+          </a:xfrm>
+          <a:prstGeom prst="straightConnector1">
+            <a:avLst/>
+          </a:prstGeom>
+          <a:ln w="38100">
+            <a:solidFill>
+              <a:srgbClr val="0070C0"/>
+            </a:solidFill>
+            <a:tailEnd type="triangle"/>
+          </a:ln>
+        </p:spPr>
+        <p:style>
+          <a:lnRef idx="1">
+            <a:schemeClr val="accent1"/>
+          </a:lnRef>
+          <a:fillRef idx="0">
+            <a:schemeClr val="accent1"/>
+          </a:fillRef>
+          <a:effectRef idx="0">
+            <a:schemeClr val="accent1"/>
+          </a:effectRef>
+          <a:fontRef idx="minor">
+            <a:schemeClr val="tx1"/>
+          </a:fontRef>
+        </p:style>
+      </p:cxnSp>
+      <p:cxnSp>
+        <p:nvCxnSpPr>
+          <p:cNvPr id="15" name="Straight Arrow Connector 14">
+            <a:extLst>
+              <a:ext uri="{FF2B5EF4-FFF2-40B4-BE49-F238E27FC236}">
+                <a16:creationId xmlns:a16="http://schemas.microsoft.com/office/drawing/2014/main" id="{94AAFE56-BF76-452C-A91A-6E33AB54E102}"/>
+              </a:ext>
+            </a:extLst>
+          </p:cNvPr>
+          <p:cNvCxnSpPr>
+            <a:stCxn id="4" idx="2"/>
+            <a:endCxn id="5" idx="6"/>
+          </p:cNvCxnSpPr>
+          <p:nvPr/>
+        </p:nvCxnSpPr>
+        <p:spPr>
+          <a:xfrm flipH="1" flipV="1">
+            <a:off x="3364992" y="3749040"/>
+            <a:ext cx="1170432" cy="950976"/>
+          </a:xfrm>
+          <a:prstGeom prst="straightConnector1">
+            <a:avLst/>
+          </a:prstGeom>
+          <a:ln w="38100">
+            <a:solidFill>
+              <a:srgbClr val="0070C0"/>
+            </a:solidFill>
+            <a:tailEnd type="triangle"/>
+          </a:ln>
+        </p:spPr>
+        <p:style>
+          <a:lnRef idx="1">
+            <a:schemeClr val="accent1"/>
+          </a:lnRef>
+          <a:fillRef idx="0">
+            <a:schemeClr val="accent1"/>
+          </a:fillRef>
+          <a:effectRef idx="0">
+            <a:schemeClr val="accent1"/>
+          </a:effectRef>
+          <a:fontRef idx="minor">
+            <a:schemeClr val="tx1"/>
+          </a:fontRef>
+        </p:style>
+      </p:cxnSp>
+      <p:cxnSp>
+        <p:nvCxnSpPr>
+          <p:cNvPr id="17" name="Straight Arrow Connector 16">
+            <a:extLst>
+              <a:ext uri="{FF2B5EF4-FFF2-40B4-BE49-F238E27FC236}">
+                <a16:creationId xmlns:a16="http://schemas.microsoft.com/office/drawing/2014/main" id="{98A81D85-DE6A-4965-9911-73B1F5E9EBA2}"/>
+              </a:ext>
+            </a:extLst>
+          </p:cNvPr>
+          <p:cNvCxnSpPr>
+            <a:stCxn id="3" idx="6"/>
+          </p:cNvCxnSpPr>
+          <p:nvPr/>
+        </p:nvCxnSpPr>
+        <p:spPr>
+          <a:xfrm>
+            <a:off x="5321808" y="2761488"/>
+            <a:ext cx="886968" cy="754784"/>
+          </a:xfrm>
+          <a:prstGeom prst="straightConnector1">
+            <a:avLst/>
+          </a:prstGeom>
+          <a:ln w="38100">
+            <a:solidFill>
+              <a:srgbClr val="0070C0"/>
+            </a:solidFill>
+            <a:tailEnd type="triangle"/>
+          </a:ln>
+        </p:spPr>
+        <p:style>
+          <a:lnRef idx="1">
+            <a:schemeClr val="accent1"/>
+          </a:lnRef>
+          <a:fillRef idx="0">
+            <a:schemeClr val="accent1"/>
+          </a:fillRef>
+          <a:effectRef idx="0">
+            <a:schemeClr val="accent1"/>
+          </a:effectRef>
+          <a:fontRef idx="minor">
+            <a:schemeClr val="tx1"/>
+          </a:fontRef>
+        </p:style>
+      </p:cxnSp>
+      <p:cxnSp>
+        <p:nvCxnSpPr>
+          <p:cNvPr id="19" name="Straight Arrow Connector 18">
+            <a:extLst>
+              <a:ext uri="{FF2B5EF4-FFF2-40B4-BE49-F238E27FC236}">
+                <a16:creationId xmlns:a16="http://schemas.microsoft.com/office/drawing/2014/main" id="{D29F67C1-278E-4793-BB2D-B5091CDE30DD}"/>
+              </a:ext>
+            </a:extLst>
+          </p:cNvPr>
+          <p:cNvCxnSpPr>
+            <a:stCxn id="4" idx="6"/>
+            <a:endCxn id="6" idx="2"/>
+          </p:cNvCxnSpPr>
+          <p:nvPr/>
+        </p:nvCxnSpPr>
+        <p:spPr>
+          <a:xfrm flipV="1">
+            <a:off x="5321808" y="3749040"/>
+            <a:ext cx="774192" cy="950976"/>
+          </a:xfrm>
+          <a:prstGeom prst="straightConnector1">
+            <a:avLst/>
+          </a:prstGeom>
+          <a:ln w="38100">
+            <a:solidFill>
+              <a:srgbClr val="0070C0"/>
+            </a:solidFill>
+            <a:tailEnd type="triangle"/>
+          </a:ln>
+        </p:spPr>
+        <p:style>
+          <a:lnRef idx="1">
+            <a:schemeClr val="accent1"/>
+          </a:lnRef>
+          <a:fillRef idx="0">
+            <a:schemeClr val="accent1"/>
+          </a:fillRef>
+          <a:effectRef idx="0">
+            <a:schemeClr val="accent1"/>
+          </a:effectRef>
+          <a:fontRef idx="minor">
+            <a:schemeClr val="tx1"/>
+          </a:fontRef>
+        </p:style>
+      </p:cxnSp>
+      <p:cxnSp>
+        <p:nvCxnSpPr>
+          <p:cNvPr id="21" name="Straight Arrow Connector 20">
+            <a:extLst>
+              <a:ext uri="{FF2B5EF4-FFF2-40B4-BE49-F238E27FC236}">
+                <a16:creationId xmlns:a16="http://schemas.microsoft.com/office/drawing/2014/main" id="{6F7116E7-1B55-44C3-9DA8-86384C446691}"/>
+              </a:ext>
+            </a:extLst>
+          </p:cNvPr>
+          <p:cNvCxnSpPr>
+            <a:stCxn id="6" idx="6"/>
+            <a:endCxn id="7" idx="2"/>
+          </p:cNvCxnSpPr>
+          <p:nvPr/>
+        </p:nvCxnSpPr>
+        <p:spPr>
+          <a:xfrm>
+            <a:off x="8290560" y="3749040"/>
+            <a:ext cx="536448" cy="0"/>
+          </a:xfrm>
+          <a:prstGeom prst="straightConnector1">
+            <a:avLst/>
+          </a:prstGeom>
+          <a:ln w="38100">
+            <a:solidFill>
+              <a:srgbClr val="0070C0"/>
+            </a:solidFill>
+            <a:tailEnd type="triangle"/>
+          </a:ln>
+        </p:spPr>
+        <p:style>
+          <a:lnRef idx="1">
+            <a:schemeClr val="accent1"/>
+          </a:lnRef>
+          <a:fillRef idx="0">
+            <a:schemeClr val="accent1"/>
+          </a:fillRef>
+          <a:effectRef idx="0">
+            <a:schemeClr val="accent1"/>
+          </a:effectRef>
+          <a:fontRef idx="minor">
+            <a:schemeClr val="tx1"/>
+          </a:fontRef>
+        </p:style>
+      </p:cxnSp>
+      <p:sp>
+        <p:nvSpPr>
+          <p:cNvPr id="22" name="Plus Sign 21">
+            <a:extLst>
+              <a:ext uri="{FF2B5EF4-FFF2-40B4-BE49-F238E27FC236}">
+                <a16:creationId xmlns:a16="http://schemas.microsoft.com/office/drawing/2014/main" id="{BDD115A4-ACFC-49FD-B139-890AA077516E}"/>
+              </a:ext>
+            </a:extLst>
+          </p:cNvPr>
+          <p:cNvSpPr/>
+          <p:nvPr/>
+        </p:nvSpPr>
+        <p:spPr>
+          <a:xfrm>
+            <a:off x="3493008" y="3489244"/>
+            <a:ext cx="280416" cy="232768"/>
+          </a:xfrm>
+          <a:prstGeom prst="mathPlus">
+            <a:avLst/>
+          </a:prstGeom>
+          <a:solidFill>
+            <a:srgbClr val="0070C0"/>
+          </a:solidFill>
+          <a:ln>
+            <a:solidFill>
+              <a:srgbClr val="0070C0"/>
+            </a:solidFill>
+          </a:ln>
+        </p:spPr>
+        <p:style>
+          <a:lnRef idx="2">
+            <a:schemeClr val="accent1">
+              <a:shade val="50000"/>
+            </a:schemeClr>
+          </a:lnRef>
+          <a:fillRef idx="1">
+            <a:schemeClr val="accent1"/>
+          </a:fillRef>
+          <a:effectRef idx="0">
+            <a:schemeClr val="accent1"/>
+          </a:effectRef>
+          <a:fontRef idx="minor">
+            <a:schemeClr val="lt1"/>
+          </a:fontRef>
+        </p:style>
+        <p:txBody>
+          <a:bodyPr rtlCol="0" anchor="ctr"/>
+          <a:lstStyle/>
+          <a:p>
+            <a:pPr algn="ctr"/>
             <a:endParaRPr lang="en-US"/>
+          </a:p>
+        </p:txBody>
+      </p:sp>
+      <p:sp>
+        <p:nvSpPr>
+          <p:cNvPr id="23" name="Plus Sign 22">
+            <a:extLst>
+              <a:ext uri="{FF2B5EF4-FFF2-40B4-BE49-F238E27FC236}">
+                <a16:creationId xmlns:a16="http://schemas.microsoft.com/office/drawing/2014/main" id="{F19CF2D0-D388-483A-836A-54C235041E76}"/>
+              </a:ext>
+            </a:extLst>
+          </p:cNvPr>
+          <p:cNvSpPr/>
+          <p:nvPr/>
+        </p:nvSpPr>
+        <p:spPr>
+          <a:xfrm>
+            <a:off x="5736336" y="3489244"/>
+            <a:ext cx="280416" cy="232768"/>
+          </a:xfrm>
+          <a:prstGeom prst="mathPlus">
+            <a:avLst/>
+          </a:prstGeom>
+          <a:solidFill>
+            <a:srgbClr val="0070C0"/>
+          </a:solidFill>
+          <a:ln>
+            <a:solidFill>
+              <a:srgbClr val="0070C0"/>
+            </a:solidFill>
+          </a:ln>
+        </p:spPr>
+        <p:style>
+          <a:lnRef idx="2">
+            <a:schemeClr val="accent1">
+              <a:shade val="50000"/>
+            </a:schemeClr>
+          </a:lnRef>
+          <a:fillRef idx="1">
+            <a:schemeClr val="accent1"/>
+          </a:fillRef>
+          <a:effectRef idx="0">
+            <a:schemeClr val="accent1"/>
+          </a:effectRef>
+          <a:fontRef idx="minor">
+            <a:schemeClr val="lt1"/>
+          </a:fontRef>
+        </p:style>
+        <p:txBody>
+          <a:bodyPr rtlCol="0" anchor="ctr"/>
+          <a:lstStyle/>
+          <a:p>
+            <a:pPr algn="ctr"/>
+            <a:endParaRPr lang="en-US"/>
+          </a:p>
+        </p:txBody>
+      </p:sp>
+      <p:sp>
+        <p:nvSpPr>
+          <p:cNvPr id="24" name="TextBox 23">
+            <a:extLst>
+              <a:ext uri="{FF2B5EF4-FFF2-40B4-BE49-F238E27FC236}">
+                <a16:creationId xmlns:a16="http://schemas.microsoft.com/office/drawing/2014/main" id="{FBF3BCFD-30A9-418D-AC72-A7AAFD85F43A}"/>
+              </a:ext>
+            </a:extLst>
+          </p:cNvPr>
+          <p:cNvSpPr txBox="1"/>
+          <p:nvPr/>
+        </p:nvSpPr>
+        <p:spPr>
+          <a:xfrm>
+            <a:off x="2390293" y="1949672"/>
+            <a:ext cx="1719072" cy="369332"/>
+          </a:xfrm>
+          <a:prstGeom prst="rect">
+            <a:avLst/>
+          </a:prstGeom>
+          <a:noFill/>
+        </p:spPr>
+        <p:txBody>
+          <a:bodyPr wrap="square" rtlCol="0">
+            <a:spAutoFit/>
+          </a:bodyPr>
+          <a:lstStyle/>
+          <a:p>
+            <a:r>
+              <a:rPr lang="en-US" dirty="0"/>
+              <a:t>Female</a:t>
+            </a:r>
+          </a:p>
+        </p:txBody>
+      </p:sp>
+      <p:sp>
+        <p:nvSpPr>
+          <p:cNvPr id="25" name="TextBox 24">
+            <a:extLst>
+              <a:ext uri="{FF2B5EF4-FFF2-40B4-BE49-F238E27FC236}">
+                <a16:creationId xmlns:a16="http://schemas.microsoft.com/office/drawing/2014/main" id="{B6BDEA69-3CCA-4EC8-BD6E-C1D787CD7232}"/>
+              </a:ext>
+            </a:extLst>
+          </p:cNvPr>
+          <p:cNvSpPr txBox="1"/>
+          <p:nvPr/>
+        </p:nvSpPr>
+        <p:spPr>
+          <a:xfrm>
+            <a:off x="9258300" y="1949672"/>
+            <a:ext cx="1719072" cy="369332"/>
+          </a:xfrm>
+          <a:prstGeom prst="rect">
+            <a:avLst/>
+          </a:prstGeom>
+          <a:noFill/>
+        </p:spPr>
+        <p:txBody>
+          <a:bodyPr wrap="square" rtlCol="0">
+            <a:spAutoFit/>
+          </a:bodyPr>
+          <a:lstStyle/>
+          <a:p>
+            <a:r>
+              <a:rPr lang="en-US" dirty="0"/>
+              <a:t>Male</a:t>
+            </a:r>
           </a:p>
         </p:txBody>
       </p:sp>
     </p:spTree>
     <p:extLst>
       <p:ext uri="{BB962C8B-B14F-4D97-AF65-F5344CB8AC3E}">
-        <p14:creationId xmlns:p14="http://schemas.microsoft.com/office/powerpoint/2010/main" val="2613732035"/>
+        <p14:creationId xmlns:p14="http://schemas.microsoft.com/office/powerpoint/2010/main" val="2422291838"/>
+      </p:ext>
+    </p:extLst>
+  </p:cSld>
+  <p:clrMapOvr>
+    <a:masterClrMapping/>
+  </p:clrMapOvr>
+</p:sld>
+</file>
+
+<file path=ppt/slides/slide16.xml><?xml version="1.0" encoding="utf-8"?>
+<p:sld xmlns:a="http://schemas.openxmlformats.org/drawingml/2006/main" xmlns:r="http://schemas.openxmlformats.org/officeDocument/2006/relationships" xmlns:p="http://schemas.openxmlformats.org/presentationml/2006/main">
+  <p:cSld>
+    <p:spTree>
+      <p:nvGrpSpPr>
+        <p:cNvPr id="1" name=""/>
+        <p:cNvGrpSpPr/>
+        <p:nvPr/>
+      </p:nvGrpSpPr>
+      <p:grpSpPr>
+        <a:xfrm>
+          <a:off x="0" y="0"/>
+          <a:ext cx="0" cy="0"/>
+          <a:chOff x="0" y="0"/>
+          <a:chExt cx="0" cy="0"/>
+        </a:xfrm>
+      </p:grpSpPr>
+      <p:sp>
+        <p:nvSpPr>
+          <p:cNvPr id="2" name="Title 1">
+            <a:extLst>
+              <a:ext uri="{FF2B5EF4-FFF2-40B4-BE49-F238E27FC236}">
+                <a16:creationId xmlns:a16="http://schemas.microsoft.com/office/drawing/2014/main" id="{93740497-733E-42FF-BE5D-1F7DA2640C67}"/>
+              </a:ext>
+            </a:extLst>
+          </p:cNvPr>
+          <p:cNvSpPr>
+            <a:spLocks noGrp="1"/>
+          </p:cNvSpPr>
+          <p:nvPr>
+            <p:ph type="title"/>
+          </p:nvPr>
+        </p:nvSpPr>
+        <p:spPr/>
+        <p:txBody>
+          <a:bodyPr/>
+          <a:lstStyle/>
+          <a:p>
+            <a:r>
+              <a:rPr lang="en-US" dirty="0"/>
+              <a:t>Appendix E—Amplification of Genetic and Environmental Variance Model </a:t>
+            </a:r>
+            <a:r>
+              <a:rPr lang="en-US" dirty="0" err="1"/>
+              <a:t>pt</a:t>
+            </a:r>
+            <a:r>
+              <a:rPr lang="en-US" dirty="0"/>
+              <a:t> 2</a:t>
+            </a:r>
+          </a:p>
+        </p:txBody>
+      </p:sp>
+      <p:sp>
+        <p:nvSpPr>
+          <p:cNvPr id="12" name="Rectangle 11">
+            <a:extLst>
+              <a:ext uri="{FF2B5EF4-FFF2-40B4-BE49-F238E27FC236}">
+                <a16:creationId xmlns:a16="http://schemas.microsoft.com/office/drawing/2014/main" id="{DF5065D0-079A-4A62-92F2-FE6B690E7FAD}"/>
+              </a:ext>
+            </a:extLst>
+          </p:cNvPr>
+          <p:cNvSpPr/>
+          <p:nvPr/>
+        </p:nvSpPr>
+        <p:spPr>
+          <a:xfrm>
+            <a:off x="1821841" y="2788920"/>
+            <a:ext cx="1444752" cy="713232"/>
+          </a:xfrm>
+          <a:prstGeom prst="rect">
+            <a:avLst/>
+          </a:prstGeom>
+        </p:spPr>
+        <p:style>
+          <a:lnRef idx="2">
+            <a:schemeClr val="accent1">
+              <a:shade val="50000"/>
+            </a:schemeClr>
+          </a:lnRef>
+          <a:fillRef idx="1">
+            <a:schemeClr val="accent1"/>
+          </a:fillRef>
+          <a:effectRef idx="0">
+            <a:schemeClr val="accent1"/>
+          </a:effectRef>
+          <a:fontRef idx="minor">
+            <a:schemeClr val="lt1"/>
+          </a:fontRef>
+        </p:style>
+        <p:txBody>
+          <a:bodyPr rtlCol="0" anchor="ctr"/>
+          <a:lstStyle/>
+          <a:p>
+            <a:pPr algn="ctr"/>
+            <a:r>
+              <a:rPr lang="en-US" dirty="0"/>
+              <a:t>Genetic Regulation</a:t>
+            </a:r>
+          </a:p>
+        </p:txBody>
+      </p:sp>
+      <p:sp>
+        <p:nvSpPr>
+          <p:cNvPr id="13" name="Rectangle 12">
+            <a:extLst>
+              <a:ext uri="{FF2B5EF4-FFF2-40B4-BE49-F238E27FC236}">
+                <a16:creationId xmlns:a16="http://schemas.microsoft.com/office/drawing/2014/main" id="{8FA1AD3E-2964-4589-BCF9-EE0BB6447B9A}"/>
+              </a:ext>
+            </a:extLst>
+          </p:cNvPr>
+          <p:cNvSpPr/>
+          <p:nvPr/>
+        </p:nvSpPr>
+        <p:spPr>
+          <a:xfrm>
+            <a:off x="3977640" y="3657600"/>
+            <a:ext cx="1426464" cy="832104"/>
+          </a:xfrm>
+          <a:prstGeom prst="rect">
+            <a:avLst/>
+          </a:prstGeom>
+        </p:spPr>
+        <p:style>
+          <a:lnRef idx="2">
+            <a:schemeClr val="accent1">
+              <a:shade val="50000"/>
+            </a:schemeClr>
+          </a:lnRef>
+          <a:fillRef idx="1">
+            <a:schemeClr val="accent1"/>
+          </a:fillRef>
+          <a:effectRef idx="0">
+            <a:schemeClr val="accent1"/>
+          </a:effectRef>
+          <a:fontRef idx="minor">
+            <a:schemeClr val="lt1"/>
+          </a:fontRef>
+        </p:style>
+        <p:txBody>
+          <a:bodyPr rtlCol="0" anchor="ctr"/>
+          <a:lstStyle/>
+          <a:p>
+            <a:pPr algn="ctr"/>
+            <a:r>
+              <a:rPr lang="en-US" dirty="0"/>
+              <a:t>Core gene affecting BMI</a:t>
+            </a:r>
+          </a:p>
+        </p:txBody>
+      </p:sp>
+      <p:sp>
+        <p:nvSpPr>
+          <p:cNvPr id="26" name="Rectangle 25">
+            <a:extLst>
+              <a:ext uri="{FF2B5EF4-FFF2-40B4-BE49-F238E27FC236}">
+                <a16:creationId xmlns:a16="http://schemas.microsoft.com/office/drawing/2014/main" id="{A44BF726-AD4E-48B3-8426-63A3CBE94BC6}"/>
+              </a:ext>
+            </a:extLst>
+          </p:cNvPr>
+          <p:cNvSpPr/>
+          <p:nvPr/>
+        </p:nvSpPr>
+        <p:spPr>
+          <a:xfrm>
+            <a:off x="6126480" y="3621024"/>
+            <a:ext cx="1584960" cy="905256"/>
+          </a:xfrm>
+          <a:prstGeom prst="rect">
+            <a:avLst/>
+          </a:prstGeom>
+        </p:spPr>
+        <p:style>
+          <a:lnRef idx="2">
+            <a:schemeClr val="accent1">
+              <a:shade val="50000"/>
+            </a:schemeClr>
+          </a:lnRef>
+          <a:fillRef idx="1">
+            <a:schemeClr val="accent1"/>
+          </a:fillRef>
+          <a:effectRef idx="0">
+            <a:schemeClr val="accent1"/>
+          </a:effectRef>
+          <a:fontRef idx="minor">
+            <a:schemeClr val="lt1"/>
+          </a:fontRef>
+        </p:style>
+        <p:txBody>
+          <a:bodyPr rtlCol="0" anchor="ctr"/>
+          <a:lstStyle/>
+          <a:p>
+            <a:pPr algn="ctr"/>
+            <a:r>
+              <a:rPr lang="en-US" dirty="0"/>
+              <a:t>Effect size of core gene</a:t>
+            </a:r>
+          </a:p>
+        </p:txBody>
+      </p:sp>
+      <p:sp>
+        <p:nvSpPr>
+          <p:cNvPr id="27" name="Rectangle 26">
+            <a:extLst>
+              <a:ext uri="{FF2B5EF4-FFF2-40B4-BE49-F238E27FC236}">
+                <a16:creationId xmlns:a16="http://schemas.microsoft.com/office/drawing/2014/main" id="{F9F96127-9CED-475E-B2F0-5FA078FA68F2}"/>
+              </a:ext>
+            </a:extLst>
+          </p:cNvPr>
+          <p:cNvSpPr/>
+          <p:nvPr/>
+        </p:nvSpPr>
+        <p:spPr>
+          <a:xfrm>
+            <a:off x="8433816" y="3717036"/>
+            <a:ext cx="1298448" cy="713232"/>
+          </a:xfrm>
+          <a:prstGeom prst="rect">
+            <a:avLst/>
+          </a:prstGeom>
+        </p:spPr>
+        <p:style>
+          <a:lnRef idx="2">
+            <a:schemeClr val="accent1">
+              <a:shade val="50000"/>
+            </a:schemeClr>
+          </a:lnRef>
+          <a:fillRef idx="1">
+            <a:schemeClr val="accent1"/>
+          </a:fillRef>
+          <a:effectRef idx="0">
+            <a:schemeClr val="accent1"/>
+          </a:effectRef>
+          <a:fontRef idx="minor">
+            <a:schemeClr val="lt1"/>
+          </a:fontRef>
+        </p:style>
+        <p:txBody>
+          <a:bodyPr rtlCol="0" anchor="ctr"/>
+          <a:lstStyle/>
+          <a:p>
+            <a:pPr algn="ctr"/>
+            <a:r>
+              <a:rPr lang="en-US" dirty="0"/>
+              <a:t>BMI</a:t>
+            </a:r>
+          </a:p>
+        </p:txBody>
+      </p:sp>
+      <p:sp>
+        <p:nvSpPr>
+          <p:cNvPr id="28" name="Rectangle 27">
+            <a:extLst>
+              <a:ext uri="{FF2B5EF4-FFF2-40B4-BE49-F238E27FC236}">
+                <a16:creationId xmlns:a16="http://schemas.microsoft.com/office/drawing/2014/main" id="{DFEDFD4B-2209-4821-8765-C59B2AA39BA8}"/>
+              </a:ext>
+            </a:extLst>
+          </p:cNvPr>
+          <p:cNvSpPr/>
+          <p:nvPr/>
+        </p:nvSpPr>
+        <p:spPr>
+          <a:xfrm>
+            <a:off x="1694486" y="4562856"/>
+            <a:ext cx="1670506" cy="896112"/>
+          </a:xfrm>
+          <a:prstGeom prst="rect">
+            <a:avLst/>
+          </a:prstGeom>
+        </p:spPr>
+        <p:style>
+          <a:lnRef idx="2">
+            <a:schemeClr val="accent1">
+              <a:shade val="50000"/>
+            </a:schemeClr>
+          </a:lnRef>
+          <a:fillRef idx="1">
+            <a:schemeClr val="accent1"/>
+          </a:fillRef>
+          <a:effectRef idx="0">
+            <a:schemeClr val="accent1"/>
+          </a:effectRef>
+          <a:fontRef idx="minor">
+            <a:schemeClr val="lt1"/>
+          </a:fontRef>
+        </p:style>
+        <p:txBody>
+          <a:bodyPr rtlCol="0" anchor="ctr"/>
+          <a:lstStyle/>
+          <a:p>
+            <a:pPr algn="ctr"/>
+            <a:r>
+              <a:rPr lang="en-US" dirty="0"/>
+              <a:t>Maternal epigenetic affect on fetus</a:t>
+            </a:r>
+          </a:p>
+        </p:txBody>
+      </p:sp>
+      <p:sp>
+        <p:nvSpPr>
+          <p:cNvPr id="14" name="Rectangle 13">
+            <a:extLst>
+              <a:ext uri="{FF2B5EF4-FFF2-40B4-BE49-F238E27FC236}">
+                <a16:creationId xmlns:a16="http://schemas.microsoft.com/office/drawing/2014/main" id="{2D335C9C-F2D1-46D1-8BF7-5511C081CEA6}"/>
+              </a:ext>
+            </a:extLst>
+          </p:cNvPr>
+          <p:cNvSpPr/>
+          <p:nvPr/>
+        </p:nvSpPr>
+        <p:spPr>
+          <a:xfrm>
+            <a:off x="6182868" y="5358384"/>
+            <a:ext cx="1472184" cy="493776"/>
+          </a:xfrm>
+          <a:prstGeom prst="rect">
+            <a:avLst/>
+          </a:prstGeom>
+        </p:spPr>
+        <p:style>
+          <a:lnRef idx="2">
+            <a:schemeClr val="accent1">
+              <a:shade val="50000"/>
+            </a:schemeClr>
+          </a:lnRef>
+          <a:fillRef idx="1">
+            <a:schemeClr val="accent1"/>
+          </a:fillRef>
+          <a:effectRef idx="0">
+            <a:schemeClr val="accent1"/>
+          </a:effectRef>
+          <a:fontRef idx="minor">
+            <a:schemeClr val="lt1"/>
+          </a:fontRef>
+        </p:style>
+        <p:txBody>
+          <a:bodyPr rtlCol="0" anchor="ctr"/>
+          <a:lstStyle/>
+          <a:p>
+            <a:pPr algn="ctr"/>
+            <a:r>
+              <a:rPr lang="en-US" dirty="0"/>
+              <a:t>Testosterone Level</a:t>
+            </a:r>
+          </a:p>
+        </p:txBody>
+      </p:sp>
+      <p:cxnSp>
+        <p:nvCxnSpPr>
+          <p:cNvPr id="18" name="Straight Arrow Connector 17">
+            <a:extLst>
+              <a:ext uri="{FF2B5EF4-FFF2-40B4-BE49-F238E27FC236}">
+                <a16:creationId xmlns:a16="http://schemas.microsoft.com/office/drawing/2014/main" id="{324E93C0-37C6-4B7B-853A-1167328FA826}"/>
+              </a:ext>
+            </a:extLst>
+          </p:cNvPr>
+          <p:cNvCxnSpPr>
+            <a:stCxn id="12" idx="3"/>
+            <a:endCxn id="13" idx="1"/>
+          </p:cNvCxnSpPr>
+          <p:nvPr/>
+        </p:nvCxnSpPr>
+        <p:spPr>
+          <a:xfrm>
+            <a:off x="3266593" y="3145536"/>
+            <a:ext cx="711047" cy="928116"/>
+          </a:xfrm>
+          <a:prstGeom prst="straightConnector1">
+            <a:avLst/>
+          </a:prstGeom>
+          <a:ln w="38100">
+            <a:tailEnd type="triangle"/>
+          </a:ln>
+        </p:spPr>
+        <p:style>
+          <a:lnRef idx="1">
+            <a:schemeClr val="accent1"/>
+          </a:lnRef>
+          <a:fillRef idx="0">
+            <a:schemeClr val="accent1"/>
+          </a:fillRef>
+          <a:effectRef idx="0">
+            <a:schemeClr val="accent1"/>
+          </a:effectRef>
+          <a:fontRef idx="minor">
+            <a:schemeClr val="tx1"/>
+          </a:fontRef>
+        </p:style>
+      </p:cxnSp>
+      <p:cxnSp>
+        <p:nvCxnSpPr>
+          <p:cNvPr id="30" name="Straight Arrow Connector 29">
+            <a:extLst>
+              <a:ext uri="{FF2B5EF4-FFF2-40B4-BE49-F238E27FC236}">
+                <a16:creationId xmlns:a16="http://schemas.microsoft.com/office/drawing/2014/main" id="{E173193B-6C6A-41D0-81FA-D43B083E5256}"/>
+              </a:ext>
+            </a:extLst>
+          </p:cNvPr>
+          <p:cNvCxnSpPr>
+            <a:stCxn id="28" idx="3"/>
+            <a:endCxn id="13" idx="1"/>
+          </p:cNvCxnSpPr>
+          <p:nvPr/>
+        </p:nvCxnSpPr>
+        <p:spPr>
+          <a:xfrm flipV="1">
+            <a:off x="3364992" y="4073652"/>
+            <a:ext cx="612648" cy="937260"/>
+          </a:xfrm>
+          <a:prstGeom prst="straightConnector1">
+            <a:avLst/>
+          </a:prstGeom>
+          <a:ln w="38100">
+            <a:tailEnd type="triangle"/>
+          </a:ln>
+        </p:spPr>
+        <p:style>
+          <a:lnRef idx="1">
+            <a:schemeClr val="accent1"/>
+          </a:lnRef>
+          <a:fillRef idx="0">
+            <a:schemeClr val="accent1"/>
+          </a:fillRef>
+          <a:effectRef idx="0">
+            <a:schemeClr val="accent1"/>
+          </a:effectRef>
+          <a:fontRef idx="minor">
+            <a:schemeClr val="tx1"/>
+          </a:fontRef>
+        </p:style>
+      </p:cxnSp>
+      <p:cxnSp>
+        <p:nvCxnSpPr>
+          <p:cNvPr id="32" name="Straight Arrow Connector 31">
+            <a:extLst>
+              <a:ext uri="{FF2B5EF4-FFF2-40B4-BE49-F238E27FC236}">
+                <a16:creationId xmlns:a16="http://schemas.microsoft.com/office/drawing/2014/main" id="{23E5691A-007F-40F4-BBCB-18CB19622445}"/>
+              </a:ext>
+            </a:extLst>
+          </p:cNvPr>
+          <p:cNvCxnSpPr>
+            <a:stCxn id="13" idx="3"/>
+            <a:endCxn id="26" idx="1"/>
+          </p:cNvCxnSpPr>
+          <p:nvPr/>
+        </p:nvCxnSpPr>
+        <p:spPr>
+          <a:xfrm>
+            <a:off x="5404104" y="4073652"/>
+            <a:ext cx="722376" cy="0"/>
+          </a:xfrm>
+          <a:prstGeom prst="straightConnector1">
+            <a:avLst/>
+          </a:prstGeom>
+          <a:ln w="38100">
+            <a:tailEnd type="triangle"/>
+          </a:ln>
+        </p:spPr>
+        <p:style>
+          <a:lnRef idx="1">
+            <a:schemeClr val="accent1"/>
+          </a:lnRef>
+          <a:fillRef idx="0">
+            <a:schemeClr val="accent1"/>
+          </a:fillRef>
+          <a:effectRef idx="0">
+            <a:schemeClr val="accent1"/>
+          </a:effectRef>
+          <a:fontRef idx="minor">
+            <a:schemeClr val="tx1"/>
+          </a:fontRef>
+        </p:style>
+      </p:cxnSp>
+      <p:cxnSp>
+        <p:nvCxnSpPr>
+          <p:cNvPr id="34" name="Straight Arrow Connector 33">
+            <a:extLst>
+              <a:ext uri="{FF2B5EF4-FFF2-40B4-BE49-F238E27FC236}">
+                <a16:creationId xmlns:a16="http://schemas.microsoft.com/office/drawing/2014/main" id="{7CDB837B-1567-4AC3-816E-C8922E85E064}"/>
+              </a:ext>
+            </a:extLst>
+          </p:cNvPr>
+          <p:cNvCxnSpPr>
+            <a:stCxn id="26" idx="3"/>
+            <a:endCxn id="27" idx="1"/>
+          </p:cNvCxnSpPr>
+          <p:nvPr/>
+        </p:nvCxnSpPr>
+        <p:spPr>
+          <a:xfrm>
+            <a:off x="7711440" y="4073652"/>
+            <a:ext cx="722376" cy="0"/>
+          </a:xfrm>
+          <a:prstGeom prst="straightConnector1">
+            <a:avLst/>
+          </a:prstGeom>
+          <a:ln w="38100">
+            <a:tailEnd type="triangle"/>
+          </a:ln>
+        </p:spPr>
+        <p:style>
+          <a:lnRef idx="1">
+            <a:schemeClr val="accent1"/>
+          </a:lnRef>
+          <a:fillRef idx="0">
+            <a:schemeClr val="accent1"/>
+          </a:fillRef>
+          <a:effectRef idx="0">
+            <a:schemeClr val="accent1"/>
+          </a:effectRef>
+          <a:fontRef idx="minor">
+            <a:schemeClr val="tx1"/>
+          </a:fontRef>
+        </p:style>
+      </p:cxnSp>
+      <p:cxnSp>
+        <p:nvCxnSpPr>
+          <p:cNvPr id="36" name="Straight Arrow Connector 35">
+            <a:extLst>
+              <a:ext uri="{FF2B5EF4-FFF2-40B4-BE49-F238E27FC236}">
+                <a16:creationId xmlns:a16="http://schemas.microsoft.com/office/drawing/2014/main" id="{42AD1B6C-B9B9-4818-B795-4EAFCED00193}"/>
+              </a:ext>
+            </a:extLst>
+          </p:cNvPr>
+          <p:cNvCxnSpPr>
+            <a:stCxn id="14" idx="0"/>
+            <a:endCxn id="26" idx="2"/>
+          </p:cNvCxnSpPr>
+          <p:nvPr/>
+        </p:nvCxnSpPr>
+        <p:spPr>
+          <a:xfrm flipV="1">
+            <a:off x="6918960" y="4526280"/>
+            <a:ext cx="0" cy="832104"/>
+          </a:xfrm>
+          <a:prstGeom prst="straightConnector1">
+            <a:avLst/>
+          </a:prstGeom>
+          <a:ln w="38100">
+            <a:tailEnd type="triangle"/>
+          </a:ln>
+        </p:spPr>
+        <p:style>
+          <a:lnRef idx="1">
+            <a:schemeClr val="accent1"/>
+          </a:lnRef>
+          <a:fillRef idx="0">
+            <a:schemeClr val="accent1"/>
+          </a:fillRef>
+          <a:effectRef idx="0">
+            <a:schemeClr val="accent1"/>
+          </a:effectRef>
+          <a:fontRef idx="minor">
+            <a:schemeClr val="tx1"/>
+          </a:fontRef>
+        </p:style>
+      </p:cxnSp>
+      <p:sp>
+        <p:nvSpPr>
+          <p:cNvPr id="39" name="TextBox 38">
+            <a:extLst>
+              <a:ext uri="{FF2B5EF4-FFF2-40B4-BE49-F238E27FC236}">
+                <a16:creationId xmlns:a16="http://schemas.microsoft.com/office/drawing/2014/main" id="{8D5581AC-48B3-49A3-9312-69650C6B8E82}"/>
+              </a:ext>
+            </a:extLst>
+          </p:cNvPr>
+          <p:cNvSpPr txBox="1"/>
+          <p:nvPr/>
+        </p:nvSpPr>
+        <p:spPr>
+          <a:xfrm>
+            <a:off x="6918960" y="4826246"/>
+            <a:ext cx="1325880" cy="369332"/>
+          </a:xfrm>
+          <a:prstGeom prst="rect">
+            <a:avLst/>
+          </a:prstGeom>
+          <a:noFill/>
+        </p:spPr>
+        <p:txBody>
+          <a:bodyPr wrap="square" rtlCol="0">
+            <a:spAutoFit/>
+          </a:bodyPr>
+          <a:lstStyle/>
+          <a:p>
+            <a:r>
+              <a:rPr lang="en-US" dirty="0"/>
+              <a:t>Modulates</a:t>
+            </a:r>
+          </a:p>
+        </p:txBody>
+      </p:sp>
+    </p:spTree>
+    <p:extLst>
+      <p:ext uri="{BB962C8B-B14F-4D97-AF65-F5344CB8AC3E}">
+        <p14:creationId xmlns:p14="http://schemas.microsoft.com/office/powerpoint/2010/main" val="79055283"/>
       </p:ext>
     </p:extLst>
   </p:cSld>
@@ -4222,10 +12677,88 @@
             <p:ph idx="1"/>
           </p:nvPr>
         </p:nvSpPr>
-        <p:spPr/>
+        <p:spPr>
+          <a:xfrm>
+            <a:off x="1097280" y="1845734"/>
+            <a:ext cx="4866640" cy="4023360"/>
+          </a:xfrm>
+        </p:spPr>
         <p:txBody>
           <a:bodyPr/>
           <a:lstStyle/>
+          <a:p>
+            <a:pPr>
+              <a:buFont typeface="Wingdings" panose="05000000000000000000" pitchFamily="2" charset="2"/>
+              <a:buChar char="§"/>
+            </a:pPr>
+            <a:r>
+              <a:rPr lang="en-US" dirty="0"/>
+              <a:t> Males and females have different characteristics, disease risk, </a:t>
+            </a:r>
+            <a:r>
+              <a:rPr lang="en-US" dirty="0" err="1"/>
+              <a:t>etc</a:t>
+            </a:r>
+            <a:endParaRPr lang="en-US" dirty="0"/>
+          </a:p>
+          <a:p>
+            <a:pPr>
+              <a:buFont typeface="Wingdings" panose="05000000000000000000" pitchFamily="2" charset="2"/>
+              <a:buChar char="§"/>
+            </a:pPr>
+            <a:r>
+              <a:rPr lang="en-US" dirty="0"/>
+              <a:t> Vast majority of genetic effects come from autosomes</a:t>
+            </a:r>
+          </a:p>
+          <a:p>
+            <a:pPr>
+              <a:buFont typeface="Wingdings" panose="05000000000000000000" pitchFamily="2" charset="2"/>
+              <a:buChar char="§"/>
+            </a:pPr>
+            <a:r>
+              <a:rPr lang="en-US" dirty="0"/>
+              <a:t> </a:t>
+            </a:r>
+            <a:r>
+              <a:rPr lang="en-US" dirty="0" err="1"/>
+              <a:t>GxE</a:t>
+            </a:r>
+            <a:r>
+              <a:rPr lang="en-US" dirty="0"/>
+              <a:t> for complex traits; polygenic nature</a:t>
+            </a:r>
+          </a:p>
+          <a:p>
+            <a:pPr lvl="1">
+              <a:buFont typeface="Wingdings" panose="05000000000000000000" pitchFamily="2" charset="2"/>
+              <a:buChar char="§"/>
+            </a:pPr>
+            <a:r>
+              <a:rPr lang="en-US" dirty="0"/>
+              <a:t>For humans, sex is a good place to start </a:t>
+            </a:r>
+          </a:p>
+          <a:p>
+            <a:pPr>
+              <a:buFont typeface="Wingdings" panose="05000000000000000000" pitchFamily="2" charset="2"/>
+              <a:buChar char="§"/>
+            </a:pPr>
+            <a:r>
+              <a:rPr lang="en-US" dirty="0"/>
+              <a:t> Make use of UKBB data</a:t>
+            </a:r>
+          </a:p>
+          <a:p>
+            <a:pPr lvl="1">
+              <a:buFont typeface="Wingdings" panose="05000000000000000000" pitchFamily="2" charset="2"/>
+              <a:buChar char="§"/>
+            </a:pPr>
+            <a:r>
+              <a:rPr lang="en-US" dirty="0"/>
+              <a:t>300k individuals, White British ancestry</a:t>
+            </a:r>
+          </a:p>
           <a:p>
             <a:endParaRPr lang="en-US" dirty="0"/>
           </a:p>
@@ -4246,7 +12779,7 @@
           <p:nvPr/>
         </p:nvPicPr>
         <p:blipFill>
-          <a:blip r:embed="rId2">
+          <a:blip r:embed="rId3">
             <a:extLst>
               <a:ext uri="{28A0092B-C50C-407E-A947-70E740481C1C}">
                 <a14:useLocalDpi xmlns:a14="http://schemas.microsoft.com/office/drawing/2010/main" val="0"/>
@@ -4354,8 +12887,8 @@
         </p:nvSpPr>
         <p:spPr>
           <a:xfrm>
-            <a:off x="1097280" y="1845734"/>
-            <a:ext cx="4518329" cy="4023360"/>
+            <a:off x="1097280" y="2417234"/>
+            <a:ext cx="4518329" cy="1383241"/>
           </a:xfrm>
         </p:spPr>
         <p:txBody>
@@ -4417,7 +12950,7 @@
           <p:nvPr/>
         </p:nvPicPr>
         <p:blipFill>
-          <a:blip r:embed="rId2"/>
+          <a:blip r:embed="rId3"/>
           <a:stretch>
             <a:fillRect/>
           </a:stretch>
@@ -4582,16 +13115,15 @@
           </p:cNvPicPr>
           <p:nvPr/>
         </p:nvPicPr>
-        <p:blipFill>
-          <a:blip r:embed="rId2"/>
-          <a:stretch>
-            <a:fillRect/>
-          </a:stretch>
+        <p:blipFill rotWithShape="1">
+          <a:blip r:embed="rId3"/>
+          <a:srcRect b="5229"/>
+          <a:stretch/>
         </p:blipFill>
         <p:spPr>
           <a:xfrm>
-            <a:off x="2100580" y="3943350"/>
-            <a:ext cx="8458200" cy="2914650"/>
+            <a:off x="1632494" y="3866558"/>
+            <a:ext cx="8754676" cy="2859072"/>
           </a:xfrm>
           <a:prstGeom prst="rect">
             <a:avLst/>
@@ -4643,7 +13175,7 @@
           <p:nvPr/>
         </p:nvPicPr>
         <p:blipFill>
-          <a:blip r:embed="rId2"/>
+          <a:blip r:embed="rId3"/>
           <a:stretch>
             <a:fillRect/>
           </a:stretch>
@@ -4658,6 +13190,71 @@
           </a:prstGeom>
         </p:spPr>
       </p:pic>
+      <p:pic>
+        <p:nvPicPr>
+          <p:cNvPr id="4" name="Picture 3">
+            <a:extLst>
+              <a:ext uri="{FF2B5EF4-FFF2-40B4-BE49-F238E27FC236}">
+                <a16:creationId xmlns:a16="http://schemas.microsoft.com/office/drawing/2014/main" id="{C40E6D23-954C-4E56-AF3E-04E7F290897F}"/>
+              </a:ext>
+            </a:extLst>
+          </p:cNvPr>
+          <p:cNvPicPr>
+            <a:picLocks noChangeAspect="1"/>
+          </p:cNvPicPr>
+          <p:nvPr/>
+        </p:nvPicPr>
+        <p:blipFill>
+          <a:blip r:embed="rId4"/>
+          <a:stretch>
+            <a:fillRect/>
+          </a:stretch>
+        </p:blipFill>
+        <p:spPr>
+          <a:xfrm>
+            <a:off x="7206343" y="790534"/>
+            <a:ext cx="3077936" cy="4606363"/>
+          </a:xfrm>
+          <a:prstGeom prst="rect">
+            <a:avLst/>
+          </a:prstGeom>
+        </p:spPr>
+      </p:pic>
+      <p:sp>
+        <p:nvSpPr>
+          <p:cNvPr id="2" name="TextBox 1">
+            <a:extLst>
+              <a:ext uri="{FF2B5EF4-FFF2-40B4-BE49-F238E27FC236}">
+                <a16:creationId xmlns:a16="http://schemas.microsoft.com/office/drawing/2014/main" id="{0ADE307A-A833-4512-874A-630413F67694}"/>
+              </a:ext>
+            </a:extLst>
+          </p:cNvPr>
+          <p:cNvSpPr txBox="1"/>
+          <p:nvPr/>
+        </p:nvSpPr>
+        <p:spPr>
+          <a:xfrm>
+            <a:off x="82296" y="-14872"/>
+            <a:ext cx="2066544" cy="523220"/>
+          </a:xfrm>
+          <a:prstGeom prst="rect">
+            <a:avLst/>
+          </a:prstGeom>
+          <a:noFill/>
+        </p:spPr>
+        <p:txBody>
+          <a:bodyPr wrap="square" rtlCol="0">
+            <a:spAutoFit/>
+          </a:bodyPr>
+          <a:lstStyle/>
+          <a:p>
+            <a:r>
+              <a:rPr lang="en-US" sz="2800" dirty="0"/>
+              <a:t>Testosterone</a:t>
+            </a:r>
+          </a:p>
+        </p:txBody>
+      </p:sp>
     </p:spTree>
     <p:extLst>
       <p:ext uri="{BB962C8B-B14F-4D97-AF65-F5344CB8AC3E}">
@@ -4668,6 +13265,309 @@
   <p:clrMapOvr>
     <a:masterClrMapping/>
   </p:clrMapOvr>
+  <p:timing>
+    <p:tnLst>
+      <p:par>
+        <p:cTn id="1" dur="indefinite" restart="never" nodeType="tmRoot">
+          <p:childTnLst>
+            <p:seq concurrent="1" nextAc="seek">
+              <p:cTn id="2" dur="indefinite" nodeType="mainSeq">
+                <p:childTnLst>
+                  <p:par>
+                    <p:cTn id="3" fill="hold">
+                      <p:stCondLst>
+                        <p:cond delay="indefinite"/>
+                      </p:stCondLst>
+                      <p:childTnLst>
+                        <p:par>
+                          <p:cTn id="4" fill="hold">
+                            <p:stCondLst>
+                              <p:cond delay="0"/>
+                            </p:stCondLst>
+                            <p:childTnLst>
+                              <p:par>
+                                <p:cTn id="5" presetID="53" presetClass="exit" presetSubtype="32" fill="hold" nodeType="clickEffect">
+                                  <p:stCondLst>
+                                    <p:cond delay="0"/>
+                                  </p:stCondLst>
+                                  <p:childTnLst>
+                                    <p:anim calcmode="lin" valueType="num">
+                                      <p:cBhvr>
+                                        <p:cTn id="6" dur="500"/>
+                                        <p:tgtEl>
+                                          <p:spTgt spid="4"/>
+                                        </p:tgtEl>
+                                        <p:attrNameLst>
+                                          <p:attrName>ppt_w</p:attrName>
+                                        </p:attrNameLst>
+                                      </p:cBhvr>
+                                      <p:tavLst>
+                                        <p:tav tm="0">
+                                          <p:val>
+                                            <p:strVal val="ppt_w"/>
+                                          </p:val>
+                                        </p:tav>
+                                        <p:tav tm="100000">
+                                          <p:val>
+                                            <p:fltVal val="0"/>
+                                          </p:val>
+                                        </p:tav>
+                                      </p:tavLst>
+                                    </p:anim>
+                                    <p:anim calcmode="lin" valueType="num">
+                                      <p:cBhvr>
+                                        <p:cTn id="7" dur="500"/>
+                                        <p:tgtEl>
+                                          <p:spTgt spid="4"/>
+                                        </p:tgtEl>
+                                        <p:attrNameLst>
+                                          <p:attrName>ppt_h</p:attrName>
+                                        </p:attrNameLst>
+                                      </p:cBhvr>
+                                      <p:tavLst>
+                                        <p:tav tm="0">
+                                          <p:val>
+                                            <p:strVal val="ppt_h"/>
+                                          </p:val>
+                                        </p:tav>
+                                        <p:tav tm="100000">
+                                          <p:val>
+                                            <p:fltVal val="0"/>
+                                          </p:val>
+                                        </p:tav>
+                                      </p:tavLst>
+                                    </p:anim>
+                                    <p:animEffect transition="out" filter="fade">
+                                      <p:cBhvr>
+                                        <p:cTn id="8" dur="500"/>
+                                        <p:tgtEl>
+                                          <p:spTgt spid="4"/>
+                                        </p:tgtEl>
+                                      </p:cBhvr>
+                                    </p:animEffect>
+                                    <p:set>
+                                      <p:cBhvr>
+                                        <p:cTn id="9" dur="1" fill="hold">
+                                          <p:stCondLst>
+                                            <p:cond delay="499"/>
+                                          </p:stCondLst>
+                                        </p:cTn>
+                                        <p:tgtEl>
+                                          <p:spTgt spid="4"/>
+                                        </p:tgtEl>
+                                        <p:attrNameLst>
+                                          <p:attrName>style.visibility</p:attrName>
+                                        </p:attrNameLst>
+                                      </p:cBhvr>
+                                      <p:to>
+                                        <p:strVal val="hidden"/>
+                                      </p:to>
+                                    </p:set>
+                                  </p:childTnLst>
+                                </p:cTn>
+                              </p:par>
+                            </p:childTnLst>
+                          </p:cTn>
+                        </p:par>
+                        <p:par>
+                          <p:cTn id="10" fill="hold">
+                            <p:stCondLst>
+                              <p:cond delay="500"/>
+                            </p:stCondLst>
+                            <p:childTnLst>
+                              <p:par>
+                                <p:cTn id="11" presetID="53" presetClass="entr" presetSubtype="16" fill="hold" nodeType="afterEffect">
+                                  <p:stCondLst>
+                                    <p:cond delay="0"/>
+                                  </p:stCondLst>
+                                  <p:childTnLst>
+                                    <p:set>
+                                      <p:cBhvr>
+                                        <p:cTn id="12" dur="1" fill="hold">
+                                          <p:stCondLst>
+                                            <p:cond delay="0"/>
+                                          </p:stCondLst>
+                                        </p:cTn>
+                                        <p:tgtEl>
+                                          <p:spTgt spid="3"/>
+                                        </p:tgtEl>
+                                        <p:attrNameLst>
+                                          <p:attrName>style.visibility</p:attrName>
+                                        </p:attrNameLst>
+                                      </p:cBhvr>
+                                      <p:to>
+                                        <p:strVal val="visible"/>
+                                      </p:to>
+                                    </p:set>
+                                    <p:anim calcmode="lin" valueType="num">
+                                      <p:cBhvr>
+                                        <p:cTn id="13" dur="500" fill="hold"/>
+                                        <p:tgtEl>
+                                          <p:spTgt spid="3"/>
+                                        </p:tgtEl>
+                                        <p:attrNameLst>
+                                          <p:attrName>ppt_w</p:attrName>
+                                        </p:attrNameLst>
+                                      </p:cBhvr>
+                                      <p:tavLst>
+                                        <p:tav tm="0">
+                                          <p:val>
+                                            <p:fltVal val="0"/>
+                                          </p:val>
+                                        </p:tav>
+                                        <p:tav tm="100000">
+                                          <p:val>
+                                            <p:strVal val="#ppt_w"/>
+                                          </p:val>
+                                        </p:tav>
+                                      </p:tavLst>
+                                    </p:anim>
+                                    <p:anim calcmode="lin" valueType="num">
+                                      <p:cBhvr>
+                                        <p:cTn id="14" dur="500" fill="hold"/>
+                                        <p:tgtEl>
+                                          <p:spTgt spid="3"/>
+                                        </p:tgtEl>
+                                        <p:attrNameLst>
+                                          <p:attrName>ppt_h</p:attrName>
+                                        </p:attrNameLst>
+                                      </p:cBhvr>
+                                      <p:tavLst>
+                                        <p:tav tm="0">
+                                          <p:val>
+                                            <p:fltVal val="0"/>
+                                          </p:val>
+                                        </p:tav>
+                                        <p:tav tm="100000">
+                                          <p:val>
+                                            <p:strVal val="#ppt_h"/>
+                                          </p:val>
+                                        </p:tav>
+                                      </p:tavLst>
+                                    </p:anim>
+                                    <p:animEffect transition="in" filter="fade">
+                                      <p:cBhvr>
+                                        <p:cTn id="15" dur="500"/>
+                                        <p:tgtEl>
+                                          <p:spTgt spid="3"/>
+                                        </p:tgtEl>
+                                      </p:cBhvr>
+                                    </p:animEffect>
+                                  </p:childTnLst>
+                                </p:cTn>
+                              </p:par>
+                              <p:par>
+                                <p:cTn id="16" presetID="53" presetClass="entr" presetSubtype="16" fill="hold" grpId="0" nodeType="withEffect">
+                                  <p:stCondLst>
+                                    <p:cond delay="0"/>
+                                  </p:stCondLst>
+                                  <p:childTnLst>
+                                    <p:set>
+                                      <p:cBhvr>
+                                        <p:cTn id="17" dur="1" fill="hold">
+                                          <p:stCondLst>
+                                            <p:cond delay="0"/>
+                                          </p:stCondLst>
+                                        </p:cTn>
+                                        <p:tgtEl>
+                                          <p:spTgt spid="2"/>
+                                        </p:tgtEl>
+                                        <p:attrNameLst>
+                                          <p:attrName>style.visibility</p:attrName>
+                                        </p:attrNameLst>
+                                      </p:cBhvr>
+                                      <p:to>
+                                        <p:strVal val="visible"/>
+                                      </p:to>
+                                    </p:set>
+                                    <p:anim calcmode="lin" valueType="num">
+                                      <p:cBhvr>
+                                        <p:cTn id="18" dur="500" fill="hold"/>
+                                        <p:tgtEl>
+                                          <p:spTgt spid="2"/>
+                                        </p:tgtEl>
+                                        <p:attrNameLst>
+                                          <p:attrName>ppt_w</p:attrName>
+                                        </p:attrNameLst>
+                                      </p:cBhvr>
+                                      <p:tavLst>
+                                        <p:tav tm="0">
+                                          <p:val>
+                                            <p:fltVal val="0"/>
+                                          </p:val>
+                                        </p:tav>
+                                        <p:tav tm="100000">
+                                          <p:val>
+                                            <p:strVal val="#ppt_w"/>
+                                          </p:val>
+                                        </p:tav>
+                                      </p:tavLst>
+                                    </p:anim>
+                                    <p:anim calcmode="lin" valueType="num">
+                                      <p:cBhvr>
+                                        <p:cTn id="19" dur="500" fill="hold"/>
+                                        <p:tgtEl>
+                                          <p:spTgt spid="2"/>
+                                        </p:tgtEl>
+                                        <p:attrNameLst>
+                                          <p:attrName>ppt_h</p:attrName>
+                                        </p:attrNameLst>
+                                      </p:cBhvr>
+                                      <p:tavLst>
+                                        <p:tav tm="0">
+                                          <p:val>
+                                            <p:fltVal val="0"/>
+                                          </p:val>
+                                        </p:tav>
+                                        <p:tav tm="100000">
+                                          <p:val>
+                                            <p:strVal val="#ppt_h"/>
+                                          </p:val>
+                                        </p:tav>
+                                      </p:tavLst>
+                                    </p:anim>
+                                    <p:animEffect transition="in" filter="fade">
+                                      <p:cBhvr>
+                                        <p:cTn id="20" dur="500"/>
+                                        <p:tgtEl>
+                                          <p:spTgt spid="2"/>
+                                        </p:tgtEl>
+                                      </p:cBhvr>
+                                    </p:animEffect>
+                                  </p:childTnLst>
+                                </p:cTn>
+                              </p:par>
+                            </p:childTnLst>
+                          </p:cTn>
+                        </p:par>
+                      </p:childTnLst>
+                    </p:cTn>
+                  </p:par>
+                </p:childTnLst>
+              </p:cTn>
+              <p:prevCondLst>
+                <p:cond evt="onPrev" delay="0">
+                  <p:tgtEl>
+                    <p:sldTgt/>
+                  </p:tgtEl>
+                </p:cond>
+              </p:prevCondLst>
+              <p:nextCondLst>
+                <p:cond evt="onNext" delay="0">
+                  <p:tgtEl>
+                    <p:sldTgt/>
+                  </p:tgtEl>
+                </p:cond>
+              </p:nextCondLst>
+            </p:seq>
+          </p:childTnLst>
+        </p:cTn>
+      </p:par>
+    </p:tnLst>
+    <p:bldLst>
+      <p:bldP spid="2" grpId="0"/>
+    </p:bldLst>
+  </p:timing>
 </p:sld>
 </file>
 
@@ -4738,43 +13638,14 @@
           <p:nvPr/>
         </p:nvPicPr>
         <p:blipFill rotWithShape="1">
-          <a:blip r:embed="rId2"/>
+          <a:blip r:embed="rId3"/>
           <a:srcRect l="26302" t="2311" r="1118" b="9234"/>
           <a:stretch/>
         </p:blipFill>
         <p:spPr>
           <a:xfrm>
-            <a:off x="7162799" y="2122164"/>
+            <a:off x="6686549" y="2626989"/>
             <a:ext cx="4923411" cy="2947676"/>
-          </a:xfrm>
-          <a:prstGeom prst="rect">
-            <a:avLst/>
-          </a:prstGeom>
-        </p:spPr>
-      </p:pic>
-      <p:pic>
-        <p:nvPicPr>
-          <p:cNvPr id="4" name="Picture 3">
-            <a:extLst>
-              <a:ext uri="{FF2B5EF4-FFF2-40B4-BE49-F238E27FC236}">
-                <a16:creationId xmlns:a16="http://schemas.microsoft.com/office/drawing/2014/main" id="{74431E1F-FF6A-4AAE-BF54-D9E4A87360CF}"/>
-              </a:ext>
-            </a:extLst>
-          </p:cNvPr>
-          <p:cNvPicPr>
-            <a:picLocks noChangeAspect="1"/>
-          </p:cNvPicPr>
-          <p:nvPr/>
-        </p:nvPicPr>
-        <p:blipFill rotWithShape="1">
-          <a:blip r:embed="rId3"/>
-          <a:srcRect b="9902"/>
-          <a:stretch/>
-        </p:blipFill>
-        <p:spPr>
-          <a:xfrm>
-            <a:off x="173888" y="2122164"/>
-            <a:ext cx="6663327" cy="2876556"/>
           </a:xfrm>
           <a:prstGeom prst="rect">
             <a:avLst/>
@@ -4795,7 +13666,7 @@
         </p:nvSpPr>
         <p:spPr>
           <a:xfrm flipH="1">
-            <a:off x="6166655" y="5171440"/>
+            <a:off x="5690405" y="5676265"/>
             <a:ext cx="1584959" cy="400110"/>
           </a:xfrm>
           <a:prstGeom prst="rect">
@@ -4814,6 +13685,106 @@
               <a:t>Magnitude</a:t>
             </a:r>
             <a:endParaRPr lang="en-US" dirty="0"/>
+          </a:p>
+        </p:txBody>
+      </p:sp>
+      <p:pic>
+        <p:nvPicPr>
+          <p:cNvPr id="7" name="Picture 6">
+            <a:extLst>
+              <a:ext uri="{FF2B5EF4-FFF2-40B4-BE49-F238E27FC236}">
+                <a16:creationId xmlns:a16="http://schemas.microsoft.com/office/drawing/2014/main" id="{09F07B47-D70F-4ED9-A1B4-FB665C05CE97}"/>
+              </a:ext>
+            </a:extLst>
+          </p:cNvPr>
+          <p:cNvPicPr>
+            <a:picLocks noChangeAspect="1"/>
+          </p:cNvPicPr>
+          <p:nvPr/>
+        </p:nvPicPr>
+        <p:blipFill>
+          <a:blip r:embed="rId4"/>
+          <a:stretch>
+            <a:fillRect/>
+          </a:stretch>
+        </p:blipFill>
+        <p:spPr>
+          <a:xfrm>
+            <a:off x="446628" y="2663436"/>
+            <a:ext cx="5887497" cy="2874782"/>
+          </a:xfrm>
+          <a:prstGeom prst="rect">
+            <a:avLst/>
+          </a:prstGeom>
+        </p:spPr>
+      </p:pic>
+      <p:sp>
+        <p:nvSpPr>
+          <p:cNvPr id="8" name="TextBox 7">
+            <a:extLst>
+              <a:ext uri="{FF2B5EF4-FFF2-40B4-BE49-F238E27FC236}">
+                <a16:creationId xmlns:a16="http://schemas.microsoft.com/office/drawing/2014/main" id="{98D77616-C546-4A04-883E-7D38F05E1860}"/>
+              </a:ext>
+            </a:extLst>
+          </p:cNvPr>
+          <p:cNvSpPr txBox="1"/>
+          <p:nvPr/>
+        </p:nvSpPr>
+        <p:spPr>
+          <a:xfrm>
+            <a:off x="2590800" y="2157321"/>
+            <a:ext cx="2895600" cy="369332"/>
+          </a:xfrm>
+          <a:prstGeom prst="rect">
+            <a:avLst/>
+          </a:prstGeom>
+          <a:noFill/>
+        </p:spPr>
+        <p:txBody>
+          <a:bodyPr wrap="square" rtlCol="0">
+            <a:spAutoFit/>
+          </a:bodyPr>
+          <a:lstStyle/>
+          <a:p>
+            <a:r>
+              <a:rPr lang="en-US" dirty="0"/>
+              <a:t>Diastolic Blood Pressure</a:t>
+            </a:r>
+          </a:p>
+        </p:txBody>
+      </p:sp>
+      <p:sp>
+        <p:nvSpPr>
+          <p:cNvPr id="9" name="TextBox 8">
+            <a:extLst>
+              <a:ext uri="{FF2B5EF4-FFF2-40B4-BE49-F238E27FC236}">
+                <a16:creationId xmlns:a16="http://schemas.microsoft.com/office/drawing/2014/main" id="{8C98EC0D-EAFB-46BB-9023-31198779F4F9}"/>
+              </a:ext>
+            </a:extLst>
+          </p:cNvPr>
+          <p:cNvSpPr txBox="1"/>
+          <p:nvPr/>
+        </p:nvSpPr>
+        <p:spPr>
+          <a:xfrm>
+            <a:off x="8236267" y="2168110"/>
+            <a:ext cx="2352675" cy="369332"/>
+          </a:xfrm>
+          <a:prstGeom prst="rect">
+            <a:avLst/>
+          </a:prstGeom>
+          <a:noFill/>
+        </p:spPr>
+        <p:txBody>
+          <a:bodyPr wrap="square" rtlCol="0">
+            <a:spAutoFit/>
+          </a:bodyPr>
+          <a:lstStyle/>
+          <a:p>
+            <a:r>
+              <a:rPr lang="en-US" dirty="0"/>
+              <a:t>Testosterone</a:t>
+            </a:r>
           </a:p>
         </p:txBody>
       </p:sp>
@@ -4862,7 +13833,7 @@
           <p:nvPr/>
         </p:nvPicPr>
         <p:blipFill>
-          <a:blip r:embed="rId2"/>
+          <a:blip r:embed="rId3"/>
           <a:stretch>
             <a:fillRect/>
           </a:stretch>
@@ -5030,10 +14001,10 @@
       </p:sp>
       <p:pic>
         <p:nvPicPr>
-          <p:cNvPr id="7" name="Picture 6">
+          <p:cNvPr id="10" name="Picture 9">
             <a:extLst>
               <a:ext uri="{FF2B5EF4-FFF2-40B4-BE49-F238E27FC236}">
-                <a16:creationId xmlns:a16="http://schemas.microsoft.com/office/drawing/2014/main" id="{7C48D010-473D-48E6-8D5D-7CD516D29B2F}"/>
+                <a16:creationId xmlns:a16="http://schemas.microsoft.com/office/drawing/2014/main" id="{5DD0101B-D1A5-47C7-BC69-5951DCCEE6CF}"/>
               </a:ext>
             </a:extLst>
           </p:cNvPr>
@@ -5043,14 +14014,14 @@
           <p:nvPr/>
         </p:nvPicPr>
         <p:blipFill rotWithShape="1">
-          <a:blip r:embed="rId2"/>
-          <a:srcRect l="2795"/>
+          <a:blip r:embed="rId3"/>
+          <a:srcRect t="376" b="-1"/>
           <a:stretch/>
         </p:blipFill>
         <p:spPr>
           <a:xfrm>
-            <a:off x="5270642" y="826349"/>
-            <a:ext cx="6812518" cy="5205301"/>
+            <a:off x="5383378" y="406400"/>
+            <a:ext cx="6666382" cy="5598160"/>
           </a:xfrm>
           <a:prstGeom prst="rect">
             <a:avLst/>
@@ -5198,7 +14169,7 @@
             </a:pPr>
             <a:r>
               <a:rPr lang="en-US" dirty="0"/>
-              <a:t> clear, but often contrasting relationship between males and females</a:t>
+              <a:t> Clear, but often contrasting relationship between males and females</a:t>
             </a:r>
           </a:p>
           <a:p>
@@ -5219,10 +14190,10 @@
       </p:sp>
       <p:pic>
         <p:nvPicPr>
-          <p:cNvPr id="5" name="Picture 4">
+          <p:cNvPr id="6" name="Picture 5">
             <a:extLst>
               <a:ext uri="{FF2B5EF4-FFF2-40B4-BE49-F238E27FC236}">
-                <a16:creationId xmlns:a16="http://schemas.microsoft.com/office/drawing/2014/main" id="{6CB0A258-6CC9-4021-BEF5-A085FC891A07}"/>
+                <a16:creationId xmlns:a16="http://schemas.microsoft.com/office/drawing/2014/main" id="{AF3863E9-2C37-425B-A1ED-68FB7166BD75}"/>
               </a:ext>
             </a:extLst>
           </p:cNvPr>
@@ -5231,16 +14202,15 @@
           </p:cNvPicPr>
           <p:nvPr/>
         </p:nvPicPr>
-        <p:blipFill>
-          <a:blip r:embed="rId2"/>
-          <a:stretch>
-            <a:fillRect/>
-          </a:stretch>
+        <p:blipFill rotWithShape="1">
+          <a:blip r:embed="rId3"/>
+          <a:srcRect l="1811" r="2319"/>
+          <a:stretch/>
         </p:blipFill>
         <p:spPr>
           <a:xfrm>
-            <a:off x="5456885" y="500913"/>
-            <a:ext cx="6735115" cy="5668166"/>
+            <a:off x="5377541" y="286603"/>
+            <a:ext cx="6749143" cy="5877745"/>
           </a:xfrm>
           <a:prstGeom prst="rect">
             <a:avLst/>
@@ -5541,4 +14511,299 @@
     </a:ext>
   </a:extLst>
 </a:theme>
+</file>
+
+<file path=ppt/theme/theme2.xml><?xml version="1.0" encoding="utf-8"?>
+<a:theme xmlns:a="http://schemas.openxmlformats.org/drawingml/2006/main" name="Office Theme">
+  <a:themeElements>
+    <a:clrScheme name="Office">
+      <a:dk1>
+        <a:sysClr val="windowText" lastClr="000000"/>
+      </a:dk1>
+      <a:lt1>
+        <a:sysClr val="window" lastClr="FFFFFF"/>
+      </a:lt1>
+      <a:dk2>
+        <a:srgbClr val="44546A"/>
+      </a:dk2>
+      <a:lt2>
+        <a:srgbClr val="E7E6E6"/>
+      </a:lt2>
+      <a:accent1>
+        <a:srgbClr val="4472C4"/>
+      </a:accent1>
+      <a:accent2>
+        <a:srgbClr val="ED7D31"/>
+      </a:accent2>
+      <a:accent3>
+        <a:srgbClr val="A5A5A5"/>
+      </a:accent3>
+      <a:accent4>
+        <a:srgbClr val="FFC000"/>
+      </a:accent4>
+      <a:accent5>
+        <a:srgbClr val="5B9BD5"/>
+      </a:accent5>
+      <a:accent6>
+        <a:srgbClr val="70AD47"/>
+      </a:accent6>
+      <a:hlink>
+        <a:srgbClr val="0563C1"/>
+      </a:hlink>
+      <a:folHlink>
+        <a:srgbClr val="954F72"/>
+      </a:folHlink>
+    </a:clrScheme>
+    <a:fontScheme name="Office">
+      <a:majorFont>
+        <a:latin typeface="Calibri Light" panose="020F0302020204030204"/>
+        <a:ea typeface=""/>
+        <a:cs typeface=""/>
+        <a:font script="Jpan" typeface="游ゴシック Light"/>
+        <a:font script="Hang" typeface="맑은 고딕"/>
+        <a:font script="Hans" typeface="等线 Light"/>
+        <a:font script="Hant" typeface="新細明體"/>
+        <a:font script="Arab" typeface="Times New Roman"/>
+        <a:font script="Hebr" typeface="Times New Roman"/>
+        <a:font script="Thai" typeface="Angsana New"/>
+        <a:font script="Ethi" typeface="Nyala"/>
+        <a:font script="Beng" typeface="Vrinda"/>
+        <a:font script="Gujr" typeface="Shruti"/>
+        <a:font script="Khmr" typeface="MoolBoran"/>
+        <a:font script="Knda" typeface="Tunga"/>
+        <a:font script="Guru" typeface="Raavi"/>
+        <a:font script="Cans" typeface="Euphemia"/>
+        <a:font script="Cher" typeface="Plantagenet Cherokee"/>
+        <a:font script="Yiii" typeface="Microsoft Yi Baiti"/>
+        <a:font script="Tibt" typeface="Microsoft Himalaya"/>
+        <a:font script="Thaa" typeface="MV Boli"/>
+        <a:font script="Deva" typeface="Mangal"/>
+        <a:font script="Telu" typeface="Gautami"/>
+        <a:font script="Taml" typeface="Latha"/>
+        <a:font script="Syrc" typeface="Estrangelo Edessa"/>
+        <a:font script="Orya" typeface="Kalinga"/>
+        <a:font script="Mlym" typeface="Kartika"/>
+        <a:font script="Laoo" typeface="DokChampa"/>
+        <a:font script="Sinh" typeface="Iskoola Pota"/>
+        <a:font script="Mong" typeface="Mongolian Baiti"/>
+        <a:font script="Viet" typeface="Times New Roman"/>
+        <a:font script="Uigh" typeface="Microsoft Uighur"/>
+        <a:font script="Geor" typeface="Sylfaen"/>
+        <a:font script="Armn" typeface="Arial"/>
+        <a:font script="Bugi" typeface="Leelawadee UI"/>
+        <a:font script="Bopo" typeface="Microsoft JhengHei"/>
+        <a:font script="Java" typeface="Javanese Text"/>
+        <a:font script="Lisu" typeface="Segoe UI"/>
+        <a:font script="Mymr" typeface="Myanmar Text"/>
+        <a:font script="Nkoo" typeface="Ebrima"/>
+        <a:font script="Olck" typeface="Nirmala UI"/>
+        <a:font script="Osma" typeface="Ebrima"/>
+        <a:font script="Phag" typeface="Phagspa"/>
+        <a:font script="Syrn" typeface="Estrangelo Edessa"/>
+        <a:font script="Syrj" typeface="Estrangelo Edessa"/>
+        <a:font script="Syre" typeface="Estrangelo Edessa"/>
+        <a:font script="Sora" typeface="Nirmala UI"/>
+        <a:font script="Tale" typeface="Microsoft Tai Le"/>
+        <a:font script="Talu" typeface="Microsoft New Tai Lue"/>
+        <a:font script="Tfng" typeface="Ebrima"/>
+      </a:majorFont>
+      <a:minorFont>
+        <a:latin typeface="Calibri" panose="020F0502020204030204"/>
+        <a:ea typeface=""/>
+        <a:cs typeface=""/>
+        <a:font script="Jpan" typeface="游ゴシック"/>
+        <a:font script="Hang" typeface="맑은 고딕"/>
+        <a:font script="Hans" typeface="等线"/>
+        <a:font script="Hant" typeface="新細明體"/>
+        <a:font script="Arab" typeface="Arial"/>
+        <a:font script="Hebr" typeface="Arial"/>
+        <a:font script="Thai" typeface="Cordia New"/>
+        <a:font script="Ethi" typeface="Nyala"/>
+        <a:font script="Beng" typeface="Vrinda"/>
+        <a:font script="Gujr" typeface="Shruti"/>
+        <a:font script="Khmr" typeface="DaunPenh"/>
+        <a:font script="Knda" typeface="Tunga"/>
+        <a:font script="Guru" typeface="Raavi"/>
+        <a:font script="Cans" typeface="Euphemia"/>
+        <a:font script="Cher" typeface="Plantagenet Cherokee"/>
+        <a:font script="Yiii" typeface="Microsoft Yi Baiti"/>
+        <a:font script="Tibt" typeface="Microsoft Himalaya"/>
+        <a:font script="Thaa" typeface="MV Boli"/>
+        <a:font script="Deva" typeface="Mangal"/>
+        <a:font script="Telu" typeface="Gautami"/>
+        <a:font script="Taml" typeface="Latha"/>
+        <a:font script="Syrc" typeface="Estrangelo Edessa"/>
+        <a:font script="Orya" typeface="Kalinga"/>
+        <a:font script="Mlym" typeface="Kartika"/>
+        <a:font script="Laoo" typeface="DokChampa"/>
+        <a:font script="Sinh" typeface="Iskoola Pota"/>
+        <a:font script="Mong" typeface="Mongolian Baiti"/>
+        <a:font script="Viet" typeface="Arial"/>
+        <a:font script="Uigh" typeface="Microsoft Uighur"/>
+        <a:font script="Geor" typeface="Sylfaen"/>
+        <a:font script="Armn" typeface="Arial"/>
+        <a:font script="Bugi" typeface="Leelawadee UI"/>
+        <a:font script="Bopo" typeface="Microsoft JhengHei"/>
+        <a:font script="Java" typeface="Javanese Text"/>
+        <a:font script="Lisu" typeface="Segoe UI"/>
+        <a:font script="Mymr" typeface="Myanmar Text"/>
+        <a:font script="Nkoo" typeface="Ebrima"/>
+        <a:font script="Olck" typeface="Nirmala UI"/>
+        <a:font script="Osma" typeface="Ebrima"/>
+        <a:font script="Phag" typeface="Phagspa"/>
+        <a:font script="Syrn" typeface="Estrangelo Edessa"/>
+        <a:font script="Syrj" typeface="Estrangelo Edessa"/>
+        <a:font script="Syre" typeface="Estrangelo Edessa"/>
+        <a:font script="Sora" typeface="Nirmala UI"/>
+        <a:font script="Tale" typeface="Microsoft Tai Le"/>
+        <a:font script="Talu" typeface="Microsoft New Tai Lue"/>
+        <a:font script="Tfng" typeface="Ebrima"/>
+      </a:minorFont>
+    </a:fontScheme>
+    <a:fmtScheme name="Office">
+      <a:fillStyleLst>
+        <a:solidFill>
+          <a:schemeClr val="phClr"/>
+        </a:solidFill>
+        <a:gradFill rotWithShape="1">
+          <a:gsLst>
+            <a:gs pos="0">
+              <a:schemeClr val="phClr">
+                <a:lumMod val="110000"/>
+                <a:satMod val="105000"/>
+                <a:tint val="67000"/>
+              </a:schemeClr>
+            </a:gs>
+            <a:gs pos="50000">
+              <a:schemeClr val="phClr">
+                <a:lumMod val="105000"/>
+                <a:satMod val="103000"/>
+                <a:tint val="73000"/>
+              </a:schemeClr>
+            </a:gs>
+            <a:gs pos="100000">
+              <a:schemeClr val="phClr">
+                <a:lumMod val="105000"/>
+                <a:satMod val="109000"/>
+                <a:tint val="81000"/>
+              </a:schemeClr>
+            </a:gs>
+          </a:gsLst>
+          <a:lin ang="5400000" scaled="0"/>
+        </a:gradFill>
+        <a:gradFill rotWithShape="1">
+          <a:gsLst>
+            <a:gs pos="0">
+              <a:schemeClr val="phClr">
+                <a:satMod val="103000"/>
+                <a:lumMod val="102000"/>
+                <a:tint val="94000"/>
+              </a:schemeClr>
+            </a:gs>
+            <a:gs pos="50000">
+              <a:schemeClr val="phClr">
+                <a:satMod val="110000"/>
+                <a:lumMod val="100000"/>
+                <a:shade val="100000"/>
+              </a:schemeClr>
+            </a:gs>
+            <a:gs pos="100000">
+              <a:schemeClr val="phClr">
+                <a:lumMod val="99000"/>
+                <a:satMod val="120000"/>
+                <a:shade val="78000"/>
+              </a:schemeClr>
+            </a:gs>
+          </a:gsLst>
+          <a:lin ang="5400000" scaled="0"/>
+        </a:gradFill>
+      </a:fillStyleLst>
+      <a:lnStyleLst>
+        <a:ln w="6350" cap="flat" cmpd="sng" algn="ctr">
+          <a:solidFill>
+            <a:schemeClr val="phClr"/>
+          </a:solidFill>
+          <a:prstDash val="solid"/>
+          <a:miter lim="800000"/>
+        </a:ln>
+        <a:ln w="12700" cap="flat" cmpd="sng" algn="ctr">
+          <a:solidFill>
+            <a:schemeClr val="phClr"/>
+          </a:solidFill>
+          <a:prstDash val="solid"/>
+          <a:miter lim="800000"/>
+        </a:ln>
+        <a:ln w="19050" cap="flat" cmpd="sng" algn="ctr">
+          <a:solidFill>
+            <a:schemeClr val="phClr"/>
+          </a:solidFill>
+          <a:prstDash val="solid"/>
+          <a:miter lim="800000"/>
+        </a:ln>
+      </a:lnStyleLst>
+      <a:effectStyleLst>
+        <a:effectStyle>
+          <a:effectLst/>
+        </a:effectStyle>
+        <a:effectStyle>
+          <a:effectLst/>
+        </a:effectStyle>
+        <a:effectStyle>
+          <a:effectLst>
+            <a:outerShdw blurRad="57150" dist="19050" dir="5400000" algn="ctr" rotWithShape="0">
+              <a:srgbClr val="000000">
+                <a:alpha val="63000"/>
+              </a:srgbClr>
+            </a:outerShdw>
+          </a:effectLst>
+        </a:effectStyle>
+      </a:effectStyleLst>
+      <a:bgFillStyleLst>
+        <a:solidFill>
+          <a:schemeClr val="phClr"/>
+        </a:solidFill>
+        <a:solidFill>
+          <a:schemeClr val="phClr">
+            <a:tint val="95000"/>
+            <a:satMod val="170000"/>
+          </a:schemeClr>
+        </a:solidFill>
+        <a:gradFill rotWithShape="1">
+          <a:gsLst>
+            <a:gs pos="0">
+              <a:schemeClr val="phClr">
+                <a:tint val="93000"/>
+                <a:satMod val="150000"/>
+                <a:shade val="98000"/>
+                <a:lumMod val="102000"/>
+              </a:schemeClr>
+            </a:gs>
+            <a:gs pos="50000">
+              <a:schemeClr val="phClr">
+                <a:tint val="98000"/>
+                <a:satMod val="130000"/>
+                <a:shade val="90000"/>
+                <a:lumMod val="103000"/>
+              </a:schemeClr>
+            </a:gs>
+            <a:gs pos="100000">
+              <a:schemeClr val="phClr">
+                <a:shade val="63000"/>
+                <a:satMod val="120000"/>
+              </a:schemeClr>
+            </a:gs>
+          </a:gsLst>
+          <a:lin ang="5400000" scaled="0"/>
+        </a:gradFill>
+      </a:bgFillStyleLst>
+    </a:fmtScheme>
+  </a:themeElements>
+  <a:objectDefaults/>
+  <a:extraClrSchemeLst/>
+  <a:extLst>
+    <a:ext uri="{05A4C25C-085E-4340-85A3-A5531E510DB2}">
+      <thm15:themeFamily xmlns:thm15="http://schemas.microsoft.com/office/thememl/2012/main" name="Office Theme" id="{62F939B6-93AF-4DB8-9C6B-D6C7DFDC589F}" vid="{4A3C46E8-61CC-4603-A589-7422A47A8E4A}"/>
+    </a:ext>
+  </a:extLst>
+</a:theme>
 </file>
--- a/_PowerPoints/Wednesday Meeting Feb 9.pptx
+++ b/_PowerPoints/Wednesday Meeting Feb 9.pptx
@@ -212,7 +212,7 @@
           <a:p>
             <a:fld id="{85939D8E-AE14-4AF7-9B16-343BF0DF4D9E}" type="datetimeFigureOut">
               <a:rPr lang="en-US" smtClean="0"/>
-              <a:t>2/14/2022</a:t>
+              <a:t>3/21/2022</a:t>
             </a:fld>
             <a:endParaRPr lang="en-US"/>
           </a:p>
@@ -1841,7 +1841,7 @@
           <a:p>
             <a:fld id="{322A28A2-6AEA-4C74-97F2-4CB956558FDC}" type="datetimeFigureOut">
               <a:rPr lang="en-US" smtClean="0"/>
-              <a:t>2/14/2022</a:t>
+              <a:t>3/21/2022</a:t>
             </a:fld>
             <a:endParaRPr lang="en-US"/>
           </a:p>
@@ -2049,7 +2049,7 @@
           <a:p>
             <a:fld id="{322A28A2-6AEA-4C74-97F2-4CB956558FDC}" type="datetimeFigureOut">
               <a:rPr lang="en-US" smtClean="0"/>
-              <a:t>2/14/2022</a:t>
+              <a:t>3/21/2022</a:t>
             </a:fld>
             <a:endParaRPr lang="en-US"/>
           </a:p>
@@ -2305,7 +2305,7 @@
           <a:p>
             <a:fld id="{322A28A2-6AEA-4C74-97F2-4CB956558FDC}" type="datetimeFigureOut">
               <a:rPr lang="en-US" smtClean="0"/>
-              <a:t>2/14/2022</a:t>
+              <a:t>3/21/2022</a:t>
             </a:fld>
             <a:endParaRPr lang="en-US"/>
           </a:p>
@@ -2479,7 +2479,7 @@
           <a:p>
             <a:fld id="{322A28A2-6AEA-4C74-97F2-4CB956558FDC}" type="datetimeFigureOut">
               <a:rPr lang="en-US" smtClean="0"/>
-              <a:t>2/14/2022</a:t>
+              <a:t>3/21/2022</a:t>
             </a:fld>
             <a:endParaRPr lang="en-US"/>
           </a:p>
@@ -2822,7 +2822,7 @@
           <a:p>
             <a:fld id="{322A28A2-6AEA-4C74-97F2-4CB956558FDC}" type="datetimeFigureOut">
               <a:rPr lang="en-US" smtClean="0"/>
-              <a:t>2/14/2022</a:t>
+              <a:t>3/21/2022</a:t>
             </a:fld>
             <a:endParaRPr lang="en-US"/>
           </a:p>
@@ -3097,7 +3097,7 @@
           <a:p>
             <a:fld id="{322A28A2-6AEA-4C74-97F2-4CB956558FDC}" type="datetimeFigureOut">
               <a:rPr lang="en-US" smtClean="0"/>
-              <a:t>2/14/2022</a:t>
+              <a:t>3/21/2022</a:t>
             </a:fld>
             <a:endParaRPr lang="en-US"/>
           </a:p>
@@ -3476,7 +3476,7 @@
           <a:p>
             <a:fld id="{322A28A2-6AEA-4C74-97F2-4CB956558FDC}" type="datetimeFigureOut">
               <a:rPr lang="en-US" smtClean="0"/>
-              <a:t>2/14/2022</a:t>
+              <a:t>3/21/2022</a:t>
             </a:fld>
             <a:endParaRPr lang="en-US"/>
           </a:p>
@@ -3594,7 +3594,7 @@
           <a:p>
             <a:fld id="{322A28A2-6AEA-4C74-97F2-4CB956558FDC}" type="datetimeFigureOut">
               <a:rPr lang="en-US" smtClean="0"/>
-              <a:t>2/14/2022</a:t>
+              <a:t>3/21/2022</a:t>
             </a:fld>
             <a:endParaRPr lang="en-US"/>
           </a:p>
@@ -3765,7 +3765,7 @@
           <a:p>
             <a:fld id="{322A28A2-6AEA-4C74-97F2-4CB956558FDC}" type="datetimeFigureOut">
               <a:rPr lang="en-US" smtClean="0"/>
-              <a:t>2/14/2022</a:t>
+              <a:t>3/21/2022</a:t>
             </a:fld>
             <a:endParaRPr lang="en-US"/>
           </a:p>
@@ -4119,7 +4119,7 @@
           <a:p>
             <a:fld id="{322A28A2-6AEA-4C74-97F2-4CB956558FDC}" type="datetimeFigureOut">
               <a:rPr lang="en-US" smtClean="0"/>
-              <a:t>2/14/2022</a:t>
+              <a:t>3/21/2022</a:t>
             </a:fld>
             <a:endParaRPr lang="en-US"/>
           </a:p>
@@ -4501,7 +4501,7 @@
           <a:p>
             <a:fld id="{322A28A2-6AEA-4C74-97F2-4CB956558FDC}" type="datetimeFigureOut">
               <a:rPr lang="en-US" smtClean="0"/>
-              <a:t>2/14/2022</a:t>
+              <a:t>3/21/2022</a:t>
             </a:fld>
             <a:endParaRPr lang="en-US"/>
           </a:p>
@@ -4788,7 +4788,7 @@
           <a:p>
             <a:fld id="{322A28A2-6AEA-4C74-97F2-4CB956558FDC}" type="datetimeFigureOut">
               <a:rPr lang="en-US" smtClean="0"/>
-              <a:t>2/14/2022</a:t>
+              <a:t>3/21/2022</a:t>
             </a:fld>
             <a:endParaRPr lang="en-US"/>
           </a:p>
